--- a/vignettes/plot_prefix-Hazard-Curve.pptx
+++ b/vignettes/plot_prefix-Hazard-Curve.pptx
@@ -2359,7 +2359,7 @@
           </p:nvSpPr>
           <p:spPr>
             <a:xfrm>
-              <a:off x="1428330" y="3583871"/>
+              <a:off x="1428330" y="3603574"/>
               <a:ext cx="4254769" cy="0"/>
             </a:xfrm>
             <a:custGeom>
@@ -2402,7 +2402,7 @@
           </p:nvSpPr>
           <p:spPr>
             <a:xfrm>
-              <a:off x="1428330" y="2670217"/>
+              <a:off x="1428330" y="2756416"/>
               <a:ext cx="4254769" cy="0"/>
             </a:xfrm>
             <a:custGeom>
@@ -2445,7 +2445,7 @@
           </p:nvSpPr>
           <p:spPr>
             <a:xfrm>
-              <a:off x="1428330" y="1756562"/>
+              <a:off x="1428330" y="1909257"/>
               <a:ext cx="4254769" cy="0"/>
             </a:xfrm>
             <a:custGeom>
@@ -2488,6 +2488,49 @@
           </p:nvSpPr>
           <p:spPr>
             <a:xfrm>
+              <a:off x="1428330" y="1062099"/>
+              <a:ext cx="4254769" cy="0"/>
+            </a:xfrm>
+            <a:custGeom>
+              <a:avLst/>
+              <a:pathLst>
+                <a:path w="4254769" h="0">
+                  <a:moveTo>
+                    <a:pt x="0" y="0"/>
+                  </a:moveTo>
+                  <a:lnTo>
+                    <a:pt x="4254769" y="0"/>
+                  </a:lnTo>
+                  <a:lnTo>
+                    <a:pt x="4254769" y="0"/>
+                  </a:lnTo>
+                </a:path>
+              </a:pathLst>
+            </a:custGeom>
+            <a:ln w="6775" cap="flat">
+              <a:solidFill>
+                <a:srgbClr val="FFFFFF">
+                  <a:alpha val="100000"/>
+                </a:srgbClr>
+              </a:solidFill>
+              <a:prstDash val="solid"/>
+              <a:round/>
+            </a:ln>
+          </p:spPr>
+          <p:txBody>
+            <a:bodyPr/>
+            <a:lstStyle/>
+            <a:p/>
+          </p:txBody>
+        </p:sp>
+        <p:sp>
+          <p:nvSpPr>
+            <p:cNvPr id="11" name="pl10"/>
+            <p:cNvSpPr/>
+            <p:nvPr/>
+          </p:nvSpPr>
+          <p:spPr>
+            <a:xfrm>
               <a:off x="1478471" y="983989"/>
               <a:ext cx="0" cy="3188077"/>
             </a:xfrm>
@@ -2525,7 +2568,7 @@
         </p:sp>
         <p:sp>
           <p:nvSpPr>
-            <p:cNvPr id="11" name="pl10"/>
+            <p:cNvPr id="12" name="pl11"/>
             <p:cNvSpPr/>
             <p:nvPr/>
           </p:nvSpPr>
@@ -2568,7 +2611,7 @@
         </p:sp>
         <p:sp>
           <p:nvSpPr>
-            <p:cNvPr id="12" name="pl11"/>
+            <p:cNvPr id="13" name="pl12"/>
             <p:cNvSpPr/>
             <p:nvPr/>
           </p:nvSpPr>
@@ -2611,7 +2654,7 @@
         </p:sp>
         <p:sp>
           <p:nvSpPr>
-            <p:cNvPr id="13" name="pl12"/>
+            <p:cNvPr id="14" name="pl13"/>
             <p:cNvSpPr/>
             <p:nvPr/>
           </p:nvSpPr>
@@ -2654,7 +2697,7 @@
         </p:sp>
         <p:sp>
           <p:nvSpPr>
-            <p:cNvPr id="14" name="pl13"/>
+            <p:cNvPr id="15" name="pl14"/>
             <p:cNvSpPr/>
             <p:nvPr/>
           </p:nvSpPr>
@@ -2697,7 +2740,7 @@
         </p:sp>
         <p:sp>
           <p:nvSpPr>
-            <p:cNvPr id="15" name="pl14"/>
+            <p:cNvPr id="16" name="pl15"/>
             <p:cNvSpPr/>
             <p:nvPr/>
           </p:nvSpPr>
@@ -2740,7 +2783,7 @@
         </p:sp>
         <p:sp>
           <p:nvSpPr>
-            <p:cNvPr id="16" name="pl15"/>
+            <p:cNvPr id="17" name="pl16"/>
             <p:cNvSpPr/>
             <p:nvPr/>
           </p:nvSpPr>
@@ -2783,7 +2826,7 @@
         </p:sp>
         <p:sp>
           <p:nvSpPr>
-            <p:cNvPr id="17" name="pl16"/>
+            <p:cNvPr id="18" name="pl17"/>
             <p:cNvSpPr/>
             <p:nvPr/>
           </p:nvSpPr>
@@ -2826,7 +2869,7 @@
         </p:sp>
         <p:sp>
           <p:nvSpPr>
-            <p:cNvPr id="18" name="pl17"/>
+            <p:cNvPr id="19" name="pl18"/>
             <p:cNvSpPr/>
             <p:nvPr/>
           </p:nvSpPr>
@@ -2869,7 +2912,7 @@
         </p:sp>
         <p:sp>
           <p:nvSpPr>
-            <p:cNvPr id="19" name="pl18"/>
+            <p:cNvPr id="20" name="pl19"/>
             <p:cNvSpPr/>
             <p:nvPr/>
           </p:nvSpPr>
@@ -2912,7 +2955,7 @@
         </p:sp>
         <p:sp>
           <p:nvSpPr>
-            <p:cNvPr id="20" name="pl19"/>
+            <p:cNvPr id="21" name="pl20"/>
             <p:cNvSpPr/>
             <p:nvPr/>
           </p:nvSpPr>
@@ -2955,7 +2998,7 @@
         </p:sp>
         <p:sp>
           <p:nvSpPr>
-            <p:cNvPr id="21" name="pl20"/>
+            <p:cNvPr id="22" name="pl21"/>
             <p:cNvSpPr/>
             <p:nvPr/>
           </p:nvSpPr>
@@ -2998,7 +3041,7 @@
         </p:sp>
         <p:sp>
           <p:nvSpPr>
-            <p:cNvPr id="22" name="pl21"/>
+            <p:cNvPr id="23" name="pl22"/>
             <p:cNvSpPr/>
             <p:nvPr/>
           </p:nvSpPr>
@@ -3041,7 +3084,7 @@
         </p:sp>
         <p:sp>
           <p:nvSpPr>
-            <p:cNvPr id="23" name="pl22"/>
+            <p:cNvPr id="24" name="pl23"/>
             <p:cNvSpPr/>
             <p:nvPr/>
           </p:nvSpPr>
@@ -3084,7 +3127,7 @@
         </p:sp>
         <p:sp>
           <p:nvSpPr>
-            <p:cNvPr id="24" name="pl23"/>
+            <p:cNvPr id="25" name="pl24"/>
             <p:cNvSpPr/>
             <p:nvPr/>
           </p:nvSpPr>
@@ -3127,7 +3170,7 @@
         </p:sp>
         <p:sp>
           <p:nvSpPr>
-            <p:cNvPr id="25" name="pl24"/>
+            <p:cNvPr id="26" name="pl25"/>
             <p:cNvSpPr/>
             <p:nvPr/>
           </p:nvSpPr>
@@ -3170,13 +3213,13 @@
         </p:sp>
         <p:sp>
           <p:nvSpPr>
-            <p:cNvPr id="26" name="pl25"/>
-            <p:cNvSpPr/>
-            <p:nvPr/>
-          </p:nvSpPr>
-          <p:spPr>
-            <a:xfrm>
-              <a:off x="1428330" y="4040699"/>
+            <p:cNvPr id="27" name="pl26"/>
+            <p:cNvSpPr/>
+            <p:nvPr/>
+          </p:nvSpPr>
+          <p:spPr>
+            <a:xfrm>
+              <a:off x="1428330" y="4027153"/>
               <a:ext cx="4254769" cy="0"/>
             </a:xfrm>
             <a:custGeom>
@@ -3213,13 +3256,13 @@
         </p:sp>
         <p:sp>
           <p:nvSpPr>
-            <p:cNvPr id="27" name="pl26"/>
-            <p:cNvSpPr/>
-            <p:nvPr/>
-          </p:nvSpPr>
-          <p:spPr>
-            <a:xfrm>
-              <a:off x="1428330" y="3127044"/>
+            <p:cNvPr id="28" name="pl27"/>
+            <p:cNvSpPr/>
+            <p:nvPr/>
+          </p:nvSpPr>
+          <p:spPr>
+            <a:xfrm>
+              <a:off x="1428330" y="3179995"/>
               <a:ext cx="4254769" cy="0"/>
             </a:xfrm>
             <a:custGeom>
@@ -3256,13 +3299,13 @@
         </p:sp>
         <p:sp>
           <p:nvSpPr>
-            <p:cNvPr id="28" name="pl27"/>
-            <p:cNvSpPr/>
-            <p:nvPr/>
-          </p:nvSpPr>
-          <p:spPr>
-            <a:xfrm>
-              <a:off x="1428330" y="2213389"/>
+            <p:cNvPr id="29" name="pl28"/>
+            <p:cNvSpPr/>
+            <p:nvPr/>
+          </p:nvSpPr>
+          <p:spPr>
+            <a:xfrm>
+              <a:off x="1428330" y="2332837"/>
               <a:ext cx="4254769" cy="0"/>
             </a:xfrm>
             <a:custGeom>
@@ -3299,13 +3342,13 @@
         </p:sp>
         <p:sp>
           <p:nvSpPr>
-            <p:cNvPr id="29" name="pl28"/>
-            <p:cNvSpPr/>
-            <p:nvPr/>
-          </p:nvSpPr>
-          <p:spPr>
-            <a:xfrm>
-              <a:off x="1428330" y="1299735"/>
+            <p:cNvPr id="30" name="pl29"/>
+            <p:cNvSpPr/>
+            <p:nvPr/>
+          </p:nvSpPr>
+          <p:spPr>
+            <a:xfrm>
+              <a:off x="1428330" y="1485678"/>
               <a:ext cx="4254769" cy="0"/>
             </a:xfrm>
             <a:custGeom>
@@ -3342,7 +3385,7 @@
         </p:sp>
         <p:sp>
           <p:nvSpPr>
-            <p:cNvPr id="30" name="pl29"/>
+            <p:cNvPr id="31" name="pl30"/>
             <p:cNvSpPr/>
             <p:nvPr/>
           </p:nvSpPr>
@@ -3385,7 +3428,7 @@
         </p:sp>
         <p:sp>
           <p:nvSpPr>
-            <p:cNvPr id="31" name="pl30"/>
+            <p:cNvPr id="32" name="pl31"/>
             <p:cNvSpPr/>
             <p:nvPr/>
           </p:nvSpPr>
@@ -3428,7 +3471,7 @@
         </p:sp>
         <p:sp>
           <p:nvSpPr>
-            <p:cNvPr id="32" name="pl31"/>
+            <p:cNvPr id="33" name="pl32"/>
             <p:cNvSpPr/>
             <p:nvPr/>
           </p:nvSpPr>
@@ -3471,7 +3514,7 @@
         </p:sp>
         <p:sp>
           <p:nvSpPr>
-            <p:cNvPr id="33" name="pl32"/>
+            <p:cNvPr id="34" name="pl33"/>
             <p:cNvSpPr/>
             <p:nvPr/>
           </p:nvSpPr>
@@ -3514,7 +3557,7 @@
         </p:sp>
         <p:sp>
           <p:nvSpPr>
-            <p:cNvPr id="34" name="pl33"/>
+            <p:cNvPr id="35" name="pl34"/>
             <p:cNvSpPr/>
             <p:nvPr/>
           </p:nvSpPr>
@@ -3557,7 +3600,7 @@
         </p:sp>
         <p:sp>
           <p:nvSpPr>
-            <p:cNvPr id="35" name="pl34"/>
+            <p:cNvPr id="36" name="pl35"/>
             <p:cNvSpPr/>
             <p:nvPr/>
           </p:nvSpPr>
@@ -3600,7 +3643,7 @@
         </p:sp>
         <p:sp>
           <p:nvSpPr>
-            <p:cNvPr id="36" name="pl35"/>
+            <p:cNvPr id="37" name="pl36"/>
             <p:cNvSpPr/>
             <p:nvPr/>
           </p:nvSpPr>
@@ -3643,7 +3686,7 @@
         </p:sp>
         <p:sp>
           <p:nvSpPr>
-            <p:cNvPr id="37" name="pl36"/>
+            <p:cNvPr id="38" name="pl37"/>
             <p:cNvSpPr/>
             <p:nvPr/>
           </p:nvSpPr>
@@ -3686,7 +3729,7 @@
         </p:sp>
         <p:sp>
           <p:nvSpPr>
-            <p:cNvPr id="38" name="pl37"/>
+            <p:cNvPr id="39" name="pl38"/>
             <p:cNvSpPr/>
             <p:nvPr/>
           </p:nvSpPr>
@@ -3729,7 +3772,7 @@
         </p:sp>
         <p:sp>
           <p:nvSpPr>
-            <p:cNvPr id="39" name="pl38"/>
+            <p:cNvPr id="40" name="pl39"/>
             <p:cNvSpPr/>
             <p:nvPr/>
           </p:nvSpPr>
@@ -3772,7 +3815,7 @@
         </p:sp>
         <p:sp>
           <p:nvSpPr>
-            <p:cNvPr id="40" name="pl39"/>
+            <p:cNvPr id="41" name="pl40"/>
             <p:cNvSpPr/>
             <p:nvPr/>
           </p:nvSpPr>
@@ -3815,7 +3858,7 @@
         </p:sp>
         <p:sp>
           <p:nvSpPr>
-            <p:cNvPr id="41" name="pl40"/>
+            <p:cNvPr id="42" name="pl41"/>
             <p:cNvSpPr/>
             <p:nvPr/>
           </p:nvSpPr>
@@ -3858,7 +3901,7 @@
         </p:sp>
         <p:sp>
           <p:nvSpPr>
-            <p:cNvPr id="42" name="pl41"/>
+            <p:cNvPr id="43" name="pl42"/>
             <p:cNvSpPr/>
             <p:nvPr/>
           </p:nvSpPr>
@@ -3901,7 +3944,7 @@
         </p:sp>
         <p:sp>
           <p:nvSpPr>
-            <p:cNvPr id="43" name="pl42"/>
+            <p:cNvPr id="44" name="pl43"/>
             <p:cNvSpPr/>
             <p:nvPr/>
           </p:nvSpPr>
@@ -3944,93 +3987,180 @@
         </p:sp>
         <p:sp>
           <p:nvSpPr>
-            <p:cNvPr id="44" name="pl43"/>
-            <p:cNvSpPr/>
-            <p:nvPr/>
-          </p:nvSpPr>
-          <p:spPr>
-            <a:xfrm>
-              <a:off x="2445464" y="1287833"/>
-              <a:ext cx="2900979" cy="2738519"/>
+            <p:cNvPr id="45" name="pl44"/>
+            <p:cNvSpPr/>
+            <p:nvPr/>
+          </p:nvSpPr>
+          <p:spPr>
+            <a:xfrm>
+              <a:off x="1657543" y="1128901"/>
+              <a:ext cx="3796343" cy="2898252"/>
             </a:xfrm>
             <a:custGeom>
               <a:avLst/>
               <a:pathLst>
-                <a:path w="2900979" h="2738519">
+                <a:path w="3796343" h="2898252">
                   <a:moveTo>
-                    <a:pt x="0" y="2738519"/>
+                    <a:pt x="0" y="2898252"/>
                   </a:moveTo>
                   <a:lnTo>
-                    <a:pt x="931178" y="2303113"/>
-                  </a:lnTo>
-                  <a:lnTo>
-                    <a:pt x="1074436" y="2141485"/>
-                  </a:lnTo>
-                  <a:lnTo>
-                    <a:pt x="1181880" y="1983641"/>
-                  </a:lnTo>
-                  <a:lnTo>
-                    <a:pt x="1289324" y="1679091"/>
-                  </a:lnTo>
-                  <a:lnTo>
-                    <a:pt x="1360953" y="1366735"/>
-                  </a:lnTo>
-                  <a:lnTo>
-                    <a:pt x="1432582" y="980559"/>
-                  </a:lnTo>
-                  <a:lnTo>
-                    <a:pt x="1504211" y="603824"/>
-                  </a:lnTo>
-                  <a:lnTo>
-                    <a:pt x="1575840" y="262701"/>
-                  </a:lnTo>
-                  <a:lnTo>
-                    <a:pt x="1647469" y="0"/>
-                  </a:lnTo>
-                  <a:lnTo>
-                    <a:pt x="1719098" y="7775"/>
-                  </a:lnTo>
-                  <a:lnTo>
-                    <a:pt x="1790727" y="257088"/>
-                  </a:lnTo>
-                  <a:lnTo>
-                    <a:pt x="1862356" y="603904"/>
-                  </a:lnTo>
-                  <a:lnTo>
-                    <a:pt x="1933986" y="952719"/>
-                  </a:lnTo>
-                  <a:lnTo>
-                    <a:pt x="2005615" y="1232006"/>
-                  </a:lnTo>
-                  <a:lnTo>
-                    <a:pt x="2077244" y="1435856"/>
-                  </a:lnTo>
-                  <a:lnTo>
-                    <a:pt x="2184688" y="1577510"/>
-                  </a:lnTo>
-                  <a:lnTo>
-                    <a:pt x="2292131" y="1516774"/>
-                  </a:lnTo>
-                  <a:lnTo>
-                    <a:pt x="2363760" y="1421505"/>
-                  </a:lnTo>
-                  <a:lnTo>
-                    <a:pt x="2435389" y="1331462"/>
-                  </a:lnTo>
-                  <a:lnTo>
-                    <a:pt x="2507019" y="1289690"/>
-                  </a:lnTo>
-                  <a:lnTo>
-                    <a:pt x="2578648" y="1405360"/>
-                  </a:lnTo>
-                  <a:lnTo>
-                    <a:pt x="2650277" y="1629463"/>
-                  </a:lnTo>
-                  <a:lnTo>
-                    <a:pt x="2721906" y="1900475"/>
-                  </a:lnTo>
-                  <a:lnTo>
-                    <a:pt x="2900979" y="2438176"/>
+                    <a:pt x="71629" y="2898252"/>
+                  </a:lnTo>
+                  <a:lnTo>
+                    <a:pt x="143258" y="2898252"/>
+                  </a:lnTo>
+                  <a:lnTo>
+                    <a:pt x="214887" y="2898252"/>
+                  </a:lnTo>
+                  <a:lnTo>
+                    <a:pt x="286516" y="2898252"/>
+                  </a:lnTo>
+                  <a:lnTo>
+                    <a:pt x="358145" y="2898251"/>
+                  </a:lnTo>
+                  <a:lnTo>
+                    <a:pt x="429774" y="2898251"/>
+                  </a:lnTo>
+                  <a:lnTo>
+                    <a:pt x="501403" y="2898250"/>
+                  </a:lnTo>
+                  <a:lnTo>
+                    <a:pt x="573032" y="2898248"/>
+                  </a:lnTo>
+                  <a:lnTo>
+                    <a:pt x="644662" y="2898244"/>
+                  </a:lnTo>
+                  <a:lnTo>
+                    <a:pt x="716291" y="2898235"/>
+                  </a:lnTo>
+                  <a:lnTo>
+                    <a:pt x="787920" y="2898217"/>
+                  </a:lnTo>
+                  <a:lnTo>
+                    <a:pt x="859549" y="2898178"/>
+                  </a:lnTo>
+                  <a:lnTo>
+                    <a:pt x="931178" y="2898096"/>
+                  </a:lnTo>
+                  <a:lnTo>
+                    <a:pt x="1002807" y="2897923"/>
+                  </a:lnTo>
+                  <a:lnTo>
+                    <a:pt x="1074436" y="2897557"/>
+                  </a:lnTo>
+                  <a:lnTo>
+                    <a:pt x="1146065" y="2896784"/>
+                  </a:lnTo>
+                  <a:lnTo>
+                    <a:pt x="1217694" y="2895157"/>
+                  </a:lnTo>
+                  <a:lnTo>
+                    <a:pt x="1289324" y="2891739"/>
+                  </a:lnTo>
+                  <a:lnTo>
+                    <a:pt x="1360953" y="2884594"/>
+                  </a:lnTo>
+                  <a:lnTo>
+                    <a:pt x="1432582" y="2869958"/>
+                  </a:lnTo>
+                  <a:lnTo>
+                    <a:pt x="1504211" y="2840174"/>
+                  </a:lnTo>
+                  <a:lnTo>
+                    <a:pt x="1575840" y="2786199"/>
+                  </a:lnTo>
+                  <a:lnTo>
+                    <a:pt x="1647469" y="2686089"/>
+                  </a:lnTo>
+                  <a:lnTo>
+                    <a:pt x="1719098" y="2533358"/>
+                  </a:lnTo>
+                  <a:lnTo>
+                    <a:pt x="1790727" y="2338208"/>
+                  </a:lnTo>
+                  <a:lnTo>
+                    <a:pt x="1862356" y="2269736"/>
+                  </a:lnTo>
+                  <a:lnTo>
+                    <a:pt x="1933986" y="2213760"/>
+                  </a:lnTo>
+                  <a:lnTo>
+                    <a:pt x="2005615" y="2174852"/>
+                  </a:lnTo>
+                  <a:lnTo>
+                    <a:pt x="2077244" y="1977336"/>
+                  </a:lnTo>
+                  <a:lnTo>
+                    <a:pt x="2148873" y="1643795"/>
+                  </a:lnTo>
+                  <a:lnTo>
+                    <a:pt x="2220502" y="1272446"/>
+                  </a:lnTo>
+                  <a:lnTo>
+                    <a:pt x="2292131" y="839289"/>
+                  </a:lnTo>
+                  <a:lnTo>
+                    <a:pt x="2363760" y="504514"/>
+                  </a:lnTo>
+                  <a:lnTo>
+                    <a:pt x="2435389" y="206379"/>
+                  </a:lnTo>
+                  <a:lnTo>
+                    <a:pt x="2507019" y="0"/>
+                  </a:lnTo>
+                  <a:lnTo>
+                    <a:pt x="2578648" y="407635"/>
+                  </a:lnTo>
+                  <a:lnTo>
+                    <a:pt x="2650277" y="986104"/>
+                  </a:lnTo>
+                  <a:lnTo>
+                    <a:pt x="2721906" y="1324763"/>
+                  </a:lnTo>
+                  <a:lnTo>
+                    <a:pt x="2793535" y="1611142"/>
+                  </a:lnTo>
+                  <a:lnTo>
+                    <a:pt x="2865164" y="1934937"/>
+                  </a:lnTo>
+                  <a:lnTo>
+                    <a:pt x="2936793" y="2083871"/>
+                  </a:lnTo>
+                  <a:lnTo>
+                    <a:pt x="3008422" y="2048536"/>
+                  </a:lnTo>
+                  <a:lnTo>
+                    <a:pt x="3080051" y="1894986"/>
+                  </a:lnTo>
+                  <a:lnTo>
+                    <a:pt x="3151681" y="1611910"/>
+                  </a:lnTo>
+                  <a:lnTo>
+                    <a:pt x="3223310" y="1425285"/>
+                  </a:lnTo>
+                  <a:lnTo>
+                    <a:pt x="3294939" y="1272410"/>
+                  </a:lnTo>
+                  <a:lnTo>
+                    <a:pt x="3366568" y="1425474"/>
+                  </a:lnTo>
+                  <a:lnTo>
+                    <a:pt x="3438197" y="1707050"/>
+                  </a:lnTo>
+                  <a:lnTo>
+                    <a:pt x="3509826" y="2158638"/>
+                  </a:lnTo>
+                  <a:lnTo>
+                    <a:pt x="3581455" y="2445226"/>
+                  </a:lnTo>
+                  <a:lnTo>
+                    <a:pt x="3653084" y="2624047"/>
+                  </a:lnTo>
+                  <a:lnTo>
+                    <a:pt x="3724713" y="2711385"/>
+                  </a:lnTo>
+                  <a:lnTo>
+                    <a:pt x="3796343" y="2766225"/>
                   </a:lnTo>
                 </a:path>
               </a:pathLst>
@@ -4053,102 +4183,180 @@
         </p:sp>
         <p:sp>
           <p:nvSpPr>
-            <p:cNvPr id="45" name="pl44"/>
-            <p:cNvSpPr/>
-            <p:nvPr/>
-          </p:nvSpPr>
-          <p:spPr>
-            <a:xfrm>
-              <a:off x="1764987" y="1128901"/>
-              <a:ext cx="3545641" cy="2873263"/>
+            <p:cNvPr id="46" name="pl45"/>
+            <p:cNvSpPr/>
+            <p:nvPr/>
+          </p:nvSpPr>
+          <p:spPr>
+            <a:xfrm>
+              <a:off x="1657543" y="1288792"/>
+              <a:ext cx="3796343" cy="2712583"/>
             </a:xfrm>
             <a:custGeom>
               <a:avLst/>
               <a:pathLst>
-                <a:path w="3545641" h="2873263">
+                <a:path w="3796343" h="2712583">
                   <a:moveTo>
-                    <a:pt x="0" y="2851440"/>
+                    <a:pt x="0" y="2699460"/>
                   </a:moveTo>
                   <a:lnTo>
-                    <a:pt x="250701" y="2858743"/>
-                  </a:lnTo>
-                  <a:lnTo>
-                    <a:pt x="787920" y="2845899"/>
-                  </a:lnTo>
-                  <a:lnTo>
-                    <a:pt x="1253509" y="2647128"/>
-                  </a:lnTo>
-                  <a:lnTo>
-                    <a:pt x="1325138" y="2568529"/>
-                  </a:lnTo>
-                  <a:lnTo>
-                    <a:pt x="1396767" y="2465538"/>
-                  </a:lnTo>
-                  <a:lnTo>
-                    <a:pt x="1504211" y="2243471"/>
-                  </a:lnTo>
-                  <a:lnTo>
-                    <a:pt x="1611655" y="1897257"/>
-                  </a:lnTo>
-                  <a:lnTo>
-                    <a:pt x="1683284" y="1580719"/>
-                  </a:lnTo>
-                  <a:lnTo>
-                    <a:pt x="1754913" y="1191045"/>
-                  </a:lnTo>
-                  <a:lnTo>
-                    <a:pt x="1826542" y="798978"/>
-                  </a:lnTo>
-                  <a:lnTo>
-                    <a:pt x="1898171" y="386142"/>
-                  </a:lnTo>
-                  <a:lnTo>
-                    <a:pt x="1969800" y="142911"/>
-                  </a:lnTo>
-                  <a:lnTo>
-                    <a:pt x="2041429" y="0"/>
-                  </a:lnTo>
-                  <a:lnTo>
-                    <a:pt x="2113058" y="1579"/>
-                  </a:lnTo>
-                  <a:lnTo>
-                    <a:pt x="2184688" y="94031"/>
-                  </a:lnTo>
-                  <a:lnTo>
-                    <a:pt x="2256317" y="227050"/>
-                  </a:lnTo>
-                  <a:lnTo>
-                    <a:pt x="2327946" y="469090"/>
-                  </a:lnTo>
-                  <a:lnTo>
-                    <a:pt x="2399575" y="750742"/>
-                  </a:lnTo>
-                  <a:lnTo>
-                    <a:pt x="2471204" y="1052766"/>
-                  </a:lnTo>
-                  <a:lnTo>
-                    <a:pt x="2542833" y="1372765"/>
-                  </a:lnTo>
-                  <a:lnTo>
-                    <a:pt x="2650277" y="1777786"/>
-                  </a:lnTo>
-                  <a:lnTo>
-                    <a:pt x="2757720" y="2093779"/>
-                  </a:lnTo>
-                  <a:lnTo>
-                    <a:pt x="2829350" y="2259622"/>
-                  </a:lnTo>
-                  <a:lnTo>
-                    <a:pt x="2900979" y="2403024"/>
-                  </a:lnTo>
-                  <a:lnTo>
-                    <a:pt x="3115866" y="2685898"/>
-                  </a:lnTo>
-                  <a:lnTo>
-                    <a:pt x="3330753" y="2816196"/>
-                  </a:lnTo>
-                  <a:lnTo>
-                    <a:pt x="3545641" y="2873263"/>
+                    <a:pt x="71629" y="2699139"/>
+                  </a:lnTo>
+                  <a:lnTo>
+                    <a:pt x="143258" y="2698858"/>
+                  </a:lnTo>
+                  <a:lnTo>
+                    <a:pt x="214887" y="2698721"/>
+                  </a:lnTo>
+                  <a:lnTo>
+                    <a:pt x="286516" y="2698733"/>
+                  </a:lnTo>
+                  <a:lnTo>
+                    <a:pt x="358145" y="2698915"/>
+                  </a:lnTo>
+                  <a:lnTo>
+                    <a:pt x="429774" y="2699107"/>
+                  </a:lnTo>
+                  <a:lnTo>
+                    <a:pt x="501403" y="2699303"/>
+                  </a:lnTo>
+                  <a:lnTo>
+                    <a:pt x="573032" y="2698912"/>
+                  </a:lnTo>
+                  <a:lnTo>
+                    <a:pt x="644662" y="2698235"/>
+                  </a:lnTo>
+                  <a:lnTo>
+                    <a:pt x="716291" y="2696305"/>
+                  </a:lnTo>
+                  <a:lnTo>
+                    <a:pt x="787920" y="2693394"/>
+                  </a:lnTo>
+                  <a:lnTo>
+                    <a:pt x="859549" y="2688824"/>
+                  </a:lnTo>
+                  <a:lnTo>
+                    <a:pt x="931178" y="2681775"/>
+                  </a:lnTo>
+                  <a:lnTo>
+                    <a:pt x="1002807" y="2672353"/>
+                  </a:lnTo>
+                  <a:lnTo>
+                    <a:pt x="1074436" y="2657469"/>
+                  </a:lnTo>
+                  <a:lnTo>
+                    <a:pt x="1146065" y="2638012"/>
+                  </a:lnTo>
+                  <a:lnTo>
+                    <a:pt x="1217694" y="2608583"/>
+                  </a:lnTo>
+                  <a:lnTo>
+                    <a:pt x="1289324" y="2569396"/>
+                  </a:lnTo>
+                  <a:lnTo>
+                    <a:pt x="1360953" y="2515414"/>
+                  </a:lnTo>
+                  <a:lnTo>
+                    <a:pt x="1432582" y="2443891"/>
+                  </a:lnTo>
+                  <a:lnTo>
+                    <a:pt x="1504211" y="2349125"/>
+                  </a:lnTo>
+                  <a:lnTo>
+                    <a:pt x="1575840" y="2220171"/>
+                  </a:lnTo>
+                  <a:lnTo>
+                    <a:pt x="1647469" y="2047113"/>
+                  </a:lnTo>
+                  <a:lnTo>
+                    <a:pt x="1719098" y="1810546"/>
+                  </a:lnTo>
+                  <a:lnTo>
+                    <a:pt x="1790727" y="1504988"/>
+                  </a:lnTo>
+                  <a:lnTo>
+                    <a:pt x="1862356" y="1141769"/>
+                  </a:lnTo>
+                  <a:lnTo>
+                    <a:pt x="1933986" y="753584"/>
+                  </a:lnTo>
+                  <a:lnTo>
+                    <a:pt x="2005615" y="368911"/>
+                  </a:lnTo>
+                  <a:lnTo>
+                    <a:pt x="2077244" y="149723"/>
+                  </a:lnTo>
+                  <a:lnTo>
+                    <a:pt x="2148873" y="0"/>
+                  </a:lnTo>
+                  <a:lnTo>
+                    <a:pt x="2220502" y="34800"/>
+                  </a:lnTo>
+                  <a:lnTo>
+                    <a:pt x="2292131" y="102587"/>
+                  </a:lnTo>
+                  <a:lnTo>
+                    <a:pt x="2363760" y="271637"/>
+                  </a:lnTo>
+                  <a:lnTo>
+                    <a:pt x="2435389" y="493712"/>
+                  </a:lnTo>
+                  <a:lnTo>
+                    <a:pt x="2507019" y="769374"/>
+                  </a:lnTo>
+                  <a:lnTo>
+                    <a:pt x="2578648" y="1070434"/>
+                  </a:lnTo>
+                  <a:lnTo>
+                    <a:pt x="2650277" y="1349908"/>
+                  </a:lnTo>
+                  <a:lnTo>
+                    <a:pt x="2721906" y="1603910"/>
+                  </a:lnTo>
+                  <a:lnTo>
+                    <a:pt x="2793535" y="1814986"/>
+                  </a:lnTo>
+                  <a:lnTo>
+                    <a:pt x="2865164" y="1995316"/>
+                  </a:lnTo>
+                  <a:lnTo>
+                    <a:pt x="2936793" y="2144649"/>
+                  </a:lnTo>
+                  <a:lnTo>
+                    <a:pt x="3008422" y="2269739"/>
+                  </a:lnTo>
+                  <a:lnTo>
+                    <a:pt x="3080051" y="2372274"/>
+                  </a:lnTo>
+                  <a:lnTo>
+                    <a:pt x="3151681" y="2454338"/>
+                  </a:lnTo>
+                  <a:lnTo>
+                    <a:pt x="3223310" y="2517317"/>
+                  </a:lnTo>
+                  <a:lnTo>
+                    <a:pt x="3294939" y="2566257"/>
+                  </a:lnTo>
+                  <a:lnTo>
+                    <a:pt x="3366568" y="2604716"/>
+                  </a:lnTo>
+                  <a:lnTo>
+                    <a:pt x="3438197" y="2635130"/>
+                  </a:lnTo>
+                  <a:lnTo>
+                    <a:pt x="3509826" y="2659605"/>
+                  </a:lnTo>
+                  <a:lnTo>
+                    <a:pt x="3581455" y="2678552"/>
+                  </a:lnTo>
+                  <a:lnTo>
+                    <a:pt x="3653084" y="2693124"/>
+                  </a:lnTo>
+                  <a:lnTo>
+                    <a:pt x="3724713" y="2704204"/>
+                  </a:lnTo>
+                  <a:lnTo>
+                    <a:pt x="3796343" y="2712583"/>
                   </a:lnTo>
                 </a:path>
               </a:pathLst>
@@ -4171,96 +4379,180 @@
         </p:sp>
         <p:sp>
           <p:nvSpPr>
-            <p:cNvPr id="46" name="pl45"/>
-            <p:cNvSpPr/>
-            <p:nvPr/>
-          </p:nvSpPr>
-          <p:spPr>
-            <a:xfrm>
-              <a:off x="2338020" y="1428449"/>
-              <a:ext cx="3044237" cy="2598704"/>
+            <p:cNvPr id="47" name="pl46"/>
+            <p:cNvSpPr/>
+            <p:nvPr/>
+          </p:nvSpPr>
+          <p:spPr>
+            <a:xfrm>
+              <a:off x="1657543" y="1468590"/>
+              <a:ext cx="3796343" cy="2558540"/>
             </a:xfrm>
             <a:custGeom>
               <a:avLst/>
               <a:pathLst>
-                <a:path w="3044237" h="2598704">
+                <a:path w="3796343" h="2558540">
                   <a:moveTo>
-                    <a:pt x="0" y="2598704"/>
+                    <a:pt x="0" y="2558540"/>
                   </a:moveTo>
                   <a:lnTo>
-                    <a:pt x="787920" y="2465087"/>
-                  </a:lnTo>
-                  <a:lnTo>
-                    <a:pt x="931178" y="2364945"/>
-                  </a:lnTo>
-                  <a:lnTo>
-                    <a:pt x="1074436" y="2179823"/>
-                  </a:lnTo>
-                  <a:lnTo>
-                    <a:pt x="1181880" y="1950499"/>
-                  </a:lnTo>
-                  <a:lnTo>
-                    <a:pt x="1253509" y="1741965"/>
-                  </a:lnTo>
-                  <a:lnTo>
-                    <a:pt x="1325138" y="1479779"/>
-                  </a:lnTo>
-                  <a:lnTo>
-                    <a:pt x="1396767" y="1168040"/>
-                  </a:lnTo>
-                  <a:lnTo>
-                    <a:pt x="1468396" y="826645"/>
-                  </a:lnTo>
-                  <a:lnTo>
-                    <a:pt x="1540025" y="468222"/>
-                  </a:lnTo>
-                  <a:lnTo>
-                    <a:pt x="1611655" y="142125"/>
-                  </a:lnTo>
-                  <a:lnTo>
-                    <a:pt x="1683284" y="0"/>
-                  </a:lnTo>
-                  <a:lnTo>
-                    <a:pt x="1754913" y="19246"/>
-                  </a:lnTo>
-                  <a:lnTo>
-                    <a:pt x="1826542" y="199597"/>
-                  </a:lnTo>
-                  <a:lnTo>
-                    <a:pt x="1898171" y="549580"/>
-                  </a:lnTo>
-                  <a:lnTo>
-                    <a:pt x="1969800" y="899311"/>
-                  </a:lnTo>
-                  <a:lnTo>
-                    <a:pt x="2041429" y="1221618"/>
-                  </a:lnTo>
-                  <a:lnTo>
-                    <a:pt x="2113058" y="1493962"/>
-                  </a:lnTo>
-                  <a:lnTo>
-                    <a:pt x="2184688" y="1703602"/>
-                  </a:lnTo>
-                  <a:lnTo>
-                    <a:pt x="2292131" y="1931031"/>
-                  </a:lnTo>
-                  <a:lnTo>
-                    <a:pt x="2399575" y="2083731"/>
-                  </a:lnTo>
-                  <a:lnTo>
-                    <a:pt x="2471204" y="2162401"/>
-                  </a:lnTo>
-                  <a:lnTo>
-                    <a:pt x="2614462" y="2288939"/>
-                  </a:lnTo>
-                  <a:lnTo>
-                    <a:pt x="2757720" y="2385294"/>
-                  </a:lnTo>
-                  <a:lnTo>
-                    <a:pt x="2865164" y="2444655"/>
-                  </a:lnTo>
-                  <a:lnTo>
-                    <a:pt x="3044237" y="2516307"/>
+                    <a:pt x="71629" y="2558528"/>
+                  </a:lnTo>
+                  <a:lnTo>
+                    <a:pt x="143258" y="2558510"/>
+                  </a:lnTo>
+                  <a:lnTo>
+                    <a:pt x="214887" y="2558482"/>
+                  </a:lnTo>
+                  <a:lnTo>
+                    <a:pt x="286516" y="2558439"/>
+                  </a:lnTo>
+                  <a:lnTo>
+                    <a:pt x="358145" y="2558374"/>
+                  </a:lnTo>
+                  <a:lnTo>
+                    <a:pt x="429774" y="2558276"/>
+                  </a:lnTo>
+                  <a:lnTo>
+                    <a:pt x="501403" y="2558127"/>
+                  </a:lnTo>
+                  <a:lnTo>
+                    <a:pt x="573032" y="2557900"/>
+                  </a:lnTo>
+                  <a:lnTo>
+                    <a:pt x="644662" y="2557555"/>
+                  </a:lnTo>
+                  <a:lnTo>
+                    <a:pt x="716291" y="2557031"/>
+                  </a:lnTo>
+                  <a:lnTo>
+                    <a:pt x="787920" y="2556236"/>
+                  </a:lnTo>
+                  <a:lnTo>
+                    <a:pt x="859549" y="2555030"/>
+                  </a:lnTo>
+                  <a:lnTo>
+                    <a:pt x="931178" y="2553208"/>
+                  </a:lnTo>
+                  <a:lnTo>
+                    <a:pt x="1002807" y="2550452"/>
+                  </a:lnTo>
+                  <a:lnTo>
+                    <a:pt x="1074436" y="2546328"/>
+                  </a:lnTo>
+                  <a:lnTo>
+                    <a:pt x="1146065" y="2540135"/>
+                  </a:lnTo>
+                  <a:lnTo>
+                    <a:pt x="1217694" y="2531048"/>
+                  </a:lnTo>
+                  <a:lnTo>
+                    <a:pt x="1289324" y="2517758"/>
+                  </a:lnTo>
+                  <a:lnTo>
+                    <a:pt x="1360953" y="2498867"/>
+                  </a:lnTo>
+                  <a:lnTo>
+                    <a:pt x="1432582" y="2472729"/>
+                  </a:lnTo>
+                  <a:lnTo>
+                    <a:pt x="1504211" y="2436771"/>
+                  </a:lnTo>
+                  <a:lnTo>
+                    <a:pt x="1575840" y="2388576"/>
+                  </a:lnTo>
+                  <a:lnTo>
+                    <a:pt x="1647469" y="2322340"/>
+                  </a:lnTo>
+                  <a:lnTo>
+                    <a:pt x="1719098" y="2232477"/>
+                  </a:lnTo>
+                  <a:lnTo>
+                    <a:pt x="1790727" y="2110921"/>
+                  </a:lnTo>
+                  <a:lnTo>
+                    <a:pt x="1862356" y="1953364"/>
+                  </a:lnTo>
+                  <a:lnTo>
+                    <a:pt x="1933986" y="1755452"/>
+                  </a:lnTo>
+                  <a:lnTo>
+                    <a:pt x="2005615" y="1512486"/>
+                  </a:lnTo>
+                  <a:lnTo>
+                    <a:pt x="2077244" y="1219764"/>
+                  </a:lnTo>
+                  <a:lnTo>
+                    <a:pt x="2148873" y="856050"/>
+                  </a:lnTo>
+                  <a:lnTo>
+                    <a:pt x="2220502" y="509885"/>
+                  </a:lnTo>
+                  <a:lnTo>
+                    <a:pt x="2292131" y="156423"/>
+                  </a:lnTo>
+                  <a:lnTo>
+                    <a:pt x="2363760" y="0"/>
+                  </a:lnTo>
+                  <a:lnTo>
+                    <a:pt x="2435389" y="23186"/>
+                  </a:lnTo>
+                  <a:lnTo>
+                    <a:pt x="2507019" y="272490"/>
+                  </a:lnTo>
+                  <a:lnTo>
+                    <a:pt x="2578648" y="646608"/>
+                  </a:lnTo>
+                  <a:lnTo>
+                    <a:pt x="2650277" y="1018512"/>
+                  </a:lnTo>
+                  <a:lnTo>
+                    <a:pt x="2721906" y="1357265"/>
+                  </a:lnTo>
+                  <a:lnTo>
+                    <a:pt x="2793535" y="1620148"/>
+                  </a:lnTo>
+                  <a:lnTo>
+                    <a:pt x="2865164" y="1801218"/>
+                  </a:lnTo>
+                  <a:lnTo>
+                    <a:pt x="2936793" y="1934467"/>
+                  </a:lnTo>
+                  <a:lnTo>
+                    <a:pt x="3008422" y="2025404"/>
+                  </a:lnTo>
+                  <a:lnTo>
+                    <a:pt x="3080051" y="2093201"/>
+                  </a:lnTo>
+                  <a:lnTo>
+                    <a:pt x="3151681" y="2146517"/>
+                  </a:lnTo>
+                  <a:lnTo>
+                    <a:pt x="3223310" y="2197823"/>
+                  </a:lnTo>
+                  <a:lnTo>
+                    <a:pt x="3294939" y="2243587"/>
+                  </a:lnTo>
+                  <a:lnTo>
+                    <a:pt x="3366568" y="2285170"/>
+                  </a:lnTo>
+                  <a:lnTo>
+                    <a:pt x="3438197" y="2324846"/>
+                  </a:lnTo>
+                  <a:lnTo>
+                    <a:pt x="3509826" y="2365733"/>
+                  </a:lnTo>
+                  <a:lnTo>
+                    <a:pt x="3581455" y="2402713"/>
+                  </a:lnTo>
+                  <a:lnTo>
+                    <a:pt x="3653084" y="2434852"/>
+                  </a:lnTo>
+                  <a:lnTo>
+                    <a:pt x="3724713" y="2461414"/>
+                  </a:lnTo>
+                  <a:lnTo>
+                    <a:pt x="3796343" y="2482522"/>
                   </a:lnTo>
                 </a:path>
               </a:pathLst>
@@ -4283,96 +4575,180 @@
         </p:sp>
         <p:sp>
           <p:nvSpPr>
-            <p:cNvPr id="47" name="pl46"/>
-            <p:cNvSpPr/>
-            <p:nvPr/>
-          </p:nvSpPr>
-          <p:spPr>
-            <a:xfrm>
-              <a:off x="2302206" y="1312876"/>
-              <a:ext cx="3080051" cy="2713705"/>
+            <p:cNvPr id="48" name="pl47"/>
+            <p:cNvSpPr/>
+            <p:nvPr/>
+          </p:nvSpPr>
+          <p:spPr>
+            <a:xfrm>
+              <a:off x="1657543" y="1351365"/>
+              <a:ext cx="3796343" cy="2675743"/>
             </a:xfrm>
             <a:custGeom>
               <a:avLst/>
               <a:pathLst>
-                <a:path w="3080051" h="2713705">
+                <a:path w="3796343" h="2675743">
                   <a:moveTo>
-                    <a:pt x="0" y="2713705"/>
+                    <a:pt x="0" y="2675743"/>
                   </a:moveTo>
                   <a:lnTo>
-                    <a:pt x="752105" y="2602025"/>
-                  </a:lnTo>
-                  <a:lnTo>
-                    <a:pt x="859549" y="2546114"/>
-                  </a:lnTo>
-                  <a:lnTo>
-                    <a:pt x="1002807" y="2417700"/>
-                  </a:lnTo>
-                  <a:lnTo>
-                    <a:pt x="1146065" y="2163027"/>
-                  </a:lnTo>
-                  <a:lnTo>
-                    <a:pt x="1217694" y="1958439"/>
-                  </a:lnTo>
-                  <a:lnTo>
-                    <a:pt x="1289324" y="1690973"/>
-                  </a:lnTo>
-                  <a:lnTo>
-                    <a:pt x="1360953" y="1361551"/>
-                  </a:lnTo>
-                  <a:lnTo>
-                    <a:pt x="1432582" y="987876"/>
-                  </a:lnTo>
-                  <a:lnTo>
-                    <a:pt x="1504211" y="678887"/>
-                  </a:lnTo>
-                  <a:lnTo>
-                    <a:pt x="1575840" y="403254"/>
-                  </a:lnTo>
-                  <a:lnTo>
-                    <a:pt x="1647469" y="178535"/>
-                  </a:lnTo>
-                  <a:lnTo>
-                    <a:pt x="1719098" y="19806"/>
-                  </a:lnTo>
-                  <a:lnTo>
-                    <a:pt x="1790727" y="0"/>
-                  </a:lnTo>
-                  <a:lnTo>
-                    <a:pt x="1862356" y="116156"/>
-                  </a:lnTo>
-                  <a:lnTo>
-                    <a:pt x="1933986" y="420091"/>
-                  </a:lnTo>
-                  <a:lnTo>
-                    <a:pt x="2005615" y="798429"/>
-                  </a:lnTo>
-                  <a:lnTo>
-                    <a:pt x="2077244" y="1168160"/>
-                  </a:lnTo>
-                  <a:lnTo>
-                    <a:pt x="2148873" y="1508785"/>
-                  </a:lnTo>
-                  <a:lnTo>
-                    <a:pt x="2256317" y="1884408"/>
-                  </a:lnTo>
-                  <a:lnTo>
-                    <a:pt x="2435389" y="2197186"/>
-                  </a:lnTo>
-                  <a:lnTo>
-                    <a:pt x="2578648" y="2319526"/>
-                  </a:lnTo>
-                  <a:lnTo>
-                    <a:pt x="2650277" y="2364163"/>
-                  </a:lnTo>
-                  <a:lnTo>
-                    <a:pt x="2721906" y="2407003"/>
-                  </a:lnTo>
-                  <a:lnTo>
-                    <a:pt x="2865164" y="2483678"/>
-                  </a:lnTo>
-                  <a:lnTo>
-                    <a:pt x="3080051" y="2568966"/>
+                    <a:pt x="71629" y="2675720"/>
+                  </a:lnTo>
+                  <a:lnTo>
+                    <a:pt x="143258" y="2675687"/>
+                  </a:lnTo>
+                  <a:lnTo>
+                    <a:pt x="214887" y="2675636"/>
+                  </a:lnTo>
+                  <a:lnTo>
+                    <a:pt x="286516" y="2675560"/>
+                  </a:lnTo>
+                  <a:lnTo>
+                    <a:pt x="358145" y="2675445"/>
+                  </a:lnTo>
+                  <a:lnTo>
+                    <a:pt x="429774" y="2675273"/>
+                  </a:lnTo>
+                  <a:lnTo>
+                    <a:pt x="501403" y="2675014"/>
+                  </a:lnTo>
+                  <a:lnTo>
+                    <a:pt x="573032" y="2674625"/>
+                  </a:lnTo>
+                  <a:lnTo>
+                    <a:pt x="644662" y="2674041"/>
+                  </a:lnTo>
+                  <a:lnTo>
+                    <a:pt x="716291" y="2673168"/>
+                  </a:lnTo>
+                  <a:lnTo>
+                    <a:pt x="787920" y="2671861"/>
+                  </a:lnTo>
+                  <a:lnTo>
+                    <a:pt x="859549" y="2669910"/>
+                  </a:lnTo>
+                  <a:lnTo>
+                    <a:pt x="931178" y="2667020"/>
+                  </a:lnTo>
+                  <a:lnTo>
+                    <a:pt x="1002807" y="2662733"/>
+                  </a:lnTo>
+                  <a:lnTo>
+                    <a:pt x="1074436" y="2656530"/>
+                  </a:lnTo>
+                  <a:lnTo>
+                    <a:pt x="1146065" y="2647482"/>
+                  </a:lnTo>
+                  <a:lnTo>
+                    <a:pt x="1217694" y="2634996"/>
+                  </a:lnTo>
+                  <a:lnTo>
+                    <a:pt x="1289324" y="2617877"/>
+                  </a:lnTo>
+                  <a:lnTo>
+                    <a:pt x="1360953" y="2595997"/>
+                  </a:lnTo>
+                  <a:lnTo>
+                    <a:pt x="1432582" y="2568157"/>
+                  </a:lnTo>
+                  <a:lnTo>
+                    <a:pt x="1504211" y="2532935"/>
+                  </a:lnTo>
+                  <a:lnTo>
+                    <a:pt x="1575840" y="2486742"/>
+                  </a:lnTo>
+                  <a:lnTo>
+                    <a:pt x="1647469" y="2425399"/>
+                  </a:lnTo>
+                  <a:lnTo>
+                    <a:pt x="1719098" y="2328628"/>
+                  </a:lnTo>
+                  <a:lnTo>
+                    <a:pt x="1790727" y="2192199"/>
+                  </a:lnTo>
+                  <a:lnTo>
+                    <a:pt x="1862356" y="1993431"/>
+                  </a:lnTo>
+                  <a:lnTo>
+                    <a:pt x="1933986" y="1719032"/>
+                  </a:lnTo>
+                  <a:lnTo>
+                    <a:pt x="2005615" y="1342743"/>
+                  </a:lnTo>
+                  <a:lnTo>
+                    <a:pt x="2077244" y="1001394"/>
+                  </a:lnTo>
+                  <a:lnTo>
+                    <a:pt x="2148873" y="650460"/>
+                  </a:lnTo>
+                  <a:lnTo>
+                    <a:pt x="2220502" y="514439"/>
+                  </a:lnTo>
+                  <a:lnTo>
+                    <a:pt x="2292131" y="359626"/>
+                  </a:lnTo>
+                  <a:lnTo>
+                    <a:pt x="2363760" y="107900"/>
+                  </a:lnTo>
+                  <a:lnTo>
+                    <a:pt x="2435389" y="0"/>
+                  </a:lnTo>
+                  <a:lnTo>
+                    <a:pt x="2507019" y="104748"/>
+                  </a:lnTo>
+                  <a:lnTo>
+                    <a:pt x="2578648" y="443412"/>
+                  </a:lnTo>
+                  <a:lnTo>
+                    <a:pt x="2650277" y="833207"/>
+                  </a:lnTo>
+                  <a:lnTo>
+                    <a:pt x="2721906" y="1319255"/>
+                  </a:lnTo>
+                  <a:lnTo>
+                    <a:pt x="2793535" y="1688098"/>
+                  </a:lnTo>
+                  <a:lnTo>
+                    <a:pt x="2865164" y="1949036"/>
+                  </a:lnTo>
+                  <a:lnTo>
+                    <a:pt x="2936793" y="2116006"/>
+                  </a:lnTo>
+                  <a:lnTo>
+                    <a:pt x="3008422" y="2209163"/>
+                  </a:lnTo>
+                  <a:lnTo>
+                    <a:pt x="3080051" y="2257523"/>
+                  </a:lnTo>
+                  <a:lnTo>
+                    <a:pt x="3151681" y="2282275"/>
+                  </a:lnTo>
+                  <a:lnTo>
+                    <a:pt x="3223310" y="2300880"/>
+                  </a:lnTo>
+                  <a:lnTo>
+                    <a:pt x="3294939" y="2318977"/>
+                  </a:lnTo>
+                  <a:lnTo>
+                    <a:pt x="3366568" y="2352695"/>
+                  </a:lnTo>
+                  <a:lnTo>
+                    <a:pt x="3438197" y="2385056"/>
+                  </a:lnTo>
+                  <a:lnTo>
+                    <a:pt x="3509826" y="2417976"/>
+                  </a:lnTo>
+                  <a:lnTo>
+                    <a:pt x="3581455" y="2445632"/>
+                  </a:lnTo>
+                  <a:lnTo>
+                    <a:pt x="3653084" y="2469114"/>
+                  </a:lnTo>
+                  <a:lnTo>
+                    <a:pt x="3724713" y="2486721"/>
+                  </a:lnTo>
+                  <a:lnTo>
+                    <a:pt x="3796343" y="2501847"/>
                   </a:lnTo>
                 </a:path>
               </a:pathLst>
@@ -4395,13 +4771,13 @@
         </p:sp>
         <p:sp>
           <p:nvSpPr>
-            <p:cNvPr id="48" name="pt47"/>
-            <p:cNvSpPr/>
-            <p:nvPr/>
-          </p:nvSpPr>
-          <p:spPr>
-            <a:xfrm>
-              <a:off x="2420638" y="4001527"/>
+            <p:cNvPr id="49" name="pt48"/>
+            <p:cNvSpPr/>
+            <p:nvPr/>
+          </p:nvSpPr>
+          <p:spPr>
+            <a:xfrm>
+              <a:off x="1632718" y="4002328"/>
               <a:ext cx="49651" cy="49651"/>
             </a:xfrm>
             <a:prstGeom prst="ellipse">
@@ -4430,13 +4806,13 @@
         </p:sp>
         <p:sp>
           <p:nvSpPr>
-            <p:cNvPr id="49" name="pt48"/>
-            <p:cNvSpPr/>
-            <p:nvPr/>
-          </p:nvSpPr>
-          <p:spPr>
-            <a:xfrm>
-              <a:off x="3351816" y="3566121"/>
+            <p:cNvPr id="50" name="pt49"/>
+            <p:cNvSpPr/>
+            <p:nvPr/>
+          </p:nvSpPr>
+          <p:spPr>
+            <a:xfrm>
+              <a:off x="1704347" y="4002328"/>
               <a:ext cx="49651" cy="49651"/>
             </a:xfrm>
             <a:prstGeom prst="ellipse">
@@ -4465,13 +4841,13 @@
         </p:sp>
         <p:sp>
           <p:nvSpPr>
-            <p:cNvPr id="50" name="pt49"/>
-            <p:cNvSpPr/>
-            <p:nvPr/>
-          </p:nvSpPr>
-          <p:spPr>
-            <a:xfrm>
-              <a:off x="3495075" y="3404493"/>
+            <p:cNvPr id="51" name="pt50"/>
+            <p:cNvSpPr/>
+            <p:nvPr/>
+          </p:nvSpPr>
+          <p:spPr>
+            <a:xfrm>
+              <a:off x="1775976" y="4002327"/>
               <a:ext cx="49651" cy="49651"/>
             </a:xfrm>
             <a:prstGeom prst="ellipse">
@@ -4500,13 +4876,13 @@
         </p:sp>
         <p:sp>
           <p:nvSpPr>
-            <p:cNvPr id="51" name="pt50"/>
-            <p:cNvSpPr/>
-            <p:nvPr/>
-          </p:nvSpPr>
-          <p:spPr>
-            <a:xfrm>
-              <a:off x="3602518" y="3246649"/>
+            <p:cNvPr id="52" name="pt51"/>
+            <p:cNvSpPr/>
+            <p:nvPr/>
+          </p:nvSpPr>
+          <p:spPr>
+            <a:xfrm>
+              <a:off x="1847605" y="4002327"/>
               <a:ext cx="49651" cy="49651"/>
             </a:xfrm>
             <a:prstGeom prst="ellipse">
@@ -4535,13 +4911,13 @@
         </p:sp>
         <p:sp>
           <p:nvSpPr>
-            <p:cNvPr id="52" name="pt51"/>
-            <p:cNvSpPr/>
-            <p:nvPr/>
-          </p:nvSpPr>
-          <p:spPr>
-            <a:xfrm>
-              <a:off x="3709962" y="2942098"/>
+            <p:cNvPr id="53" name="pt52"/>
+            <p:cNvSpPr/>
+            <p:nvPr/>
+          </p:nvSpPr>
+          <p:spPr>
+            <a:xfrm>
+              <a:off x="1919234" y="4002327"/>
               <a:ext cx="49651" cy="49651"/>
             </a:xfrm>
             <a:prstGeom prst="ellipse">
@@ -4570,13 +4946,13 @@
         </p:sp>
         <p:sp>
           <p:nvSpPr>
-            <p:cNvPr id="53" name="pt52"/>
-            <p:cNvSpPr/>
-            <p:nvPr/>
-          </p:nvSpPr>
-          <p:spPr>
-            <a:xfrm>
-              <a:off x="3781591" y="2629743"/>
+            <p:cNvPr id="54" name="pt53"/>
+            <p:cNvSpPr/>
+            <p:nvPr/>
+          </p:nvSpPr>
+          <p:spPr>
+            <a:xfrm>
+              <a:off x="1990863" y="4002327"/>
               <a:ext cx="49651" cy="49651"/>
             </a:xfrm>
             <a:prstGeom prst="ellipse">
@@ -4605,13 +4981,13 @@
         </p:sp>
         <p:sp>
           <p:nvSpPr>
-            <p:cNvPr id="54" name="pt53"/>
-            <p:cNvSpPr/>
-            <p:nvPr/>
-          </p:nvSpPr>
-          <p:spPr>
-            <a:xfrm>
-              <a:off x="3853220" y="2243567"/>
+            <p:cNvPr id="55" name="pt54"/>
+            <p:cNvSpPr/>
+            <p:nvPr/>
+          </p:nvSpPr>
+          <p:spPr>
+            <a:xfrm>
+              <a:off x="2062492" y="4002327"/>
               <a:ext cx="49651" cy="49651"/>
             </a:xfrm>
             <a:prstGeom prst="ellipse">
@@ -4640,13 +5016,13 @@
         </p:sp>
         <p:sp>
           <p:nvSpPr>
-            <p:cNvPr id="55" name="pt54"/>
-            <p:cNvSpPr/>
-            <p:nvPr/>
-          </p:nvSpPr>
-          <p:spPr>
-            <a:xfrm>
-              <a:off x="3924849" y="1866832"/>
+            <p:cNvPr id="56" name="pt55"/>
+            <p:cNvSpPr/>
+            <p:nvPr/>
+          </p:nvSpPr>
+          <p:spPr>
+            <a:xfrm>
+              <a:off x="2134121" y="4002326"/>
               <a:ext cx="49651" cy="49651"/>
             </a:xfrm>
             <a:prstGeom prst="ellipse">
@@ -4675,13 +5051,13 @@
         </p:sp>
         <p:sp>
           <p:nvSpPr>
-            <p:cNvPr id="56" name="pt55"/>
-            <p:cNvSpPr/>
-            <p:nvPr/>
-          </p:nvSpPr>
-          <p:spPr>
-            <a:xfrm>
-              <a:off x="3996478" y="1525708"/>
+            <p:cNvPr id="57" name="pt56"/>
+            <p:cNvSpPr/>
+            <p:nvPr/>
+          </p:nvSpPr>
+          <p:spPr>
+            <a:xfrm>
+              <a:off x="2205750" y="4002324"/>
               <a:ext cx="49651" cy="49651"/>
             </a:xfrm>
             <a:prstGeom prst="ellipse">
@@ -4710,13 +5086,13 @@
         </p:sp>
         <p:sp>
           <p:nvSpPr>
-            <p:cNvPr id="57" name="pt56"/>
-            <p:cNvSpPr/>
-            <p:nvPr/>
-          </p:nvSpPr>
-          <p:spPr>
-            <a:xfrm>
-              <a:off x="4068107" y="1263007"/>
+            <p:cNvPr id="58" name="pt57"/>
+            <p:cNvSpPr/>
+            <p:nvPr/>
+          </p:nvSpPr>
+          <p:spPr>
+            <a:xfrm>
+              <a:off x="2277380" y="4002320"/>
               <a:ext cx="49651" cy="49651"/>
             </a:xfrm>
             <a:prstGeom prst="ellipse">
@@ -4745,13 +5121,13 @@
         </p:sp>
         <p:sp>
           <p:nvSpPr>
-            <p:cNvPr id="58" name="pt57"/>
-            <p:cNvSpPr/>
-            <p:nvPr/>
-          </p:nvSpPr>
-          <p:spPr>
-            <a:xfrm>
-              <a:off x="4139737" y="1270783"/>
+            <p:cNvPr id="59" name="pt58"/>
+            <p:cNvSpPr/>
+            <p:nvPr/>
+          </p:nvSpPr>
+          <p:spPr>
+            <a:xfrm>
+              <a:off x="2349009" y="4002311"/>
               <a:ext cx="49651" cy="49651"/>
             </a:xfrm>
             <a:prstGeom prst="ellipse">
@@ -4780,13 +5156,13 @@
         </p:sp>
         <p:sp>
           <p:nvSpPr>
-            <p:cNvPr id="59" name="pt58"/>
-            <p:cNvSpPr/>
-            <p:nvPr/>
-          </p:nvSpPr>
-          <p:spPr>
-            <a:xfrm>
-              <a:off x="4211366" y="1520096"/>
+            <p:cNvPr id="60" name="pt59"/>
+            <p:cNvSpPr/>
+            <p:nvPr/>
+          </p:nvSpPr>
+          <p:spPr>
+            <a:xfrm>
+              <a:off x="2420638" y="4002293"/>
               <a:ext cx="49651" cy="49651"/>
             </a:xfrm>
             <a:prstGeom prst="ellipse">
@@ -4815,13 +5191,13 @@
         </p:sp>
         <p:sp>
           <p:nvSpPr>
-            <p:cNvPr id="60" name="pt59"/>
-            <p:cNvSpPr/>
-            <p:nvPr/>
-          </p:nvSpPr>
-          <p:spPr>
-            <a:xfrm>
-              <a:off x="4282995" y="1866912"/>
+            <p:cNvPr id="61" name="pt60"/>
+            <p:cNvSpPr/>
+            <p:nvPr/>
+          </p:nvSpPr>
+          <p:spPr>
+            <a:xfrm>
+              <a:off x="2492267" y="4002254"/>
               <a:ext cx="49651" cy="49651"/>
             </a:xfrm>
             <a:prstGeom prst="ellipse">
@@ -4850,13 +5226,13 @@
         </p:sp>
         <p:sp>
           <p:nvSpPr>
-            <p:cNvPr id="61" name="pt60"/>
-            <p:cNvSpPr/>
-            <p:nvPr/>
-          </p:nvSpPr>
-          <p:spPr>
-            <a:xfrm>
-              <a:off x="4354624" y="2215727"/>
+            <p:cNvPr id="62" name="pt61"/>
+            <p:cNvSpPr/>
+            <p:nvPr/>
+          </p:nvSpPr>
+          <p:spPr>
+            <a:xfrm>
+              <a:off x="2563896" y="4002172"/>
               <a:ext cx="49651" cy="49651"/>
             </a:xfrm>
             <a:prstGeom prst="ellipse">
@@ -4885,13 +5261,13 @@
         </p:sp>
         <p:sp>
           <p:nvSpPr>
-            <p:cNvPr id="62" name="pt61"/>
-            <p:cNvSpPr/>
-            <p:nvPr/>
-          </p:nvSpPr>
-          <p:spPr>
-            <a:xfrm>
-              <a:off x="4426253" y="2495014"/>
+            <p:cNvPr id="63" name="pt62"/>
+            <p:cNvSpPr/>
+            <p:nvPr/>
+          </p:nvSpPr>
+          <p:spPr>
+            <a:xfrm>
+              <a:off x="2635525" y="4001998"/>
               <a:ext cx="49651" cy="49651"/>
             </a:xfrm>
             <a:prstGeom prst="ellipse">
@@ -4920,13 +5296,13 @@
         </p:sp>
         <p:sp>
           <p:nvSpPr>
-            <p:cNvPr id="63" name="pt62"/>
-            <p:cNvSpPr/>
-            <p:nvPr/>
-          </p:nvSpPr>
-          <p:spPr>
-            <a:xfrm>
-              <a:off x="4497882" y="2698864"/>
+            <p:cNvPr id="64" name="pt63"/>
+            <p:cNvSpPr/>
+            <p:nvPr/>
+          </p:nvSpPr>
+          <p:spPr>
+            <a:xfrm>
+              <a:off x="2707154" y="4001633"/>
               <a:ext cx="49651" cy="49651"/>
             </a:xfrm>
             <a:prstGeom prst="ellipse">
@@ -4955,13 +5331,13 @@
         </p:sp>
         <p:sp>
           <p:nvSpPr>
-            <p:cNvPr id="64" name="pt63"/>
-            <p:cNvSpPr/>
-            <p:nvPr/>
-          </p:nvSpPr>
-          <p:spPr>
-            <a:xfrm>
-              <a:off x="4605326" y="2840518"/>
+            <p:cNvPr id="65" name="pt64"/>
+            <p:cNvSpPr/>
+            <p:nvPr/>
+          </p:nvSpPr>
+          <p:spPr>
+            <a:xfrm>
+              <a:off x="2778783" y="4000860"/>
               <a:ext cx="49651" cy="49651"/>
             </a:xfrm>
             <a:prstGeom prst="ellipse">
@@ -4990,13 +5366,13 @@
         </p:sp>
         <p:sp>
           <p:nvSpPr>
-            <p:cNvPr id="65" name="pt64"/>
-            <p:cNvSpPr/>
-            <p:nvPr/>
-          </p:nvSpPr>
-          <p:spPr>
-            <a:xfrm>
-              <a:off x="4712770" y="2779782"/>
+            <p:cNvPr id="66" name="pt65"/>
+            <p:cNvSpPr/>
+            <p:nvPr/>
+          </p:nvSpPr>
+          <p:spPr>
+            <a:xfrm>
+              <a:off x="2850413" y="3999233"/>
               <a:ext cx="49651" cy="49651"/>
             </a:xfrm>
             <a:prstGeom prst="ellipse">
@@ -5025,13 +5401,13 @@
         </p:sp>
         <p:sp>
           <p:nvSpPr>
-            <p:cNvPr id="66" name="pt65"/>
-            <p:cNvSpPr/>
-            <p:nvPr/>
-          </p:nvSpPr>
-          <p:spPr>
-            <a:xfrm>
-              <a:off x="4784399" y="2684512"/>
+            <p:cNvPr id="67" name="pt66"/>
+            <p:cNvSpPr/>
+            <p:nvPr/>
+          </p:nvSpPr>
+          <p:spPr>
+            <a:xfrm>
+              <a:off x="2922042" y="3995814"/>
               <a:ext cx="49651" cy="49651"/>
             </a:xfrm>
             <a:prstGeom prst="ellipse">
@@ -5060,13 +5436,13 @@
         </p:sp>
         <p:sp>
           <p:nvSpPr>
-            <p:cNvPr id="67" name="pt66"/>
-            <p:cNvSpPr/>
-            <p:nvPr/>
-          </p:nvSpPr>
-          <p:spPr>
-            <a:xfrm>
-              <a:off x="4856028" y="2594470"/>
+            <p:cNvPr id="68" name="pt67"/>
+            <p:cNvSpPr/>
+            <p:nvPr/>
+          </p:nvSpPr>
+          <p:spPr>
+            <a:xfrm>
+              <a:off x="2993671" y="3988670"/>
               <a:ext cx="49651" cy="49651"/>
             </a:xfrm>
             <a:prstGeom prst="ellipse">
@@ -5095,13 +5471,13 @@
         </p:sp>
         <p:sp>
           <p:nvSpPr>
-            <p:cNvPr id="68" name="pt67"/>
-            <p:cNvSpPr/>
-            <p:nvPr/>
-          </p:nvSpPr>
-          <p:spPr>
-            <a:xfrm>
-              <a:off x="4927657" y="2552698"/>
+            <p:cNvPr id="69" name="pt68"/>
+            <p:cNvSpPr/>
+            <p:nvPr/>
+          </p:nvSpPr>
+          <p:spPr>
+            <a:xfrm>
+              <a:off x="3065300" y="3974033"/>
               <a:ext cx="49651" cy="49651"/>
             </a:xfrm>
             <a:prstGeom prst="ellipse">
@@ -5130,13 +5506,13 @@
         </p:sp>
         <p:sp>
           <p:nvSpPr>
-            <p:cNvPr id="69" name="pt68"/>
-            <p:cNvSpPr/>
-            <p:nvPr/>
-          </p:nvSpPr>
-          <p:spPr>
-            <a:xfrm>
-              <a:off x="4999286" y="2668368"/>
+            <p:cNvPr id="70" name="pt69"/>
+            <p:cNvSpPr/>
+            <p:nvPr/>
+          </p:nvSpPr>
+          <p:spPr>
+            <a:xfrm>
+              <a:off x="3136929" y="3944250"/>
               <a:ext cx="49651" cy="49651"/>
             </a:xfrm>
             <a:prstGeom prst="ellipse">
@@ -5165,13 +5541,13 @@
         </p:sp>
         <p:sp>
           <p:nvSpPr>
-            <p:cNvPr id="70" name="pt69"/>
-            <p:cNvSpPr/>
-            <p:nvPr/>
-          </p:nvSpPr>
-          <p:spPr>
-            <a:xfrm>
-              <a:off x="5070915" y="2892471"/>
+            <p:cNvPr id="71" name="pt70"/>
+            <p:cNvSpPr/>
+            <p:nvPr/>
+          </p:nvSpPr>
+          <p:spPr>
+            <a:xfrm>
+              <a:off x="3208558" y="3890275"/>
               <a:ext cx="49651" cy="49651"/>
             </a:xfrm>
             <a:prstGeom prst="ellipse">
@@ -5200,13 +5576,13 @@
         </p:sp>
         <p:sp>
           <p:nvSpPr>
-            <p:cNvPr id="71" name="pt70"/>
-            <p:cNvSpPr/>
-            <p:nvPr/>
-          </p:nvSpPr>
-          <p:spPr>
-            <a:xfrm>
-              <a:off x="5142544" y="3163483"/>
+            <p:cNvPr id="72" name="pt71"/>
+            <p:cNvSpPr/>
+            <p:nvPr/>
+          </p:nvSpPr>
+          <p:spPr>
+            <a:xfrm>
+              <a:off x="3280187" y="3790165"/>
               <a:ext cx="49651" cy="49651"/>
             </a:xfrm>
             <a:prstGeom prst="ellipse">
@@ -5235,13 +5611,13 @@
         </p:sp>
         <p:sp>
           <p:nvSpPr>
-            <p:cNvPr id="72" name="pt71"/>
-            <p:cNvSpPr/>
-            <p:nvPr/>
-          </p:nvSpPr>
-          <p:spPr>
-            <a:xfrm>
-              <a:off x="5321617" y="3701184"/>
+            <p:cNvPr id="73" name="pt72"/>
+            <p:cNvSpPr/>
+            <p:nvPr/>
+          </p:nvSpPr>
+          <p:spPr>
+            <a:xfrm>
+              <a:off x="3351816" y="3637434"/>
               <a:ext cx="49651" cy="49651"/>
             </a:xfrm>
             <a:prstGeom prst="ellipse">
@@ -5270,13 +5646,1028 @@
         </p:sp>
         <p:sp>
           <p:nvSpPr>
-            <p:cNvPr id="73" name="pt72"/>
-            <p:cNvSpPr/>
-            <p:nvPr/>
-          </p:nvSpPr>
-          <p:spPr>
-            <a:xfrm>
-              <a:off x="1740161" y="3955516"/>
+            <p:cNvPr id="74" name="pt73"/>
+            <p:cNvSpPr/>
+            <p:nvPr/>
+          </p:nvSpPr>
+          <p:spPr>
+            <a:xfrm>
+              <a:off x="3423445" y="3442283"/>
+              <a:ext cx="49651" cy="49651"/>
+            </a:xfrm>
+            <a:prstGeom prst="ellipse">
+              <a:avLst/>
+            </a:prstGeom>
+            <a:solidFill>
+              <a:srgbClr val="F8766D">
+                <a:alpha val="100000"/>
+              </a:srgbClr>
+            </a:solidFill>
+            <a:ln w="9000" cap="rnd">
+              <a:solidFill>
+                <a:srgbClr val="F8766D">
+                  <a:alpha val="100000"/>
+                </a:srgbClr>
+              </a:solidFill>
+              <a:prstDash val="solid"/>
+              <a:round/>
+            </a:ln>
+          </p:spPr>
+          <p:txBody>
+            <a:bodyPr/>
+            <a:lstStyle/>
+            <a:p/>
+          </p:txBody>
+        </p:sp>
+        <p:sp>
+          <p:nvSpPr>
+            <p:cNvPr id="75" name="pt74"/>
+            <p:cNvSpPr/>
+            <p:nvPr/>
+          </p:nvSpPr>
+          <p:spPr>
+            <a:xfrm>
+              <a:off x="3495075" y="3373812"/>
+              <a:ext cx="49651" cy="49651"/>
+            </a:xfrm>
+            <a:prstGeom prst="ellipse">
+              <a:avLst/>
+            </a:prstGeom>
+            <a:solidFill>
+              <a:srgbClr val="F8766D">
+                <a:alpha val="100000"/>
+              </a:srgbClr>
+            </a:solidFill>
+            <a:ln w="9000" cap="rnd">
+              <a:solidFill>
+                <a:srgbClr val="F8766D">
+                  <a:alpha val="100000"/>
+                </a:srgbClr>
+              </a:solidFill>
+              <a:prstDash val="solid"/>
+              <a:round/>
+            </a:ln>
+          </p:spPr>
+          <p:txBody>
+            <a:bodyPr/>
+            <a:lstStyle/>
+            <a:p/>
+          </p:txBody>
+        </p:sp>
+        <p:sp>
+          <p:nvSpPr>
+            <p:cNvPr id="76" name="pt75"/>
+            <p:cNvSpPr/>
+            <p:nvPr/>
+          </p:nvSpPr>
+          <p:spPr>
+            <a:xfrm>
+              <a:off x="3566704" y="3317836"/>
+              <a:ext cx="49651" cy="49651"/>
+            </a:xfrm>
+            <a:prstGeom prst="ellipse">
+              <a:avLst/>
+            </a:prstGeom>
+            <a:solidFill>
+              <a:srgbClr val="F8766D">
+                <a:alpha val="100000"/>
+              </a:srgbClr>
+            </a:solidFill>
+            <a:ln w="9000" cap="rnd">
+              <a:solidFill>
+                <a:srgbClr val="F8766D">
+                  <a:alpha val="100000"/>
+                </a:srgbClr>
+              </a:solidFill>
+              <a:prstDash val="solid"/>
+              <a:round/>
+            </a:ln>
+          </p:spPr>
+          <p:txBody>
+            <a:bodyPr/>
+            <a:lstStyle/>
+            <a:p/>
+          </p:txBody>
+        </p:sp>
+        <p:sp>
+          <p:nvSpPr>
+            <p:cNvPr id="77" name="pt76"/>
+            <p:cNvSpPr/>
+            <p:nvPr/>
+          </p:nvSpPr>
+          <p:spPr>
+            <a:xfrm>
+              <a:off x="3638333" y="3278928"/>
+              <a:ext cx="49651" cy="49651"/>
+            </a:xfrm>
+            <a:prstGeom prst="ellipse">
+              <a:avLst/>
+            </a:prstGeom>
+            <a:solidFill>
+              <a:srgbClr val="F8766D">
+                <a:alpha val="100000"/>
+              </a:srgbClr>
+            </a:solidFill>
+            <a:ln w="9000" cap="rnd">
+              <a:solidFill>
+                <a:srgbClr val="F8766D">
+                  <a:alpha val="100000"/>
+                </a:srgbClr>
+              </a:solidFill>
+              <a:prstDash val="solid"/>
+              <a:round/>
+            </a:ln>
+          </p:spPr>
+          <p:txBody>
+            <a:bodyPr/>
+            <a:lstStyle/>
+            <a:p/>
+          </p:txBody>
+        </p:sp>
+        <p:sp>
+          <p:nvSpPr>
+            <p:cNvPr id="78" name="pt77"/>
+            <p:cNvSpPr/>
+            <p:nvPr/>
+          </p:nvSpPr>
+          <p:spPr>
+            <a:xfrm>
+              <a:off x="3709962" y="3081411"/>
+              <a:ext cx="49651" cy="49651"/>
+            </a:xfrm>
+            <a:prstGeom prst="ellipse">
+              <a:avLst/>
+            </a:prstGeom>
+            <a:solidFill>
+              <a:srgbClr val="F8766D">
+                <a:alpha val="100000"/>
+              </a:srgbClr>
+            </a:solidFill>
+            <a:ln w="9000" cap="rnd">
+              <a:solidFill>
+                <a:srgbClr val="F8766D">
+                  <a:alpha val="100000"/>
+                </a:srgbClr>
+              </a:solidFill>
+              <a:prstDash val="solid"/>
+              <a:round/>
+            </a:ln>
+          </p:spPr>
+          <p:txBody>
+            <a:bodyPr/>
+            <a:lstStyle/>
+            <a:p/>
+          </p:txBody>
+        </p:sp>
+        <p:sp>
+          <p:nvSpPr>
+            <p:cNvPr id="79" name="pt78"/>
+            <p:cNvSpPr/>
+            <p:nvPr/>
+          </p:nvSpPr>
+          <p:spPr>
+            <a:xfrm>
+              <a:off x="3781591" y="2747871"/>
+              <a:ext cx="49651" cy="49651"/>
+            </a:xfrm>
+            <a:prstGeom prst="ellipse">
+              <a:avLst/>
+            </a:prstGeom>
+            <a:solidFill>
+              <a:srgbClr val="F8766D">
+                <a:alpha val="100000"/>
+              </a:srgbClr>
+            </a:solidFill>
+            <a:ln w="9000" cap="rnd">
+              <a:solidFill>
+                <a:srgbClr val="F8766D">
+                  <a:alpha val="100000"/>
+                </a:srgbClr>
+              </a:solidFill>
+              <a:prstDash val="solid"/>
+              <a:round/>
+            </a:ln>
+          </p:spPr>
+          <p:txBody>
+            <a:bodyPr/>
+            <a:lstStyle/>
+            <a:p/>
+          </p:txBody>
+        </p:sp>
+        <p:sp>
+          <p:nvSpPr>
+            <p:cNvPr id="80" name="pt79"/>
+            <p:cNvSpPr/>
+            <p:nvPr/>
+          </p:nvSpPr>
+          <p:spPr>
+            <a:xfrm>
+              <a:off x="3853220" y="2376521"/>
+              <a:ext cx="49651" cy="49651"/>
+            </a:xfrm>
+            <a:prstGeom prst="ellipse">
+              <a:avLst/>
+            </a:prstGeom>
+            <a:solidFill>
+              <a:srgbClr val="F8766D">
+                <a:alpha val="100000"/>
+              </a:srgbClr>
+            </a:solidFill>
+            <a:ln w="9000" cap="rnd">
+              <a:solidFill>
+                <a:srgbClr val="F8766D">
+                  <a:alpha val="100000"/>
+                </a:srgbClr>
+              </a:solidFill>
+              <a:prstDash val="solid"/>
+              <a:round/>
+            </a:ln>
+          </p:spPr>
+          <p:txBody>
+            <a:bodyPr/>
+            <a:lstStyle/>
+            <a:p/>
+          </p:txBody>
+        </p:sp>
+        <p:sp>
+          <p:nvSpPr>
+            <p:cNvPr id="81" name="pt80"/>
+            <p:cNvSpPr/>
+            <p:nvPr/>
+          </p:nvSpPr>
+          <p:spPr>
+            <a:xfrm>
+              <a:off x="3924849" y="1943364"/>
+              <a:ext cx="49651" cy="49651"/>
+            </a:xfrm>
+            <a:prstGeom prst="ellipse">
+              <a:avLst/>
+            </a:prstGeom>
+            <a:solidFill>
+              <a:srgbClr val="F8766D">
+                <a:alpha val="100000"/>
+              </a:srgbClr>
+            </a:solidFill>
+            <a:ln w="9000" cap="rnd">
+              <a:solidFill>
+                <a:srgbClr val="F8766D">
+                  <a:alpha val="100000"/>
+                </a:srgbClr>
+              </a:solidFill>
+              <a:prstDash val="solid"/>
+              <a:round/>
+            </a:ln>
+          </p:spPr>
+          <p:txBody>
+            <a:bodyPr/>
+            <a:lstStyle/>
+            <a:p/>
+          </p:txBody>
+        </p:sp>
+        <p:sp>
+          <p:nvSpPr>
+            <p:cNvPr id="82" name="pt81"/>
+            <p:cNvSpPr/>
+            <p:nvPr/>
+          </p:nvSpPr>
+          <p:spPr>
+            <a:xfrm>
+              <a:off x="3996478" y="1608590"/>
+              <a:ext cx="49651" cy="49651"/>
+            </a:xfrm>
+            <a:prstGeom prst="ellipse">
+              <a:avLst/>
+            </a:prstGeom>
+            <a:solidFill>
+              <a:srgbClr val="F8766D">
+                <a:alpha val="100000"/>
+              </a:srgbClr>
+            </a:solidFill>
+            <a:ln w="9000" cap="rnd">
+              <a:solidFill>
+                <a:srgbClr val="F8766D">
+                  <a:alpha val="100000"/>
+                </a:srgbClr>
+              </a:solidFill>
+              <a:prstDash val="solid"/>
+              <a:round/>
+            </a:ln>
+          </p:spPr>
+          <p:txBody>
+            <a:bodyPr/>
+            <a:lstStyle/>
+            <a:p/>
+          </p:txBody>
+        </p:sp>
+        <p:sp>
+          <p:nvSpPr>
+            <p:cNvPr id="83" name="pt82"/>
+            <p:cNvSpPr/>
+            <p:nvPr/>
+          </p:nvSpPr>
+          <p:spPr>
+            <a:xfrm>
+              <a:off x="4068107" y="1310454"/>
+              <a:ext cx="49651" cy="49651"/>
+            </a:xfrm>
+            <a:prstGeom prst="ellipse">
+              <a:avLst/>
+            </a:prstGeom>
+            <a:solidFill>
+              <a:srgbClr val="F8766D">
+                <a:alpha val="100000"/>
+              </a:srgbClr>
+            </a:solidFill>
+            <a:ln w="9000" cap="rnd">
+              <a:solidFill>
+                <a:srgbClr val="F8766D">
+                  <a:alpha val="100000"/>
+                </a:srgbClr>
+              </a:solidFill>
+              <a:prstDash val="solid"/>
+              <a:round/>
+            </a:ln>
+          </p:spPr>
+          <p:txBody>
+            <a:bodyPr/>
+            <a:lstStyle/>
+            <a:p/>
+          </p:txBody>
+        </p:sp>
+        <p:sp>
+          <p:nvSpPr>
+            <p:cNvPr id="84" name="pt83"/>
+            <p:cNvSpPr/>
+            <p:nvPr/>
+          </p:nvSpPr>
+          <p:spPr>
+            <a:xfrm>
+              <a:off x="4139737" y="1104075"/>
+              <a:ext cx="49651" cy="49651"/>
+            </a:xfrm>
+            <a:prstGeom prst="ellipse">
+              <a:avLst/>
+            </a:prstGeom>
+            <a:solidFill>
+              <a:srgbClr val="F8766D">
+                <a:alpha val="100000"/>
+              </a:srgbClr>
+            </a:solidFill>
+            <a:ln w="9000" cap="rnd">
+              <a:solidFill>
+                <a:srgbClr val="F8766D">
+                  <a:alpha val="100000"/>
+                </a:srgbClr>
+              </a:solidFill>
+              <a:prstDash val="solid"/>
+              <a:round/>
+            </a:ln>
+          </p:spPr>
+          <p:txBody>
+            <a:bodyPr/>
+            <a:lstStyle/>
+            <a:p/>
+          </p:txBody>
+        </p:sp>
+        <p:sp>
+          <p:nvSpPr>
+            <p:cNvPr id="85" name="pt84"/>
+            <p:cNvSpPr/>
+            <p:nvPr/>
+          </p:nvSpPr>
+          <p:spPr>
+            <a:xfrm>
+              <a:off x="4211366" y="1511711"/>
+              <a:ext cx="49651" cy="49651"/>
+            </a:xfrm>
+            <a:prstGeom prst="ellipse">
+              <a:avLst/>
+            </a:prstGeom>
+            <a:solidFill>
+              <a:srgbClr val="F8766D">
+                <a:alpha val="100000"/>
+              </a:srgbClr>
+            </a:solidFill>
+            <a:ln w="9000" cap="rnd">
+              <a:solidFill>
+                <a:srgbClr val="F8766D">
+                  <a:alpha val="100000"/>
+                </a:srgbClr>
+              </a:solidFill>
+              <a:prstDash val="solid"/>
+              <a:round/>
+            </a:ln>
+          </p:spPr>
+          <p:txBody>
+            <a:bodyPr/>
+            <a:lstStyle/>
+            <a:p/>
+          </p:txBody>
+        </p:sp>
+        <p:sp>
+          <p:nvSpPr>
+            <p:cNvPr id="86" name="pt85"/>
+            <p:cNvSpPr/>
+            <p:nvPr/>
+          </p:nvSpPr>
+          <p:spPr>
+            <a:xfrm>
+              <a:off x="4282995" y="2090180"/>
+              <a:ext cx="49651" cy="49651"/>
+            </a:xfrm>
+            <a:prstGeom prst="ellipse">
+              <a:avLst/>
+            </a:prstGeom>
+            <a:solidFill>
+              <a:srgbClr val="F8766D">
+                <a:alpha val="100000"/>
+              </a:srgbClr>
+            </a:solidFill>
+            <a:ln w="9000" cap="rnd">
+              <a:solidFill>
+                <a:srgbClr val="F8766D">
+                  <a:alpha val="100000"/>
+                </a:srgbClr>
+              </a:solidFill>
+              <a:prstDash val="solid"/>
+              <a:round/>
+            </a:ln>
+          </p:spPr>
+          <p:txBody>
+            <a:bodyPr/>
+            <a:lstStyle/>
+            <a:p/>
+          </p:txBody>
+        </p:sp>
+        <p:sp>
+          <p:nvSpPr>
+            <p:cNvPr id="87" name="pt86"/>
+            <p:cNvSpPr/>
+            <p:nvPr/>
+          </p:nvSpPr>
+          <p:spPr>
+            <a:xfrm>
+              <a:off x="4354624" y="2428838"/>
+              <a:ext cx="49651" cy="49651"/>
+            </a:xfrm>
+            <a:prstGeom prst="ellipse">
+              <a:avLst/>
+            </a:prstGeom>
+            <a:solidFill>
+              <a:srgbClr val="F8766D">
+                <a:alpha val="100000"/>
+              </a:srgbClr>
+            </a:solidFill>
+            <a:ln w="9000" cap="rnd">
+              <a:solidFill>
+                <a:srgbClr val="F8766D">
+                  <a:alpha val="100000"/>
+                </a:srgbClr>
+              </a:solidFill>
+              <a:prstDash val="solid"/>
+              <a:round/>
+            </a:ln>
+          </p:spPr>
+          <p:txBody>
+            <a:bodyPr/>
+            <a:lstStyle/>
+            <a:p/>
+          </p:txBody>
+        </p:sp>
+        <p:sp>
+          <p:nvSpPr>
+            <p:cNvPr id="88" name="pt87"/>
+            <p:cNvSpPr/>
+            <p:nvPr/>
+          </p:nvSpPr>
+          <p:spPr>
+            <a:xfrm>
+              <a:off x="4426253" y="2715217"/>
+              <a:ext cx="49651" cy="49651"/>
+            </a:xfrm>
+            <a:prstGeom prst="ellipse">
+              <a:avLst/>
+            </a:prstGeom>
+            <a:solidFill>
+              <a:srgbClr val="F8766D">
+                <a:alpha val="100000"/>
+              </a:srgbClr>
+            </a:solidFill>
+            <a:ln w="9000" cap="rnd">
+              <a:solidFill>
+                <a:srgbClr val="F8766D">
+                  <a:alpha val="100000"/>
+                </a:srgbClr>
+              </a:solidFill>
+              <a:prstDash val="solid"/>
+              <a:round/>
+            </a:ln>
+          </p:spPr>
+          <p:txBody>
+            <a:bodyPr/>
+            <a:lstStyle/>
+            <a:p/>
+          </p:txBody>
+        </p:sp>
+        <p:sp>
+          <p:nvSpPr>
+            <p:cNvPr id="89" name="pt88"/>
+            <p:cNvSpPr/>
+            <p:nvPr/>
+          </p:nvSpPr>
+          <p:spPr>
+            <a:xfrm>
+              <a:off x="4497882" y="3039013"/>
+              <a:ext cx="49651" cy="49651"/>
+            </a:xfrm>
+            <a:prstGeom prst="ellipse">
+              <a:avLst/>
+            </a:prstGeom>
+            <a:solidFill>
+              <a:srgbClr val="F8766D">
+                <a:alpha val="100000"/>
+              </a:srgbClr>
+            </a:solidFill>
+            <a:ln w="9000" cap="rnd">
+              <a:solidFill>
+                <a:srgbClr val="F8766D">
+                  <a:alpha val="100000"/>
+                </a:srgbClr>
+              </a:solidFill>
+              <a:prstDash val="solid"/>
+              <a:round/>
+            </a:ln>
+          </p:spPr>
+          <p:txBody>
+            <a:bodyPr/>
+            <a:lstStyle/>
+            <a:p/>
+          </p:txBody>
+        </p:sp>
+        <p:sp>
+          <p:nvSpPr>
+            <p:cNvPr id="90" name="pt89"/>
+            <p:cNvSpPr/>
+            <p:nvPr/>
+          </p:nvSpPr>
+          <p:spPr>
+            <a:xfrm>
+              <a:off x="4569511" y="3187947"/>
+              <a:ext cx="49651" cy="49651"/>
+            </a:xfrm>
+            <a:prstGeom prst="ellipse">
+              <a:avLst/>
+            </a:prstGeom>
+            <a:solidFill>
+              <a:srgbClr val="F8766D">
+                <a:alpha val="100000"/>
+              </a:srgbClr>
+            </a:solidFill>
+            <a:ln w="9000" cap="rnd">
+              <a:solidFill>
+                <a:srgbClr val="F8766D">
+                  <a:alpha val="100000"/>
+                </a:srgbClr>
+              </a:solidFill>
+              <a:prstDash val="solid"/>
+              <a:round/>
+            </a:ln>
+          </p:spPr>
+          <p:txBody>
+            <a:bodyPr/>
+            <a:lstStyle/>
+            <a:p/>
+          </p:txBody>
+        </p:sp>
+        <p:sp>
+          <p:nvSpPr>
+            <p:cNvPr id="91" name="pt90"/>
+            <p:cNvSpPr/>
+            <p:nvPr/>
+          </p:nvSpPr>
+          <p:spPr>
+            <a:xfrm>
+              <a:off x="4641140" y="3152611"/>
+              <a:ext cx="49651" cy="49651"/>
+            </a:xfrm>
+            <a:prstGeom prst="ellipse">
+              <a:avLst/>
+            </a:prstGeom>
+            <a:solidFill>
+              <a:srgbClr val="F8766D">
+                <a:alpha val="100000"/>
+              </a:srgbClr>
+            </a:solidFill>
+            <a:ln w="9000" cap="rnd">
+              <a:solidFill>
+                <a:srgbClr val="F8766D">
+                  <a:alpha val="100000"/>
+                </a:srgbClr>
+              </a:solidFill>
+              <a:prstDash val="solid"/>
+              <a:round/>
+            </a:ln>
+          </p:spPr>
+          <p:txBody>
+            <a:bodyPr/>
+            <a:lstStyle/>
+            <a:p/>
+          </p:txBody>
+        </p:sp>
+        <p:sp>
+          <p:nvSpPr>
+            <p:cNvPr id="92" name="pt91"/>
+            <p:cNvSpPr/>
+            <p:nvPr/>
+          </p:nvSpPr>
+          <p:spPr>
+            <a:xfrm>
+              <a:off x="4712770" y="2999062"/>
+              <a:ext cx="49651" cy="49651"/>
+            </a:xfrm>
+            <a:prstGeom prst="ellipse">
+              <a:avLst/>
+            </a:prstGeom>
+            <a:solidFill>
+              <a:srgbClr val="F8766D">
+                <a:alpha val="100000"/>
+              </a:srgbClr>
+            </a:solidFill>
+            <a:ln w="9000" cap="rnd">
+              <a:solidFill>
+                <a:srgbClr val="F8766D">
+                  <a:alpha val="100000"/>
+                </a:srgbClr>
+              </a:solidFill>
+              <a:prstDash val="solid"/>
+              <a:round/>
+            </a:ln>
+          </p:spPr>
+          <p:txBody>
+            <a:bodyPr/>
+            <a:lstStyle/>
+            <a:p/>
+          </p:txBody>
+        </p:sp>
+        <p:sp>
+          <p:nvSpPr>
+            <p:cNvPr id="93" name="pt92"/>
+            <p:cNvSpPr/>
+            <p:nvPr/>
+          </p:nvSpPr>
+          <p:spPr>
+            <a:xfrm>
+              <a:off x="4784399" y="2715986"/>
+              <a:ext cx="49651" cy="49651"/>
+            </a:xfrm>
+            <a:prstGeom prst="ellipse">
+              <a:avLst/>
+            </a:prstGeom>
+            <a:solidFill>
+              <a:srgbClr val="F8766D">
+                <a:alpha val="100000"/>
+              </a:srgbClr>
+            </a:solidFill>
+            <a:ln w="9000" cap="rnd">
+              <a:solidFill>
+                <a:srgbClr val="F8766D">
+                  <a:alpha val="100000"/>
+                </a:srgbClr>
+              </a:solidFill>
+              <a:prstDash val="solid"/>
+              <a:round/>
+            </a:ln>
+          </p:spPr>
+          <p:txBody>
+            <a:bodyPr/>
+            <a:lstStyle/>
+            <a:p/>
+          </p:txBody>
+        </p:sp>
+        <p:sp>
+          <p:nvSpPr>
+            <p:cNvPr id="94" name="pt93"/>
+            <p:cNvSpPr/>
+            <p:nvPr/>
+          </p:nvSpPr>
+          <p:spPr>
+            <a:xfrm>
+              <a:off x="4856028" y="2529361"/>
+              <a:ext cx="49651" cy="49651"/>
+            </a:xfrm>
+            <a:prstGeom prst="ellipse">
+              <a:avLst/>
+            </a:prstGeom>
+            <a:solidFill>
+              <a:srgbClr val="F8766D">
+                <a:alpha val="100000"/>
+              </a:srgbClr>
+            </a:solidFill>
+            <a:ln w="9000" cap="rnd">
+              <a:solidFill>
+                <a:srgbClr val="F8766D">
+                  <a:alpha val="100000"/>
+                </a:srgbClr>
+              </a:solidFill>
+              <a:prstDash val="solid"/>
+              <a:round/>
+            </a:ln>
+          </p:spPr>
+          <p:txBody>
+            <a:bodyPr/>
+            <a:lstStyle/>
+            <a:p/>
+          </p:txBody>
+        </p:sp>
+        <p:sp>
+          <p:nvSpPr>
+            <p:cNvPr id="95" name="pt94"/>
+            <p:cNvSpPr/>
+            <p:nvPr/>
+          </p:nvSpPr>
+          <p:spPr>
+            <a:xfrm>
+              <a:off x="4927657" y="2376485"/>
+              <a:ext cx="49651" cy="49651"/>
+            </a:xfrm>
+            <a:prstGeom prst="ellipse">
+              <a:avLst/>
+            </a:prstGeom>
+            <a:solidFill>
+              <a:srgbClr val="F8766D">
+                <a:alpha val="100000"/>
+              </a:srgbClr>
+            </a:solidFill>
+            <a:ln w="9000" cap="rnd">
+              <a:solidFill>
+                <a:srgbClr val="F8766D">
+                  <a:alpha val="100000"/>
+                </a:srgbClr>
+              </a:solidFill>
+              <a:prstDash val="solid"/>
+              <a:round/>
+            </a:ln>
+          </p:spPr>
+          <p:txBody>
+            <a:bodyPr/>
+            <a:lstStyle/>
+            <a:p/>
+          </p:txBody>
+        </p:sp>
+        <p:sp>
+          <p:nvSpPr>
+            <p:cNvPr id="96" name="pt95"/>
+            <p:cNvSpPr/>
+            <p:nvPr/>
+          </p:nvSpPr>
+          <p:spPr>
+            <a:xfrm>
+              <a:off x="4999286" y="2529550"/>
+              <a:ext cx="49651" cy="49651"/>
+            </a:xfrm>
+            <a:prstGeom prst="ellipse">
+              <a:avLst/>
+            </a:prstGeom>
+            <a:solidFill>
+              <a:srgbClr val="F8766D">
+                <a:alpha val="100000"/>
+              </a:srgbClr>
+            </a:solidFill>
+            <a:ln w="9000" cap="rnd">
+              <a:solidFill>
+                <a:srgbClr val="F8766D">
+                  <a:alpha val="100000"/>
+                </a:srgbClr>
+              </a:solidFill>
+              <a:prstDash val="solid"/>
+              <a:round/>
+            </a:ln>
+          </p:spPr>
+          <p:txBody>
+            <a:bodyPr/>
+            <a:lstStyle/>
+            <a:p/>
+          </p:txBody>
+        </p:sp>
+        <p:sp>
+          <p:nvSpPr>
+            <p:cNvPr id="97" name="pt96"/>
+            <p:cNvSpPr/>
+            <p:nvPr/>
+          </p:nvSpPr>
+          <p:spPr>
+            <a:xfrm>
+              <a:off x="5070915" y="2811125"/>
+              <a:ext cx="49651" cy="49651"/>
+            </a:xfrm>
+            <a:prstGeom prst="ellipse">
+              <a:avLst/>
+            </a:prstGeom>
+            <a:solidFill>
+              <a:srgbClr val="F8766D">
+                <a:alpha val="100000"/>
+              </a:srgbClr>
+            </a:solidFill>
+            <a:ln w="9000" cap="rnd">
+              <a:solidFill>
+                <a:srgbClr val="F8766D">
+                  <a:alpha val="100000"/>
+                </a:srgbClr>
+              </a:solidFill>
+              <a:prstDash val="solid"/>
+              <a:round/>
+            </a:ln>
+          </p:spPr>
+          <p:txBody>
+            <a:bodyPr/>
+            <a:lstStyle/>
+            <a:p/>
+          </p:txBody>
+        </p:sp>
+        <p:sp>
+          <p:nvSpPr>
+            <p:cNvPr id="98" name="pt97"/>
+            <p:cNvSpPr/>
+            <p:nvPr/>
+          </p:nvSpPr>
+          <p:spPr>
+            <a:xfrm>
+              <a:off x="5142544" y="3262713"/>
+              <a:ext cx="49651" cy="49651"/>
+            </a:xfrm>
+            <a:prstGeom prst="ellipse">
+              <a:avLst/>
+            </a:prstGeom>
+            <a:solidFill>
+              <a:srgbClr val="F8766D">
+                <a:alpha val="100000"/>
+              </a:srgbClr>
+            </a:solidFill>
+            <a:ln w="9000" cap="rnd">
+              <a:solidFill>
+                <a:srgbClr val="F8766D">
+                  <a:alpha val="100000"/>
+                </a:srgbClr>
+              </a:solidFill>
+              <a:prstDash val="solid"/>
+              <a:round/>
+            </a:ln>
+          </p:spPr>
+          <p:txBody>
+            <a:bodyPr/>
+            <a:lstStyle/>
+            <a:p/>
+          </p:txBody>
+        </p:sp>
+        <p:sp>
+          <p:nvSpPr>
+            <p:cNvPr id="99" name="pt98"/>
+            <p:cNvSpPr/>
+            <p:nvPr/>
+          </p:nvSpPr>
+          <p:spPr>
+            <a:xfrm>
+              <a:off x="5214173" y="3549302"/>
+              <a:ext cx="49651" cy="49651"/>
+            </a:xfrm>
+            <a:prstGeom prst="ellipse">
+              <a:avLst/>
+            </a:prstGeom>
+            <a:solidFill>
+              <a:srgbClr val="F8766D">
+                <a:alpha val="100000"/>
+              </a:srgbClr>
+            </a:solidFill>
+            <a:ln w="9000" cap="rnd">
+              <a:solidFill>
+                <a:srgbClr val="F8766D">
+                  <a:alpha val="100000"/>
+                </a:srgbClr>
+              </a:solidFill>
+              <a:prstDash val="solid"/>
+              <a:round/>
+            </a:ln>
+          </p:spPr>
+          <p:txBody>
+            <a:bodyPr/>
+            <a:lstStyle/>
+            <a:p/>
+          </p:txBody>
+        </p:sp>
+        <p:sp>
+          <p:nvSpPr>
+            <p:cNvPr id="100" name="pt99"/>
+            <p:cNvSpPr/>
+            <p:nvPr/>
+          </p:nvSpPr>
+          <p:spPr>
+            <a:xfrm>
+              <a:off x="5285802" y="3728122"/>
+              <a:ext cx="49651" cy="49651"/>
+            </a:xfrm>
+            <a:prstGeom prst="ellipse">
+              <a:avLst/>
+            </a:prstGeom>
+            <a:solidFill>
+              <a:srgbClr val="F8766D">
+                <a:alpha val="100000"/>
+              </a:srgbClr>
+            </a:solidFill>
+            <a:ln w="9000" cap="rnd">
+              <a:solidFill>
+                <a:srgbClr val="F8766D">
+                  <a:alpha val="100000"/>
+                </a:srgbClr>
+              </a:solidFill>
+              <a:prstDash val="solid"/>
+              <a:round/>
+            </a:ln>
+          </p:spPr>
+          <p:txBody>
+            <a:bodyPr/>
+            <a:lstStyle/>
+            <a:p/>
+          </p:txBody>
+        </p:sp>
+        <p:sp>
+          <p:nvSpPr>
+            <p:cNvPr id="101" name="pt100"/>
+            <p:cNvSpPr/>
+            <p:nvPr/>
+          </p:nvSpPr>
+          <p:spPr>
+            <a:xfrm>
+              <a:off x="5357432" y="3815461"/>
+              <a:ext cx="49651" cy="49651"/>
+            </a:xfrm>
+            <a:prstGeom prst="ellipse">
+              <a:avLst/>
+            </a:prstGeom>
+            <a:solidFill>
+              <a:srgbClr val="F8766D">
+                <a:alpha val="100000"/>
+              </a:srgbClr>
+            </a:solidFill>
+            <a:ln w="9000" cap="rnd">
+              <a:solidFill>
+                <a:srgbClr val="F8766D">
+                  <a:alpha val="100000"/>
+                </a:srgbClr>
+              </a:solidFill>
+              <a:prstDash val="solid"/>
+              <a:round/>
+            </a:ln>
+          </p:spPr>
+          <p:txBody>
+            <a:bodyPr/>
+            <a:lstStyle/>
+            <a:p/>
+          </p:txBody>
+        </p:sp>
+        <p:sp>
+          <p:nvSpPr>
+            <p:cNvPr id="102" name="pt101"/>
+            <p:cNvSpPr/>
+            <p:nvPr/>
+          </p:nvSpPr>
+          <p:spPr>
+            <a:xfrm>
+              <a:off x="5429061" y="3870301"/>
+              <a:ext cx="49651" cy="49651"/>
+            </a:xfrm>
+            <a:prstGeom prst="ellipse">
+              <a:avLst/>
+            </a:prstGeom>
+            <a:solidFill>
+              <a:srgbClr val="F8766D">
+                <a:alpha val="100000"/>
+              </a:srgbClr>
+            </a:solidFill>
+            <a:ln w="9000" cap="rnd">
+              <a:solidFill>
+                <a:srgbClr val="F8766D">
+                  <a:alpha val="100000"/>
+                </a:srgbClr>
+              </a:solidFill>
+              <a:prstDash val="solid"/>
+              <a:round/>
+            </a:ln>
+          </p:spPr>
+          <p:txBody>
+            <a:bodyPr/>
+            <a:lstStyle/>
+            <a:p/>
+          </p:txBody>
+        </p:sp>
+        <p:sp>
+          <p:nvSpPr>
+            <p:cNvPr id="103" name="pt102"/>
+            <p:cNvSpPr/>
+            <p:nvPr/>
+          </p:nvSpPr>
+          <p:spPr>
+            <a:xfrm>
+              <a:off x="1632718" y="3963427"/>
               <a:ext cx="49651" cy="49651"/>
             </a:xfrm>
             <a:prstGeom prst="ellipse">
@@ -5305,13 +6696,13 @@
         </p:sp>
         <p:sp>
           <p:nvSpPr>
-            <p:cNvPr id="74" name="pt73"/>
-            <p:cNvSpPr/>
-            <p:nvPr/>
-          </p:nvSpPr>
-          <p:spPr>
-            <a:xfrm>
-              <a:off x="1990863" y="3962819"/>
+            <p:cNvPr id="104" name="pt103"/>
+            <p:cNvSpPr/>
+            <p:nvPr/>
+          </p:nvSpPr>
+          <p:spPr>
+            <a:xfrm>
+              <a:off x="1704347" y="3963106"/>
               <a:ext cx="49651" cy="49651"/>
             </a:xfrm>
             <a:prstGeom prst="ellipse">
@@ -5340,13 +6731,13 @@
         </p:sp>
         <p:sp>
           <p:nvSpPr>
-            <p:cNvPr id="75" name="pt74"/>
-            <p:cNvSpPr/>
-            <p:nvPr/>
-          </p:nvSpPr>
-          <p:spPr>
-            <a:xfrm>
-              <a:off x="2528081" y="3949975"/>
+            <p:cNvPr id="105" name="pt104"/>
+            <p:cNvSpPr/>
+            <p:nvPr/>
+          </p:nvSpPr>
+          <p:spPr>
+            <a:xfrm>
+              <a:off x="1775976" y="3962825"/>
               <a:ext cx="49651" cy="49651"/>
             </a:xfrm>
             <a:prstGeom prst="ellipse">
@@ -5375,13 +6766,13 @@
         </p:sp>
         <p:sp>
           <p:nvSpPr>
-            <p:cNvPr id="76" name="pt75"/>
-            <p:cNvSpPr/>
-            <p:nvPr/>
-          </p:nvSpPr>
-          <p:spPr>
-            <a:xfrm>
-              <a:off x="2993671" y="3751204"/>
+            <p:cNvPr id="106" name="pt105"/>
+            <p:cNvSpPr/>
+            <p:nvPr/>
+          </p:nvSpPr>
+          <p:spPr>
+            <a:xfrm>
+              <a:off x="1847605" y="3962688"/>
               <a:ext cx="49651" cy="49651"/>
             </a:xfrm>
             <a:prstGeom prst="ellipse">
@@ -5410,13 +6801,13 @@
         </p:sp>
         <p:sp>
           <p:nvSpPr>
-            <p:cNvPr id="77" name="pt76"/>
-            <p:cNvSpPr/>
-            <p:nvPr/>
-          </p:nvSpPr>
-          <p:spPr>
-            <a:xfrm>
-              <a:off x="3065300" y="3672605"/>
+            <p:cNvPr id="107" name="pt106"/>
+            <p:cNvSpPr/>
+            <p:nvPr/>
+          </p:nvSpPr>
+          <p:spPr>
+            <a:xfrm>
+              <a:off x="1919234" y="3962700"/>
               <a:ext cx="49651" cy="49651"/>
             </a:xfrm>
             <a:prstGeom prst="ellipse">
@@ -5445,13 +6836,13 @@
         </p:sp>
         <p:sp>
           <p:nvSpPr>
-            <p:cNvPr id="78" name="pt77"/>
-            <p:cNvSpPr/>
-            <p:nvPr/>
-          </p:nvSpPr>
-          <p:spPr>
-            <a:xfrm>
-              <a:off x="3136929" y="3569613"/>
+            <p:cNvPr id="108" name="pt107"/>
+            <p:cNvSpPr/>
+            <p:nvPr/>
+          </p:nvSpPr>
+          <p:spPr>
+            <a:xfrm>
+              <a:off x="1990863" y="3962882"/>
               <a:ext cx="49651" cy="49651"/>
             </a:xfrm>
             <a:prstGeom prst="ellipse">
@@ -5480,13 +6871,13 @@
         </p:sp>
         <p:sp>
           <p:nvSpPr>
-            <p:cNvPr id="79" name="pt78"/>
-            <p:cNvSpPr/>
-            <p:nvPr/>
-          </p:nvSpPr>
-          <p:spPr>
-            <a:xfrm>
-              <a:off x="3244373" y="3347547"/>
+            <p:cNvPr id="109" name="pt108"/>
+            <p:cNvSpPr/>
+            <p:nvPr/>
+          </p:nvSpPr>
+          <p:spPr>
+            <a:xfrm>
+              <a:off x="2062492" y="3963074"/>
               <a:ext cx="49651" cy="49651"/>
             </a:xfrm>
             <a:prstGeom prst="ellipse">
@@ -5515,13 +6906,13 @@
         </p:sp>
         <p:sp>
           <p:nvSpPr>
-            <p:cNvPr id="80" name="pt79"/>
-            <p:cNvSpPr/>
-            <p:nvPr/>
-          </p:nvSpPr>
-          <p:spPr>
-            <a:xfrm>
-              <a:off x="3351816" y="3001333"/>
+            <p:cNvPr id="110" name="pt109"/>
+            <p:cNvSpPr/>
+            <p:nvPr/>
+          </p:nvSpPr>
+          <p:spPr>
+            <a:xfrm>
+              <a:off x="2134121" y="3963270"/>
               <a:ext cx="49651" cy="49651"/>
             </a:xfrm>
             <a:prstGeom prst="ellipse">
@@ -5550,13 +6941,13 @@
         </p:sp>
         <p:sp>
           <p:nvSpPr>
-            <p:cNvPr id="81" name="pt80"/>
-            <p:cNvSpPr/>
-            <p:nvPr/>
-          </p:nvSpPr>
-          <p:spPr>
-            <a:xfrm>
-              <a:off x="3423445" y="2684794"/>
+            <p:cNvPr id="111" name="pt110"/>
+            <p:cNvSpPr/>
+            <p:nvPr/>
+          </p:nvSpPr>
+          <p:spPr>
+            <a:xfrm>
+              <a:off x="2205750" y="3962879"/>
               <a:ext cx="49651" cy="49651"/>
             </a:xfrm>
             <a:prstGeom prst="ellipse">
@@ -5585,13 +6976,13 @@
         </p:sp>
         <p:sp>
           <p:nvSpPr>
-            <p:cNvPr id="82" name="pt81"/>
-            <p:cNvSpPr/>
-            <p:nvPr/>
-          </p:nvSpPr>
-          <p:spPr>
-            <a:xfrm>
-              <a:off x="3495075" y="2295121"/>
+            <p:cNvPr id="112" name="pt111"/>
+            <p:cNvSpPr/>
+            <p:nvPr/>
+          </p:nvSpPr>
+          <p:spPr>
+            <a:xfrm>
+              <a:off x="2277380" y="3962202"/>
               <a:ext cx="49651" cy="49651"/>
             </a:xfrm>
             <a:prstGeom prst="ellipse">
@@ -5620,13 +7011,13 @@
         </p:sp>
         <p:sp>
           <p:nvSpPr>
-            <p:cNvPr id="83" name="pt82"/>
-            <p:cNvSpPr/>
-            <p:nvPr/>
-          </p:nvSpPr>
-          <p:spPr>
-            <a:xfrm>
-              <a:off x="3566704" y="1903054"/>
+            <p:cNvPr id="113" name="pt112"/>
+            <p:cNvSpPr/>
+            <p:nvPr/>
+          </p:nvSpPr>
+          <p:spPr>
+            <a:xfrm>
+              <a:off x="2349009" y="3960271"/>
               <a:ext cx="49651" cy="49651"/>
             </a:xfrm>
             <a:prstGeom prst="ellipse">
@@ -5655,13 +7046,13 @@
         </p:sp>
         <p:sp>
           <p:nvSpPr>
-            <p:cNvPr id="84" name="pt83"/>
-            <p:cNvSpPr/>
-            <p:nvPr/>
-          </p:nvSpPr>
-          <p:spPr>
-            <a:xfrm>
-              <a:off x="3638333" y="1490218"/>
+            <p:cNvPr id="114" name="pt113"/>
+            <p:cNvSpPr/>
+            <p:nvPr/>
+          </p:nvSpPr>
+          <p:spPr>
+            <a:xfrm>
+              <a:off x="2420638" y="3957361"/>
               <a:ext cx="49651" cy="49651"/>
             </a:xfrm>
             <a:prstGeom prst="ellipse">
@@ -5690,13 +7081,13 @@
         </p:sp>
         <p:sp>
           <p:nvSpPr>
-            <p:cNvPr id="85" name="pt84"/>
-            <p:cNvSpPr/>
-            <p:nvPr/>
-          </p:nvSpPr>
-          <p:spPr>
-            <a:xfrm>
-              <a:off x="3709962" y="1246987"/>
+            <p:cNvPr id="115" name="pt114"/>
+            <p:cNvSpPr/>
+            <p:nvPr/>
+          </p:nvSpPr>
+          <p:spPr>
+            <a:xfrm>
+              <a:off x="2492267" y="3952790"/>
               <a:ext cx="49651" cy="49651"/>
             </a:xfrm>
             <a:prstGeom prst="ellipse">
@@ -5725,13 +7116,13 @@
         </p:sp>
         <p:sp>
           <p:nvSpPr>
-            <p:cNvPr id="86" name="pt85"/>
-            <p:cNvSpPr/>
-            <p:nvPr/>
-          </p:nvSpPr>
-          <p:spPr>
-            <a:xfrm>
-              <a:off x="3781591" y="1104075"/>
+            <p:cNvPr id="116" name="pt115"/>
+            <p:cNvSpPr/>
+            <p:nvPr/>
+          </p:nvSpPr>
+          <p:spPr>
+            <a:xfrm>
+              <a:off x="2563896" y="3945742"/>
               <a:ext cx="49651" cy="49651"/>
             </a:xfrm>
             <a:prstGeom prst="ellipse">
@@ -5760,13 +7151,13 @@
         </p:sp>
         <p:sp>
           <p:nvSpPr>
-            <p:cNvPr id="87" name="pt86"/>
-            <p:cNvSpPr/>
-            <p:nvPr/>
-          </p:nvSpPr>
-          <p:spPr>
-            <a:xfrm>
-              <a:off x="3853220" y="1105654"/>
+            <p:cNvPr id="117" name="pt116"/>
+            <p:cNvSpPr/>
+            <p:nvPr/>
+          </p:nvSpPr>
+          <p:spPr>
+            <a:xfrm>
+              <a:off x="2635525" y="3936320"/>
               <a:ext cx="49651" cy="49651"/>
             </a:xfrm>
             <a:prstGeom prst="ellipse">
@@ -5795,13 +7186,13 @@
         </p:sp>
         <p:sp>
           <p:nvSpPr>
-            <p:cNvPr id="88" name="pt87"/>
-            <p:cNvSpPr/>
-            <p:nvPr/>
-          </p:nvSpPr>
-          <p:spPr>
-            <a:xfrm>
-              <a:off x="3924849" y="1198106"/>
+            <p:cNvPr id="118" name="pt117"/>
+            <p:cNvSpPr/>
+            <p:nvPr/>
+          </p:nvSpPr>
+          <p:spPr>
+            <a:xfrm>
+              <a:off x="2707154" y="3921436"/>
               <a:ext cx="49651" cy="49651"/>
             </a:xfrm>
             <a:prstGeom prst="ellipse">
@@ -5830,13 +7221,13 @@
         </p:sp>
         <p:sp>
           <p:nvSpPr>
-            <p:cNvPr id="89" name="pt88"/>
-            <p:cNvSpPr/>
-            <p:nvPr/>
-          </p:nvSpPr>
-          <p:spPr>
-            <a:xfrm>
-              <a:off x="3996478" y="1331125"/>
+            <p:cNvPr id="119" name="pt118"/>
+            <p:cNvSpPr/>
+            <p:nvPr/>
+          </p:nvSpPr>
+          <p:spPr>
+            <a:xfrm>
+              <a:off x="2778783" y="3901979"/>
               <a:ext cx="49651" cy="49651"/>
             </a:xfrm>
             <a:prstGeom prst="ellipse">
@@ -5865,13 +7256,13 @@
         </p:sp>
         <p:sp>
           <p:nvSpPr>
-            <p:cNvPr id="90" name="pt89"/>
-            <p:cNvSpPr/>
-            <p:nvPr/>
-          </p:nvSpPr>
-          <p:spPr>
-            <a:xfrm>
-              <a:off x="4068107" y="1573165"/>
+            <p:cNvPr id="120" name="pt119"/>
+            <p:cNvSpPr/>
+            <p:nvPr/>
+          </p:nvSpPr>
+          <p:spPr>
+            <a:xfrm>
+              <a:off x="2850413" y="3872550"/>
               <a:ext cx="49651" cy="49651"/>
             </a:xfrm>
             <a:prstGeom prst="ellipse">
@@ -5900,13 +7291,13 @@
         </p:sp>
         <p:sp>
           <p:nvSpPr>
-            <p:cNvPr id="91" name="pt90"/>
-            <p:cNvSpPr/>
-            <p:nvPr/>
-          </p:nvSpPr>
-          <p:spPr>
-            <a:xfrm>
-              <a:off x="4139737" y="1854817"/>
+            <p:cNvPr id="121" name="pt120"/>
+            <p:cNvSpPr/>
+            <p:nvPr/>
+          </p:nvSpPr>
+          <p:spPr>
+            <a:xfrm>
+              <a:off x="2922042" y="3833363"/>
               <a:ext cx="49651" cy="49651"/>
             </a:xfrm>
             <a:prstGeom prst="ellipse">
@@ -5935,13 +7326,13 @@
         </p:sp>
         <p:sp>
           <p:nvSpPr>
-            <p:cNvPr id="92" name="pt91"/>
-            <p:cNvSpPr/>
-            <p:nvPr/>
-          </p:nvSpPr>
-          <p:spPr>
-            <a:xfrm>
-              <a:off x="4211366" y="2156842"/>
+            <p:cNvPr id="122" name="pt121"/>
+            <p:cNvSpPr/>
+            <p:nvPr/>
+          </p:nvSpPr>
+          <p:spPr>
+            <a:xfrm>
+              <a:off x="2993671" y="3779381"/>
               <a:ext cx="49651" cy="49651"/>
             </a:xfrm>
             <a:prstGeom prst="ellipse">
@@ -5970,13 +7361,13 @@
         </p:sp>
         <p:sp>
           <p:nvSpPr>
-            <p:cNvPr id="93" name="pt92"/>
-            <p:cNvSpPr/>
-            <p:nvPr/>
-          </p:nvSpPr>
-          <p:spPr>
-            <a:xfrm>
-              <a:off x="4282995" y="2476840"/>
+            <p:cNvPr id="123" name="pt122"/>
+            <p:cNvSpPr/>
+            <p:nvPr/>
+          </p:nvSpPr>
+          <p:spPr>
+            <a:xfrm>
+              <a:off x="3065300" y="3707858"/>
               <a:ext cx="49651" cy="49651"/>
             </a:xfrm>
             <a:prstGeom prst="ellipse">
@@ -6005,13 +7396,13 @@
         </p:sp>
         <p:sp>
           <p:nvSpPr>
-            <p:cNvPr id="94" name="pt93"/>
-            <p:cNvSpPr/>
-            <p:nvPr/>
-          </p:nvSpPr>
-          <p:spPr>
-            <a:xfrm>
-              <a:off x="4390438" y="2881861"/>
+            <p:cNvPr id="124" name="pt123"/>
+            <p:cNvSpPr/>
+            <p:nvPr/>
+          </p:nvSpPr>
+          <p:spPr>
+            <a:xfrm>
+              <a:off x="3136929" y="3613092"/>
               <a:ext cx="49651" cy="49651"/>
             </a:xfrm>
             <a:prstGeom prst="ellipse">
@@ -6040,13 +7431,13 @@
         </p:sp>
         <p:sp>
           <p:nvSpPr>
-            <p:cNvPr id="95" name="pt94"/>
-            <p:cNvSpPr/>
-            <p:nvPr/>
-          </p:nvSpPr>
-          <p:spPr>
-            <a:xfrm>
-              <a:off x="4497882" y="3197855"/>
+            <p:cNvPr id="125" name="pt124"/>
+            <p:cNvSpPr/>
+            <p:nvPr/>
+          </p:nvSpPr>
+          <p:spPr>
+            <a:xfrm>
+              <a:off x="3208558" y="3484138"/>
               <a:ext cx="49651" cy="49651"/>
             </a:xfrm>
             <a:prstGeom prst="ellipse">
@@ -6075,13 +7466,13 @@
         </p:sp>
         <p:sp>
           <p:nvSpPr>
-            <p:cNvPr id="96" name="pt95"/>
-            <p:cNvSpPr/>
-            <p:nvPr/>
-          </p:nvSpPr>
-          <p:spPr>
-            <a:xfrm>
-              <a:off x="4569511" y="3363698"/>
+            <p:cNvPr id="126" name="pt125"/>
+            <p:cNvSpPr/>
+            <p:nvPr/>
+          </p:nvSpPr>
+          <p:spPr>
+            <a:xfrm>
+              <a:off x="3280187" y="3311079"/>
               <a:ext cx="49651" cy="49651"/>
             </a:xfrm>
             <a:prstGeom prst="ellipse">
@@ -6110,13 +7501,13 @@
         </p:sp>
         <p:sp>
           <p:nvSpPr>
-            <p:cNvPr id="97" name="pt96"/>
-            <p:cNvSpPr/>
-            <p:nvPr/>
-          </p:nvSpPr>
-          <p:spPr>
-            <a:xfrm>
-              <a:off x="4641140" y="3507100"/>
+            <p:cNvPr id="127" name="pt126"/>
+            <p:cNvSpPr/>
+            <p:nvPr/>
+          </p:nvSpPr>
+          <p:spPr>
+            <a:xfrm>
+              <a:off x="3351816" y="3074513"/>
               <a:ext cx="49651" cy="49651"/>
             </a:xfrm>
             <a:prstGeom prst="ellipse">
@@ -6145,13 +7536,13 @@
         </p:sp>
         <p:sp>
           <p:nvSpPr>
-            <p:cNvPr id="98" name="pt97"/>
-            <p:cNvSpPr/>
-            <p:nvPr/>
-          </p:nvSpPr>
-          <p:spPr>
-            <a:xfrm>
-              <a:off x="4856028" y="3789974"/>
+            <p:cNvPr id="128" name="pt127"/>
+            <p:cNvSpPr/>
+            <p:nvPr/>
+          </p:nvSpPr>
+          <p:spPr>
+            <a:xfrm>
+              <a:off x="3423445" y="2768955"/>
               <a:ext cx="49651" cy="49651"/>
             </a:xfrm>
             <a:prstGeom prst="ellipse">
@@ -6180,13 +7571,13 @@
         </p:sp>
         <p:sp>
           <p:nvSpPr>
-            <p:cNvPr id="99" name="pt98"/>
-            <p:cNvSpPr/>
-            <p:nvPr/>
-          </p:nvSpPr>
-          <p:spPr>
-            <a:xfrm>
-              <a:off x="5070915" y="3920272"/>
+            <p:cNvPr id="129" name="pt128"/>
+            <p:cNvSpPr/>
+            <p:nvPr/>
+          </p:nvSpPr>
+          <p:spPr>
+            <a:xfrm>
+              <a:off x="3495075" y="2405736"/>
               <a:ext cx="49651" cy="49651"/>
             </a:xfrm>
             <a:prstGeom prst="ellipse">
@@ -6215,13 +7606,13 @@
         </p:sp>
         <p:sp>
           <p:nvSpPr>
-            <p:cNvPr id="100" name="pt99"/>
-            <p:cNvSpPr/>
-            <p:nvPr/>
-          </p:nvSpPr>
-          <p:spPr>
-            <a:xfrm>
-              <a:off x="5285802" y="3977339"/>
+            <p:cNvPr id="130" name="pt129"/>
+            <p:cNvSpPr/>
+            <p:nvPr/>
+          </p:nvSpPr>
+          <p:spPr>
+            <a:xfrm>
+              <a:off x="3566704" y="2017551"/>
               <a:ext cx="49651" cy="49651"/>
             </a:xfrm>
             <a:prstGeom prst="ellipse">
@@ -6250,13 +7641,923 @@
         </p:sp>
         <p:sp>
           <p:nvSpPr>
-            <p:cNvPr id="101" name="pt100"/>
-            <p:cNvSpPr/>
-            <p:nvPr/>
-          </p:nvSpPr>
-          <p:spPr>
-            <a:xfrm>
-              <a:off x="2313194" y="4002328"/>
+            <p:cNvPr id="131" name="pt130"/>
+            <p:cNvSpPr/>
+            <p:nvPr/>
+          </p:nvSpPr>
+          <p:spPr>
+            <a:xfrm>
+              <a:off x="3638333" y="1632878"/>
+              <a:ext cx="49651" cy="49651"/>
+            </a:xfrm>
+            <a:prstGeom prst="ellipse">
+              <a:avLst/>
+            </a:prstGeom>
+            <a:solidFill>
+              <a:srgbClr val="7CAE00">
+                <a:alpha val="100000"/>
+              </a:srgbClr>
+            </a:solidFill>
+            <a:ln w="9000" cap="rnd">
+              <a:solidFill>
+                <a:srgbClr val="7CAE00">
+                  <a:alpha val="100000"/>
+                </a:srgbClr>
+              </a:solidFill>
+              <a:prstDash val="solid"/>
+              <a:round/>
+            </a:ln>
+          </p:spPr>
+          <p:txBody>
+            <a:bodyPr/>
+            <a:lstStyle/>
+            <a:p/>
+          </p:txBody>
+        </p:sp>
+        <p:sp>
+          <p:nvSpPr>
+            <p:cNvPr id="132" name="pt131"/>
+            <p:cNvSpPr/>
+            <p:nvPr/>
+          </p:nvSpPr>
+          <p:spPr>
+            <a:xfrm>
+              <a:off x="3709962" y="1413689"/>
+              <a:ext cx="49651" cy="49651"/>
+            </a:xfrm>
+            <a:prstGeom prst="ellipse">
+              <a:avLst/>
+            </a:prstGeom>
+            <a:solidFill>
+              <a:srgbClr val="7CAE00">
+                <a:alpha val="100000"/>
+              </a:srgbClr>
+            </a:solidFill>
+            <a:ln w="9000" cap="rnd">
+              <a:solidFill>
+                <a:srgbClr val="7CAE00">
+                  <a:alpha val="100000"/>
+                </a:srgbClr>
+              </a:solidFill>
+              <a:prstDash val="solid"/>
+              <a:round/>
+            </a:ln>
+          </p:spPr>
+          <p:txBody>
+            <a:bodyPr/>
+            <a:lstStyle/>
+            <a:p/>
+          </p:txBody>
+        </p:sp>
+        <p:sp>
+          <p:nvSpPr>
+            <p:cNvPr id="133" name="pt132"/>
+            <p:cNvSpPr/>
+            <p:nvPr/>
+          </p:nvSpPr>
+          <p:spPr>
+            <a:xfrm>
+              <a:off x="3781591" y="1263966"/>
+              <a:ext cx="49651" cy="49651"/>
+            </a:xfrm>
+            <a:prstGeom prst="ellipse">
+              <a:avLst/>
+            </a:prstGeom>
+            <a:solidFill>
+              <a:srgbClr val="7CAE00">
+                <a:alpha val="100000"/>
+              </a:srgbClr>
+            </a:solidFill>
+            <a:ln w="9000" cap="rnd">
+              <a:solidFill>
+                <a:srgbClr val="7CAE00">
+                  <a:alpha val="100000"/>
+                </a:srgbClr>
+              </a:solidFill>
+              <a:prstDash val="solid"/>
+              <a:round/>
+            </a:ln>
+          </p:spPr>
+          <p:txBody>
+            <a:bodyPr/>
+            <a:lstStyle/>
+            <a:p/>
+          </p:txBody>
+        </p:sp>
+        <p:sp>
+          <p:nvSpPr>
+            <p:cNvPr id="134" name="pt133"/>
+            <p:cNvSpPr/>
+            <p:nvPr/>
+          </p:nvSpPr>
+          <p:spPr>
+            <a:xfrm>
+              <a:off x="3853220" y="1298767"/>
+              <a:ext cx="49651" cy="49651"/>
+            </a:xfrm>
+            <a:prstGeom prst="ellipse">
+              <a:avLst/>
+            </a:prstGeom>
+            <a:solidFill>
+              <a:srgbClr val="7CAE00">
+                <a:alpha val="100000"/>
+              </a:srgbClr>
+            </a:solidFill>
+            <a:ln w="9000" cap="rnd">
+              <a:solidFill>
+                <a:srgbClr val="7CAE00">
+                  <a:alpha val="100000"/>
+                </a:srgbClr>
+              </a:solidFill>
+              <a:prstDash val="solid"/>
+              <a:round/>
+            </a:ln>
+          </p:spPr>
+          <p:txBody>
+            <a:bodyPr/>
+            <a:lstStyle/>
+            <a:p/>
+          </p:txBody>
+        </p:sp>
+        <p:sp>
+          <p:nvSpPr>
+            <p:cNvPr id="135" name="pt134"/>
+            <p:cNvSpPr/>
+            <p:nvPr/>
+          </p:nvSpPr>
+          <p:spPr>
+            <a:xfrm>
+              <a:off x="3924849" y="1366554"/>
+              <a:ext cx="49651" cy="49651"/>
+            </a:xfrm>
+            <a:prstGeom prst="ellipse">
+              <a:avLst/>
+            </a:prstGeom>
+            <a:solidFill>
+              <a:srgbClr val="7CAE00">
+                <a:alpha val="100000"/>
+              </a:srgbClr>
+            </a:solidFill>
+            <a:ln w="9000" cap="rnd">
+              <a:solidFill>
+                <a:srgbClr val="7CAE00">
+                  <a:alpha val="100000"/>
+                </a:srgbClr>
+              </a:solidFill>
+              <a:prstDash val="solid"/>
+              <a:round/>
+            </a:ln>
+          </p:spPr>
+          <p:txBody>
+            <a:bodyPr/>
+            <a:lstStyle/>
+            <a:p/>
+          </p:txBody>
+        </p:sp>
+        <p:sp>
+          <p:nvSpPr>
+            <p:cNvPr id="136" name="pt135"/>
+            <p:cNvSpPr/>
+            <p:nvPr/>
+          </p:nvSpPr>
+          <p:spPr>
+            <a:xfrm>
+              <a:off x="3996478" y="1535604"/>
+              <a:ext cx="49651" cy="49651"/>
+            </a:xfrm>
+            <a:prstGeom prst="ellipse">
+              <a:avLst/>
+            </a:prstGeom>
+            <a:solidFill>
+              <a:srgbClr val="7CAE00">
+                <a:alpha val="100000"/>
+              </a:srgbClr>
+            </a:solidFill>
+            <a:ln w="9000" cap="rnd">
+              <a:solidFill>
+                <a:srgbClr val="7CAE00">
+                  <a:alpha val="100000"/>
+                </a:srgbClr>
+              </a:solidFill>
+              <a:prstDash val="solid"/>
+              <a:round/>
+            </a:ln>
+          </p:spPr>
+          <p:txBody>
+            <a:bodyPr/>
+            <a:lstStyle/>
+            <a:p/>
+          </p:txBody>
+        </p:sp>
+        <p:sp>
+          <p:nvSpPr>
+            <p:cNvPr id="137" name="pt136"/>
+            <p:cNvSpPr/>
+            <p:nvPr/>
+          </p:nvSpPr>
+          <p:spPr>
+            <a:xfrm>
+              <a:off x="4068107" y="1757679"/>
+              <a:ext cx="49651" cy="49651"/>
+            </a:xfrm>
+            <a:prstGeom prst="ellipse">
+              <a:avLst/>
+            </a:prstGeom>
+            <a:solidFill>
+              <a:srgbClr val="7CAE00">
+                <a:alpha val="100000"/>
+              </a:srgbClr>
+            </a:solidFill>
+            <a:ln w="9000" cap="rnd">
+              <a:solidFill>
+                <a:srgbClr val="7CAE00">
+                  <a:alpha val="100000"/>
+                </a:srgbClr>
+              </a:solidFill>
+              <a:prstDash val="solid"/>
+              <a:round/>
+            </a:ln>
+          </p:spPr>
+          <p:txBody>
+            <a:bodyPr/>
+            <a:lstStyle/>
+            <a:p/>
+          </p:txBody>
+        </p:sp>
+        <p:sp>
+          <p:nvSpPr>
+            <p:cNvPr id="138" name="pt137"/>
+            <p:cNvSpPr/>
+            <p:nvPr/>
+          </p:nvSpPr>
+          <p:spPr>
+            <a:xfrm>
+              <a:off x="4139737" y="2033341"/>
+              <a:ext cx="49651" cy="49651"/>
+            </a:xfrm>
+            <a:prstGeom prst="ellipse">
+              <a:avLst/>
+            </a:prstGeom>
+            <a:solidFill>
+              <a:srgbClr val="7CAE00">
+                <a:alpha val="100000"/>
+              </a:srgbClr>
+            </a:solidFill>
+            <a:ln w="9000" cap="rnd">
+              <a:solidFill>
+                <a:srgbClr val="7CAE00">
+                  <a:alpha val="100000"/>
+                </a:srgbClr>
+              </a:solidFill>
+              <a:prstDash val="solid"/>
+              <a:round/>
+            </a:ln>
+          </p:spPr>
+          <p:txBody>
+            <a:bodyPr/>
+            <a:lstStyle/>
+            <a:p/>
+          </p:txBody>
+        </p:sp>
+        <p:sp>
+          <p:nvSpPr>
+            <p:cNvPr id="139" name="pt138"/>
+            <p:cNvSpPr/>
+            <p:nvPr/>
+          </p:nvSpPr>
+          <p:spPr>
+            <a:xfrm>
+              <a:off x="4211366" y="2334401"/>
+              <a:ext cx="49651" cy="49651"/>
+            </a:xfrm>
+            <a:prstGeom prst="ellipse">
+              <a:avLst/>
+            </a:prstGeom>
+            <a:solidFill>
+              <a:srgbClr val="7CAE00">
+                <a:alpha val="100000"/>
+              </a:srgbClr>
+            </a:solidFill>
+            <a:ln w="9000" cap="rnd">
+              <a:solidFill>
+                <a:srgbClr val="7CAE00">
+                  <a:alpha val="100000"/>
+                </a:srgbClr>
+              </a:solidFill>
+              <a:prstDash val="solid"/>
+              <a:round/>
+            </a:ln>
+          </p:spPr>
+          <p:txBody>
+            <a:bodyPr/>
+            <a:lstStyle/>
+            <a:p/>
+          </p:txBody>
+        </p:sp>
+        <p:sp>
+          <p:nvSpPr>
+            <p:cNvPr id="140" name="pt139"/>
+            <p:cNvSpPr/>
+            <p:nvPr/>
+          </p:nvSpPr>
+          <p:spPr>
+            <a:xfrm>
+              <a:off x="4282995" y="2613875"/>
+              <a:ext cx="49651" cy="49651"/>
+            </a:xfrm>
+            <a:prstGeom prst="ellipse">
+              <a:avLst/>
+            </a:prstGeom>
+            <a:solidFill>
+              <a:srgbClr val="7CAE00">
+                <a:alpha val="100000"/>
+              </a:srgbClr>
+            </a:solidFill>
+            <a:ln w="9000" cap="rnd">
+              <a:solidFill>
+                <a:srgbClr val="7CAE00">
+                  <a:alpha val="100000"/>
+                </a:srgbClr>
+              </a:solidFill>
+              <a:prstDash val="solid"/>
+              <a:round/>
+            </a:ln>
+          </p:spPr>
+          <p:txBody>
+            <a:bodyPr/>
+            <a:lstStyle/>
+            <a:p/>
+          </p:txBody>
+        </p:sp>
+        <p:sp>
+          <p:nvSpPr>
+            <p:cNvPr id="141" name="pt140"/>
+            <p:cNvSpPr/>
+            <p:nvPr/>
+          </p:nvSpPr>
+          <p:spPr>
+            <a:xfrm>
+              <a:off x="4354624" y="2867877"/>
+              <a:ext cx="49651" cy="49651"/>
+            </a:xfrm>
+            <a:prstGeom prst="ellipse">
+              <a:avLst/>
+            </a:prstGeom>
+            <a:solidFill>
+              <a:srgbClr val="7CAE00">
+                <a:alpha val="100000"/>
+              </a:srgbClr>
+            </a:solidFill>
+            <a:ln w="9000" cap="rnd">
+              <a:solidFill>
+                <a:srgbClr val="7CAE00">
+                  <a:alpha val="100000"/>
+                </a:srgbClr>
+              </a:solidFill>
+              <a:prstDash val="solid"/>
+              <a:round/>
+            </a:ln>
+          </p:spPr>
+          <p:txBody>
+            <a:bodyPr/>
+            <a:lstStyle/>
+            <a:p/>
+          </p:txBody>
+        </p:sp>
+        <p:sp>
+          <p:nvSpPr>
+            <p:cNvPr id="142" name="pt141"/>
+            <p:cNvSpPr/>
+            <p:nvPr/>
+          </p:nvSpPr>
+          <p:spPr>
+            <a:xfrm>
+              <a:off x="4426253" y="3078953"/>
+              <a:ext cx="49651" cy="49651"/>
+            </a:xfrm>
+            <a:prstGeom prst="ellipse">
+              <a:avLst/>
+            </a:prstGeom>
+            <a:solidFill>
+              <a:srgbClr val="7CAE00">
+                <a:alpha val="100000"/>
+              </a:srgbClr>
+            </a:solidFill>
+            <a:ln w="9000" cap="rnd">
+              <a:solidFill>
+                <a:srgbClr val="7CAE00">
+                  <a:alpha val="100000"/>
+                </a:srgbClr>
+              </a:solidFill>
+              <a:prstDash val="solid"/>
+              <a:round/>
+            </a:ln>
+          </p:spPr>
+          <p:txBody>
+            <a:bodyPr/>
+            <a:lstStyle/>
+            <a:p/>
+          </p:txBody>
+        </p:sp>
+        <p:sp>
+          <p:nvSpPr>
+            <p:cNvPr id="143" name="pt142"/>
+            <p:cNvSpPr/>
+            <p:nvPr/>
+          </p:nvSpPr>
+          <p:spPr>
+            <a:xfrm>
+              <a:off x="4497882" y="3259283"/>
+              <a:ext cx="49651" cy="49651"/>
+            </a:xfrm>
+            <a:prstGeom prst="ellipse">
+              <a:avLst/>
+            </a:prstGeom>
+            <a:solidFill>
+              <a:srgbClr val="7CAE00">
+                <a:alpha val="100000"/>
+              </a:srgbClr>
+            </a:solidFill>
+            <a:ln w="9000" cap="rnd">
+              <a:solidFill>
+                <a:srgbClr val="7CAE00">
+                  <a:alpha val="100000"/>
+                </a:srgbClr>
+              </a:solidFill>
+              <a:prstDash val="solid"/>
+              <a:round/>
+            </a:ln>
+          </p:spPr>
+          <p:txBody>
+            <a:bodyPr/>
+            <a:lstStyle/>
+            <a:p/>
+          </p:txBody>
+        </p:sp>
+        <p:sp>
+          <p:nvSpPr>
+            <p:cNvPr id="144" name="pt143"/>
+            <p:cNvSpPr/>
+            <p:nvPr/>
+          </p:nvSpPr>
+          <p:spPr>
+            <a:xfrm>
+              <a:off x="4569511" y="3408616"/>
+              <a:ext cx="49651" cy="49651"/>
+            </a:xfrm>
+            <a:prstGeom prst="ellipse">
+              <a:avLst/>
+            </a:prstGeom>
+            <a:solidFill>
+              <a:srgbClr val="7CAE00">
+                <a:alpha val="100000"/>
+              </a:srgbClr>
+            </a:solidFill>
+            <a:ln w="9000" cap="rnd">
+              <a:solidFill>
+                <a:srgbClr val="7CAE00">
+                  <a:alpha val="100000"/>
+                </a:srgbClr>
+              </a:solidFill>
+              <a:prstDash val="solid"/>
+              <a:round/>
+            </a:ln>
+          </p:spPr>
+          <p:txBody>
+            <a:bodyPr/>
+            <a:lstStyle/>
+            <a:p/>
+          </p:txBody>
+        </p:sp>
+        <p:sp>
+          <p:nvSpPr>
+            <p:cNvPr id="145" name="pt144"/>
+            <p:cNvSpPr/>
+            <p:nvPr/>
+          </p:nvSpPr>
+          <p:spPr>
+            <a:xfrm>
+              <a:off x="4641140" y="3533705"/>
+              <a:ext cx="49651" cy="49651"/>
+            </a:xfrm>
+            <a:prstGeom prst="ellipse">
+              <a:avLst/>
+            </a:prstGeom>
+            <a:solidFill>
+              <a:srgbClr val="7CAE00">
+                <a:alpha val="100000"/>
+              </a:srgbClr>
+            </a:solidFill>
+            <a:ln w="9000" cap="rnd">
+              <a:solidFill>
+                <a:srgbClr val="7CAE00">
+                  <a:alpha val="100000"/>
+                </a:srgbClr>
+              </a:solidFill>
+              <a:prstDash val="solid"/>
+              <a:round/>
+            </a:ln>
+          </p:spPr>
+          <p:txBody>
+            <a:bodyPr/>
+            <a:lstStyle/>
+            <a:p/>
+          </p:txBody>
+        </p:sp>
+        <p:sp>
+          <p:nvSpPr>
+            <p:cNvPr id="146" name="pt145"/>
+            <p:cNvSpPr/>
+            <p:nvPr/>
+          </p:nvSpPr>
+          <p:spPr>
+            <a:xfrm>
+              <a:off x="4712770" y="3636241"/>
+              <a:ext cx="49651" cy="49651"/>
+            </a:xfrm>
+            <a:prstGeom prst="ellipse">
+              <a:avLst/>
+            </a:prstGeom>
+            <a:solidFill>
+              <a:srgbClr val="7CAE00">
+                <a:alpha val="100000"/>
+              </a:srgbClr>
+            </a:solidFill>
+            <a:ln w="9000" cap="rnd">
+              <a:solidFill>
+                <a:srgbClr val="7CAE00">
+                  <a:alpha val="100000"/>
+                </a:srgbClr>
+              </a:solidFill>
+              <a:prstDash val="solid"/>
+              <a:round/>
+            </a:ln>
+          </p:spPr>
+          <p:txBody>
+            <a:bodyPr/>
+            <a:lstStyle/>
+            <a:p/>
+          </p:txBody>
+        </p:sp>
+        <p:sp>
+          <p:nvSpPr>
+            <p:cNvPr id="147" name="pt146"/>
+            <p:cNvSpPr/>
+            <p:nvPr/>
+          </p:nvSpPr>
+          <p:spPr>
+            <a:xfrm>
+              <a:off x="4784399" y="3718304"/>
+              <a:ext cx="49651" cy="49651"/>
+            </a:xfrm>
+            <a:prstGeom prst="ellipse">
+              <a:avLst/>
+            </a:prstGeom>
+            <a:solidFill>
+              <a:srgbClr val="7CAE00">
+                <a:alpha val="100000"/>
+              </a:srgbClr>
+            </a:solidFill>
+            <a:ln w="9000" cap="rnd">
+              <a:solidFill>
+                <a:srgbClr val="7CAE00">
+                  <a:alpha val="100000"/>
+                </a:srgbClr>
+              </a:solidFill>
+              <a:prstDash val="solid"/>
+              <a:round/>
+            </a:ln>
+          </p:spPr>
+          <p:txBody>
+            <a:bodyPr/>
+            <a:lstStyle/>
+            <a:p/>
+          </p:txBody>
+        </p:sp>
+        <p:sp>
+          <p:nvSpPr>
+            <p:cNvPr id="148" name="pt147"/>
+            <p:cNvSpPr/>
+            <p:nvPr/>
+          </p:nvSpPr>
+          <p:spPr>
+            <a:xfrm>
+              <a:off x="4856028" y="3781284"/>
+              <a:ext cx="49651" cy="49651"/>
+            </a:xfrm>
+            <a:prstGeom prst="ellipse">
+              <a:avLst/>
+            </a:prstGeom>
+            <a:solidFill>
+              <a:srgbClr val="7CAE00">
+                <a:alpha val="100000"/>
+              </a:srgbClr>
+            </a:solidFill>
+            <a:ln w="9000" cap="rnd">
+              <a:solidFill>
+                <a:srgbClr val="7CAE00">
+                  <a:alpha val="100000"/>
+                </a:srgbClr>
+              </a:solidFill>
+              <a:prstDash val="solid"/>
+              <a:round/>
+            </a:ln>
+          </p:spPr>
+          <p:txBody>
+            <a:bodyPr/>
+            <a:lstStyle/>
+            <a:p/>
+          </p:txBody>
+        </p:sp>
+        <p:sp>
+          <p:nvSpPr>
+            <p:cNvPr id="149" name="pt148"/>
+            <p:cNvSpPr/>
+            <p:nvPr/>
+          </p:nvSpPr>
+          <p:spPr>
+            <a:xfrm>
+              <a:off x="4927657" y="3830224"/>
+              <a:ext cx="49651" cy="49651"/>
+            </a:xfrm>
+            <a:prstGeom prst="ellipse">
+              <a:avLst/>
+            </a:prstGeom>
+            <a:solidFill>
+              <a:srgbClr val="7CAE00">
+                <a:alpha val="100000"/>
+              </a:srgbClr>
+            </a:solidFill>
+            <a:ln w="9000" cap="rnd">
+              <a:solidFill>
+                <a:srgbClr val="7CAE00">
+                  <a:alpha val="100000"/>
+                </a:srgbClr>
+              </a:solidFill>
+              <a:prstDash val="solid"/>
+              <a:round/>
+            </a:ln>
+          </p:spPr>
+          <p:txBody>
+            <a:bodyPr/>
+            <a:lstStyle/>
+            <a:p/>
+          </p:txBody>
+        </p:sp>
+        <p:sp>
+          <p:nvSpPr>
+            <p:cNvPr id="150" name="pt149"/>
+            <p:cNvSpPr/>
+            <p:nvPr/>
+          </p:nvSpPr>
+          <p:spPr>
+            <a:xfrm>
+              <a:off x="4999286" y="3868683"/>
+              <a:ext cx="49651" cy="49651"/>
+            </a:xfrm>
+            <a:prstGeom prst="ellipse">
+              <a:avLst/>
+            </a:prstGeom>
+            <a:solidFill>
+              <a:srgbClr val="7CAE00">
+                <a:alpha val="100000"/>
+              </a:srgbClr>
+            </a:solidFill>
+            <a:ln w="9000" cap="rnd">
+              <a:solidFill>
+                <a:srgbClr val="7CAE00">
+                  <a:alpha val="100000"/>
+                </a:srgbClr>
+              </a:solidFill>
+              <a:prstDash val="solid"/>
+              <a:round/>
+            </a:ln>
+          </p:spPr>
+          <p:txBody>
+            <a:bodyPr/>
+            <a:lstStyle/>
+            <a:p/>
+          </p:txBody>
+        </p:sp>
+        <p:sp>
+          <p:nvSpPr>
+            <p:cNvPr id="151" name="pt150"/>
+            <p:cNvSpPr/>
+            <p:nvPr/>
+          </p:nvSpPr>
+          <p:spPr>
+            <a:xfrm>
+              <a:off x="5070915" y="3899097"/>
+              <a:ext cx="49651" cy="49651"/>
+            </a:xfrm>
+            <a:prstGeom prst="ellipse">
+              <a:avLst/>
+            </a:prstGeom>
+            <a:solidFill>
+              <a:srgbClr val="7CAE00">
+                <a:alpha val="100000"/>
+              </a:srgbClr>
+            </a:solidFill>
+            <a:ln w="9000" cap="rnd">
+              <a:solidFill>
+                <a:srgbClr val="7CAE00">
+                  <a:alpha val="100000"/>
+                </a:srgbClr>
+              </a:solidFill>
+              <a:prstDash val="solid"/>
+              <a:round/>
+            </a:ln>
+          </p:spPr>
+          <p:txBody>
+            <a:bodyPr/>
+            <a:lstStyle/>
+            <a:p/>
+          </p:txBody>
+        </p:sp>
+        <p:sp>
+          <p:nvSpPr>
+            <p:cNvPr id="152" name="pt151"/>
+            <p:cNvSpPr/>
+            <p:nvPr/>
+          </p:nvSpPr>
+          <p:spPr>
+            <a:xfrm>
+              <a:off x="5142544" y="3923571"/>
+              <a:ext cx="49651" cy="49651"/>
+            </a:xfrm>
+            <a:prstGeom prst="ellipse">
+              <a:avLst/>
+            </a:prstGeom>
+            <a:solidFill>
+              <a:srgbClr val="7CAE00">
+                <a:alpha val="100000"/>
+              </a:srgbClr>
+            </a:solidFill>
+            <a:ln w="9000" cap="rnd">
+              <a:solidFill>
+                <a:srgbClr val="7CAE00">
+                  <a:alpha val="100000"/>
+                </a:srgbClr>
+              </a:solidFill>
+              <a:prstDash val="solid"/>
+              <a:round/>
+            </a:ln>
+          </p:spPr>
+          <p:txBody>
+            <a:bodyPr/>
+            <a:lstStyle/>
+            <a:p/>
+          </p:txBody>
+        </p:sp>
+        <p:sp>
+          <p:nvSpPr>
+            <p:cNvPr id="153" name="pt152"/>
+            <p:cNvSpPr/>
+            <p:nvPr/>
+          </p:nvSpPr>
+          <p:spPr>
+            <a:xfrm>
+              <a:off x="5214173" y="3942519"/>
+              <a:ext cx="49651" cy="49651"/>
+            </a:xfrm>
+            <a:prstGeom prst="ellipse">
+              <a:avLst/>
+            </a:prstGeom>
+            <a:solidFill>
+              <a:srgbClr val="7CAE00">
+                <a:alpha val="100000"/>
+              </a:srgbClr>
+            </a:solidFill>
+            <a:ln w="9000" cap="rnd">
+              <a:solidFill>
+                <a:srgbClr val="7CAE00">
+                  <a:alpha val="100000"/>
+                </a:srgbClr>
+              </a:solidFill>
+              <a:prstDash val="solid"/>
+              <a:round/>
+            </a:ln>
+          </p:spPr>
+          <p:txBody>
+            <a:bodyPr/>
+            <a:lstStyle/>
+            <a:p/>
+          </p:txBody>
+        </p:sp>
+        <p:sp>
+          <p:nvSpPr>
+            <p:cNvPr id="154" name="pt153"/>
+            <p:cNvSpPr/>
+            <p:nvPr/>
+          </p:nvSpPr>
+          <p:spPr>
+            <a:xfrm>
+              <a:off x="5285802" y="3957091"/>
+              <a:ext cx="49651" cy="49651"/>
+            </a:xfrm>
+            <a:prstGeom prst="ellipse">
+              <a:avLst/>
+            </a:prstGeom>
+            <a:solidFill>
+              <a:srgbClr val="7CAE00">
+                <a:alpha val="100000"/>
+              </a:srgbClr>
+            </a:solidFill>
+            <a:ln w="9000" cap="rnd">
+              <a:solidFill>
+                <a:srgbClr val="7CAE00">
+                  <a:alpha val="100000"/>
+                </a:srgbClr>
+              </a:solidFill>
+              <a:prstDash val="solid"/>
+              <a:round/>
+            </a:ln>
+          </p:spPr>
+          <p:txBody>
+            <a:bodyPr/>
+            <a:lstStyle/>
+            <a:p/>
+          </p:txBody>
+        </p:sp>
+        <p:sp>
+          <p:nvSpPr>
+            <p:cNvPr id="155" name="pt154"/>
+            <p:cNvSpPr/>
+            <p:nvPr/>
+          </p:nvSpPr>
+          <p:spPr>
+            <a:xfrm>
+              <a:off x="5357432" y="3968171"/>
+              <a:ext cx="49651" cy="49651"/>
+            </a:xfrm>
+            <a:prstGeom prst="ellipse">
+              <a:avLst/>
+            </a:prstGeom>
+            <a:solidFill>
+              <a:srgbClr val="7CAE00">
+                <a:alpha val="100000"/>
+              </a:srgbClr>
+            </a:solidFill>
+            <a:ln w="9000" cap="rnd">
+              <a:solidFill>
+                <a:srgbClr val="7CAE00">
+                  <a:alpha val="100000"/>
+                </a:srgbClr>
+              </a:solidFill>
+              <a:prstDash val="solid"/>
+              <a:round/>
+            </a:ln>
+          </p:spPr>
+          <p:txBody>
+            <a:bodyPr/>
+            <a:lstStyle/>
+            <a:p/>
+          </p:txBody>
+        </p:sp>
+        <p:sp>
+          <p:nvSpPr>
+            <p:cNvPr id="156" name="pt155"/>
+            <p:cNvSpPr/>
+            <p:nvPr/>
+          </p:nvSpPr>
+          <p:spPr>
+            <a:xfrm>
+              <a:off x="5429061" y="3976550"/>
+              <a:ext cx="49651" cy="49651"/>
+            </a:xfrm>
+            <a:prstGeom prst="ellipse">
+              <a:avLst/>
+            </a:prstGeom>
+            <a:solidFill>
+              <a:srgbClr val="7CAE00">
+                <a:alpha val="100000"/>
+              </a:srgbClr>
+            </a:solidFill>
+            <a:ln w="9000" cap="rnd">
+              <a:solidFill>
+                <a:srgbClr val="7CAE00">
+                  <a:alpha val="100000"/>
+                </a:srgbClr>
+              </a:solidFill>
+              <a:prstDash val="solid"/>
+              <a:round/>
+            </a:ln>
+          </p:spPr>
+          <p:txBody>
+            <a:bodyPr/>
+            <a:lstStyle/>
+            <a:p/>
+          </p:txBody>
+        </p:sp>
+        <p:sp>
+          <p:nvSpPr>
+            <p:cNvPr id="157" name="pt156"/>
+            <p:cNvSpPr/>
+            <p:nvPr/>
+          </p:nvSpPr>
+          <p:spPr>
+            <a:xfrm>
+              <a:off x="1632718" y="4002304"/>
               <a:ext cx="49651" cy="49651"/>
             </a:xfrm>
             <a:prstGeom prst="ellipse">
@@ -6285,13 +8586,13 @@
         </p:sp>
         <p:sp>
           <p:nvSpPr>
-            <p:cNvPr id="102" name="pt101"/>
-            <p:cNvSpPr/>
-            <p:nvPr/>
-          </p:nvSpPr>
-          <p:spPr>
-            <a:xfrm>
-              <a:off x="3101114" y="3868710"/>
+            <p:cNvPr id="158" name="pt157"/>
+            <p:cNvSpPr/>
+            <p:nvPr/>
+          </p:nvSpPr>
+          <p:spPr>
+            <a:xfrm>
+              <a:off x="1704347" y="4002292"/>
               <a:ext cx="49651" cy="49651"/>
             </a:xfrm>
             <a:prstGeom prst="ellipse">
@@ -6320,13 +8621,13 @@
         </p:sp>
         <p:sp>
           <p:nvSpPr>
-            <p:cNvPr id="103" name="pt102"/>
-            <p:cNvSpPr/>
-            <p:nvPr/>
-          </p:nvSpPr>
-          <p:spPr>
-            <a:xfrm>
-              <a:off x="3244373" y="3768568"/>
+            <p:cNvPr id="159" name="pt158"/>
+            <p:cNvSpPr/>
+            <p:nvPr/>
+          </p:nvSpPr>
+          <p:spPr>
+            <a:xfrm>
+              <a:off x="1775976" y="4002274"/>
               <a:ext cx="49651" cy="49651"/>
             </a:xfrm>
             <a:prstGeom prst="ellipse">
@@ -6355,13 +8656,13 @@
         </p:sp>
         <p:sp>
           <p:nvSpPr>
-            <p:cNvPr id="104" name="pt103"/>
-            <p:cNvSpPr/>
-            <p:nvPr/>
-          </p:nvSpPr>
-          <p:spPr>
-            <a:xfrm>
-              <a:off x="3387631" y="3583446"/>
+            <p:cNvPr id="160" name="pt159"/>
+            <p:cNvSpPr/>
+            <p:nvPr/>
+          </p:nvSpPr>
+          <p:spPr>
+            <a:xfrm>
+              <a:off x="1847605" y="4002246"/>
               <a:ext cx="49651" cy="49651"/>
             </a:xfrm>
             <a:prstGeom prst="ellipse">
@@ -6390,13 +8691,13 @@
         </p:sp>
         <p:sp>
           <p:nvSpPr>
-            <p:cNvPr id="105" name="pt104"/>
-            <p:cNvSpPr/>
-            <p:nvPr/>
-          </p:nvSpPr>
-          <p:spPr>
-            <a:xfrm>
-              <a:off x="3495075" y="3354122"/>
+            <p:cNvPr id="161" name="pt160"/>
+            <p:cNvSpPr/>
+            <p:nvPr/>
+          </p:nvSpPr>
+          <p:spPr>
+            <a:xfrm>
+              <a:off x="1919234" y="4002203"/>
               <a:ext cx="49651" cy="49651"/>
             </a:xfrm>
             <a:prstGeom prst="ellipse">
@@ -6425,13 +8726,13 @@
         </p:sp>
         <p:sp>
           <p:nvSpPr>
-            <p:cNvPr id="106" name="pt105"/>
-            <p:cNvSpPr/>
-            <p:nvPr/>
-          </p:nvSpPr>
-          <p:spPr>
-            <a:xfrm>
-              <a:off x="3566704" y="3145588"/>
+            <p:cNvPr id="162" name="pt161"/>
+            <p:cNvSpPr/>
+            <p:nvPr/>
+          </p:nvSpPr>
+          <p:spPr>
+            <a:xfrm>
+              <a:off x="1990863" y="4002139"/>
               <a:ext cx="49651" cy="49651"/>
             </a:xfrm>
             <a:prstGeom prst="ellipse">
@@ -6460,13 +8761,13 @@
         </p:sp>
         <p:sp>
           <p:nvSpPr>
-            <p:cNvPr id="107" name="pt106"/>
-            <p:cNvSpPr/>
-            <p:nvPr/>
-          </p:nvSpPr>
-          <p:spPr>
-            <a:xfrm>
-              <a:off x="3638333" y="2883403"/>
+            <p:cNvPr id="163" name="pt162"/>
+            <p:cNvSpPr/>
+            <p:nvPr/>
+          </p:nvSpPr>
+          <p:spPr>
+            <a:xfrm>
+              <a:off x="2062492" y="4002040"/>
               <a:ext cx="49651" cy="49651"/>
             </a:xfrm>
             <a:prstGeom prst="ellipse">
@@ -6495,13 +8796,13 @@
         </p:sp>
         <p:sp>
           <p:nvSpPr>
-            <p:cNvPr id="108" name="pt107"/>
-            <p:cNvSpPr/>
-            <p:nvPr/>
-          </p:nvSpPr>
-          <p:spPr>
-            <a:xfrm>
-              <a:off x="3709962" y="2571663"/>
+            <p:cNvPr id="164" name="pt163"/>
+            <p:cNvSpPr/>
+            <p:nvPr/>
+          </p:nvSpPr>
+          <p:spPr>
+            <a:xfrm>
+              <a:off x="2134121" y="4001891"/>
               <a:ext cx="49651" cy="49651"/>
             </a:xfrm>
             <a:prstGeom prst="ellipse">
@@ -6530,13 +8831,13 @@
         </p:sp>
         <p:sp>
           <p:nvSpPr>
-            <p:cNvPr id="109" name="pt108"/>
-            <p:cNvSpPr/>
-            <p:nvPr/>
-          </p:nvSpPr>
-          <p:spPr>
-            <a:xfrm>
-              <a:off x="3781591" y="2230269"/>
+            <p:cNvPr id="165" name="pt164"/>
+            <p:cNvSpPr/>
+            <p:nvPr/>
+          </p:nvSpPr>
+          <p:spPr>
+            <a:xfrm>
+              <a:off x="2205750" y="4001664"/>
               <a:ext cx="49651" cy="49651"/>
             </a:xfrm>
             <a:prstGeom prst="ellipse">
@@ -6565,13 +8866,13 @@
         </p:sp>
         <p:sp>
           <p:nvSpPr>
-            <p:cNvPr id="110" name="pt109"/>
-            <p:cNvSpPr/>
-            <p:nvPr/>
-          </p:nvSpPr>
-          <p:spPr>
-            <a:xfrm>
-              <a:off x="3853220" y="1871845"/>
+            <p:cNvPr id="166" name="pt165"/>
+            <p:cNvSpPr/>
+            <p:nvPr/>
+          </p:nvSpPr>
+          <p:spPr>
+            <a:xfrm>
+              <a:off x="2277380" y="4001319"/>
               <a:ext cx="49651" cy="49651"/>
             </a:xfrm>
             <a:prstGeom prst="ellipse">
@@ -6600,13 +8901,13 @@
         </p:sp>
         <p:sp>
           <p:nvSpPr>
-            <p:cNvPr id="111" name="pt110"/>
-            <p:cNvSpPr/>
-            <p:nvPr/>
-          </p:nvSpPr>
-          <p:spPr>
-            <a:xfrm>
-              <a:off x="3924849" y="1545748"/>
+            <p:cNvPr id="167" name="pt166"/>
+            <p:cNvSpPr/>
+            <p:nvPr/>
+          </p:nvSpPr>
+          <p:spPr>
+            <a:xfrm>
+              <a:off x="2349009" y="4000795"/>
               <a:ext cx="49651" cy="49651"/>
             </a:xfrm>
             <a:prstGeom prst="ellipse">
@@ -6635,13 +8936,13 @@
         </p:sp>
         <p:sp>
           <p:nvSpPr>
-            <p:cNvPr id="112" name="pt111"/>
-            <p:cNvSpPr/>
-            <p:nvPr/>
-          </p:nvSpPr>
-          <p:spPr>
-            <a:xfrm>
-              <a:off x="3996478" y="1403623"/>
+            <p:cNvPr id="168" name="pt167"/>
+            <p:cNvSpPr/>
+            <p:nvPr/>
+          </p:nvSpPr>
+          <p:spPr>
+            <a:xfrm>
+              <a:off x="2420638" y="4000000"/>
               <a:ext cx="49651" cy="49651"/>
             </a:xfrm>
             <a:prstGeom prst="ellipse">
@@ -6670,13 +8971,13 @@
         </p:sp>
         <p:sp>
           <p:nvSpPr>
-            <p:cNvPr id="113" name="pt112"/>
-            <p:cNvSpPr/>
-            <p:nvPr/>
-          </p:nvSpPr>
-          <p:spPr>
-            <a:xfrm>
-              <a:off x="4068107" y="1422869"/>
+            <p:cNvPr id="169" name="pt168"/>
+            <p:cNvSpPr/>
+            <p:nvPr/>
+          </p:nvSpPr>
+          <p:spPr>
+            <a:xfrm>
+              <a:off x="2492267" y="3998794"/>
               <a:ext cx="49651" cy="49651"/>
             </a:xfrm>
             <a:prstGeom prst="ellipse">
@@ -6705,13 +9006,13 @@
         </p:sp>
         <p:sp>
           <p:nvSpPr>
-            <p:cNvPr id="114" name="pt113"/>
-            <p:cNvSpPr/>
-            <p:nvPr/>
-          </p:nvSpPr>
-          <p:spPr>
-            <a:xfrm>
-              <a:off x="4139737" y="1603220"/>
+            <p:cNvPr id="170" name="pt169"/>
+            <p:cNvSpPr/>
+            <p:nvPr/>
+          </p:nvSpPr>
+          <p:spPr>
+            <a:xfrm>
+              <a:off x="2563896" y="3996972"/>
               <a:ext cx="49651" cy="49651"/>
             </a:xfrm>
             <a:prstGeom prst="ellipse">
@@ -6740,13 +9041,13 @@
         </p:sp>
         <p:sp>
           <p:nvSpPr>
-            <p:cNvPr id="115" name="pt114"/>
-            <p:cNvSpPr/>
-            <p:nvPr/>
-          </p:nvSpPr>
-          <p:spPr>
-            <a:xfrm>
-              <a:off x="4211366" y="1953203"/>
+            <p:cNvPr id="171" name="pt170"/>
+            <p:cNvSpPr/>
+            <p:nvPr/>
+          </p:nvSpPr>
+          <p:spPr>
+            <a:xfrm>
+              <a:off x="2635525" y="3994216"/>
               <a:ext cx="49651" cy="49651"/>
             </a:xfrm>
             <a:prstGeom prst="ellipse">
@@ -6775,13 +9076,13 @@
         </p:sp>
         <p:sp>
           <p:nvSpPr>
-            <p:cNvPr id="116" name="pt115"/>
-            <p:cNvSpPr/>
-            <p:nvPr/>
-          </p:nvSpPr>
-          <p:spPr>
-            <a:xfrm>
-              <a:off x="4282995" y="2302934"/>
+            <p:cNvPr id="172" name="pt171"/>
+            <p:cNvSpPr/>
+            <p:nvPr/>
+          </p:nvSpPr>
+          <p:spPr>
+            <a:xfrm>
+              <a:off x="2707154" y="3990092"/>
               <a:ext cx="49651" cy="49651"/>
             </a:xfrm>
             <a:prstGeom prst="ellipse">
@@ -6810,13 +9111,13 @@
         </p:sp>
         <p:sp>
           <p:nvSpPr>
-            <p:cNvPr id="117" name="pt116"/>
-            <p:cNvSpPr/>
-            <p:nvPr/>
-          </p:nvSpPr>
-          <p:spPr>
-            <a:xfrm>
-              <a:off x="4354624" y="2625242"/>
+            <p:cNvPr id="173" name="pt172"/>
+            <p:cNvSpPr/>
+            <p:nvPr/>
+          </p:nvSpPr>
+          <p:spPr>
+            <a:xfrm>
+              <a:off x="2778783" y="3983899"/>
               <a:ext cx="49651" cy="49651"/>
             </a:xfrm>
             <a:prstGeom prst="ellipse">
@@ -6845,13 +9146,13 @@
         </p:sp>
         <p:sp>
           <p:nvSpPr>
-            <p:cNvPr id="118" name="pt117"/>
-            <p:cNvSpPr/>
-            <p:nvPr/>
-          </p:nvSpPr>
-          <p:spPr>
-            <a:xfrm>
-              <a:off x="4426253" y="2897585"/>
+            <p:cNvPr id="174" name="pt173"/>
+            <p:cNvSpPr/>
+            <p:nvPr/>
+          </p:nvSpPr>
+          <p:spPr>
+            <a:xfrm>
+              <a:off x="2850413" y="3974812"/>
               <a:ext cx="49651" cy="49651"/>
             </a:xfrm>
             <a:prstGeom prst="ellipse">
@@ -6880,13 +9181,13 @@
         </p:sp>
         <p:sp>
           <p:nvSpPr>
-            <p:cNvPr id="119" name="pt118"/>
-            <p:cNvSpPr/>
-            <p:nvPr/>
-          </p:nvSpPr>
-          <p:spPr>
-            <a:xfrm>
-              <a:off x="4497882" y="3107225"/>
+            <p:cNvPr id="175" name="pt174"/>
+            <p:cNvSpPr/>
+            <p:nvPr/>
+          </p:nvSpPr>
+          <p:spPr>
+            <a:xfrm>
+              <a:off x="2922042" y="3961523"/>
               <a:ext cx="49651" cy="49651"/>
             </a:xfrm>
             <a:prstGeom prst="ellipse">
@@ -6915,13 +9216,13 @@
         </p:sp>
         <p:sp>
           <p:nvSpPr>
-            <p:cNvPr id="120" name="pt119"/>
-            <p:cNvSpPr/>
-            <p:nvPr/>
-          </p:nvSpPr>
-          <p:spPr>
-            <a:xfrm>
-              <a:off x="4605326" y="3334654"/>
+            <p:cNvPr id="176" name="pt175"/>
+            <p:cNvSpPr/>
+            <p:nvPr/>
+          </p:nvSpPr>
+          <p:spPr>
+            <a:xfrm>
+              <a:off x="2993671" y="3942631"/>
               <a:ext cx="49651" cy="49651"/>
             </a:xfrm>
             <a:prstGeom prst="ellipse">
@@ -6950,13 +9251,13 @@
         </p:sp>
         <p:sp>
           <p:nvSpPr>
-            <p:cNvPr id="121" name="pt120"/>
-            <p:cNvSpPr/>
-            <p:nvPr/>
-          </p:nvSpPr>
-          <p:spPr>
-            <a:xfrm>
-              <a:off x="4712770" y="3487354"/>
+            <p:cNvPr id="177" name="pt176"/>
+            <p:cNvSpPr/>
+            <p:nvPr/>
+          </p:nvSpPr>
+          <p:spPr>
+            <a:xfrm>
+              <a:off x="3065300" y="3916493"/>
               <a:ext cx="49651" cy="49651"/>
             </a:xfrm>
             <a:prstGeom prst="ellipse">
@@ -6985,13 +9286,13 @@
         </p:sp>
         <p:sp>
           <p:nvSpPr>
-            <p:cNvPr id="122" name="pt121"/>
-            <p:cNvSpPr/>
-            <p:nvPr/>
-          </p:nvSpPr>
-          <p:spPr>
-            <a:xfrm>
-              <a:off x="4784399" y="3566024"/>
+            <p:cNvPr id="178" name="pt177"/>
+            <p:cNvSpPr/>
+            <p:nvPr/>
+          </p:nvSpPr>
+          <p:spPr>
+            <a:xfrm>
+              <a:off x="3136929" y="3880535"/>
               <a:ext cx="49651" cy="49651"/>
             </a:xfrm>
             <a:prstGeom prst="ellipse">
@@ -7020,13 +9321,13 @@
         </p:sp>
         <p:sp>
           <p:nvSpPr>
-            <p:cNvPr id="123" name="pt122"/>
-            <p:cNvSpPr/>
-            <p:nvPr/>
-          </p:nvSpPr>
-          <p:spPr>
-            <a:xfrm>
-              <a:off x="4927657" y="3692563"/>
+            <p:cNvPr id="179" name="pt178"/>
+            <p:cNvSpPr/>
+            <p:nvPr/>
+          </p:nvSpPr>
+          <p:spPr>
+            <a:xfrm>
+              <a:off x="3208558" y="3832340"/>
               <a:ext cx="49651" cy="49651"/>
             </a:xfrm>
             <a:prstGeom prst="ellipse">
@@ -7055,13 +9356,13 @@
         </p:sp>
         <p:sp>
           <p:nvSpPr>
-            <p:cNvPr id="124" name="pt123"/>
-            <p:cNvSpPr/>
-            <p:nvPr/>
-          </p:nvSpPr>
-          <p:spPr>
-            <a:xfrm>
-              <a:off x="5070915" y="3788917"/>
+            <p:cNvPr id="180" name="pt179"/>
+            <p:cNvSpPr/>
+            <p:nvPr/>
+          </p:nvSpPr>
+          <p:spPr>
+            <a:xfrm>
+              <a:off x="3280187" y="3766104"/>
               <a:ext cx="49651" cy="49651"/>
             </a:xfrm>
             <a:prstGeom prst="ellipse">
@@ -7090,13 +9391,13 @@
         </p:sp>
         <p:sp>
           <p:nvSpPr>
-            <p:cNvPr id="125" name="pt124"/>
-            <p:cNvSpPr/>
-            <p:nvPr/>
-          </p:nvSpPr>
-          <p:spPr>
-            <a:xfrm>
-              <a:off x="5178359" y="3848279"/>
+            <p:cNvPr id="181" name="pt180"/>
+            <p:cNvSpPr/>
+            <p:nvPr/>
+          </p:nvSpPr>
+          <p:spPr>
+            <a:xfrm>
+              <a:off x="3351816" y="3676241"/>
               <a:ext cx="49651" cy="49651"/>
             </a:xfrm>
             <a:prstGeom prst="ellipse">
@@ -7125,13 +9426,13 @@
         </p:sp>
         <p:sp>
           <p:nvSpPr>
-            <p:cNvPr id="126" name="pt125"/>
-            <p:cNvSpPr/>
-            <p:nvPr/>
-          </p:nvSpPr>
-          <p:spPr>
-            <a:xfrm>
-              <a:off x="5357432" y="3919931"/>
+            <p:cNvPr id="182" name="pt181"/>
+            <p:cNvSpPr/>
+            <p:nvPr/>
+          </p:nvSpPr>
+          <p:spPr>
+            <a:xfrm>
+              <a:off x="3423445" y="3554685"/>
               <a:ext cx="49651" cy="49651"/>
             </a:xfrm>
             <a:prstGeom prst="ellipse">
@@ -7160,13 +9461,993 @@
         </p:sp>
         <p:sp>
           <p:nvSpPr>
-            <p:cNvPr id="127" name="pt126"/>
-            <p:cNvSpPr/>
-            <p:nvPr/>
-          </p:nvSpPr>
-          <p:spPr>
-            <a:xfrm>
-              <a:off x="2277380" y="4001756"/>
+            <p:cNvPr id="183" name="pt182"/>
+            <p:cNvSpPr/>
+            <p:nvPr/>
+          </p:nvSpPr>
+          <p:spPr>
+            <a:xfrm>
+              <a:off x="3495075" y="3397128"/>
+              <a:ext cx="49651" cy="49651"/>
+            </a:xfrm>
+            <a:prstGeom prst="ellipse">
+              <a:avLst/>
+            </a:prstGeom>
+            <a:solidFill>
+              <a:srgbClr val="00BFC4">
+                <a:alpha val="100000"/>
+              </a:srgbClr>
+            </a:solidFill>
+            <a:ln w="9000" cap="rnd">
+              <a:solidFill>
+                <a:srgbClr val="00BFC4">
+                  <a:alpha val="100000"/>
+                </a:srgbClr>
+              </a:solidFill>
+              <a:prstDash val="solid"/>
+              <a:round/>
+            </a:ln>
+          </p:spPr>
+          <p:txBody>
+            <a:bodyPr/>
+            <a:lstStyle/>
+            <a:p/>
+          </p:txBody>
+        </p:sp>
+        <p:sp>
+          <p:nvSpPr>
+            <p:cNvPr id="184" name="pt183"/>
+            <p:cNvSpPr/>
+            <p:nvPr/>
+          </p:nvSpPr>
+          <p:spPr>
+            <a:xfrm>
+              <a:off x="3566704" y="3199216"/>
+              <a:ext cx="49651" cy="49651"/>
+            </a:xfrm>
+            <a:prstGeom prst="ellipse">
+              <a:avLst/>
+            </a:prstGeom>
+            <a:solidFill>
+              <a:srgbClr val="00BFC4">
+                <a:alpha val="100000"/>
+              </a:srgbClr>
+            </a:solidFill>
+            <a:ln w="9000" cap="rnd">
+              <a:solidFill>
+                <a:srgbClr val="00BFC4">
+                  <a:alpha val="100000"/>
+                </a:srgbClr>
+              </a:solidFill>
+              <a:prstDash val="solid"/>
+              <a:round/>
+            </a:ln>
+          </p:spPr>
+          <p:txBody>
+            <a:bodyPr/>
+            <a:lstStyle/>
+            <a:p/>
+          </p:txBody>
+        </p:sp>
+        <p:sp>
+          <p:nvSpPr>
+            <p:cNvPr id="185" name="pt184"/>
+            <p:cNvSpPr/>
+            <p:nvPr/>
+          </p:nvSpPr>
+          <p:spPr>
+            <a:xfrm>
+              <a:off x="3638333" y="2956250"/>
+              <a:ext cx="49651" cy="49651"/>
+            </a:xfrm>
+            <a:prstGeom prst="ellipse">
+              <a:avLst/>
+            </a:prstGeom>
+            <a:solidFill>
+              <a:srgbClr val="00BFC4">
+                <a:alpha val="100000"/>
+              </a:srgbClr>
+            </a:solidFill>
+            <a:ln w="9000" cap="rnd">
+              <a:solidFill>
+                <a:srgbClr val="00BFC4">
+                  <a:alpha val="100000"/>
+                </a:srgbClr>
+              </a:solidFill>
+              <a:prstDash val="solid"/>
+              <a:round/>
+            </a:ln>
+          </p:spPr>
+          <p:txBody>
+            <a:bodyPr/>
+            <a:lstStyle/>
+            <a:p/>
+          </p:txBody>
+        </p:sp>
+        <p:sp>
+          <p:nvSpPr>
+            <p:cNvPr id="186" name="pt185"/>
+            <p:cNvSpPr/>
+            <p:nvPr/>
+          </p:nvSpPr>
+          <p:spPr>
+            <a:xfrm>
+              <a:off x="3709962" y="2663528"/>
+              <a:ext cx="49651" cy="49651"/>
+            </a:xfrm>
+            <a:prstGeom prst="ellipse">
+              <a:avLst/>
+            </a:prstGeom>
+            <a:solidFill>
+              <a:srgbClr val="00BFC4">
+                <a:alpha val="100000"/>
+              </a:srgbClr>
+            </a:solidFill>
+            <a:ln w="9000" cap="rnd">
+              <a:solidFill>
+                <a:srgbClr val="00BFC4">
+                  <a:alpha val="100000"/>
+                </a:srgbClr>
+              </a:solidFill>
+              <a:prstDash val="solid"/>
+              <a:round/>
+            </a:ln>
+          </p:spPr>
+          <p:txBody>
+            <a:bodyPr/>
+            <a:lstStyle/>
+            <a:p/>
+          </p:txBody>
+        </p:sp>
+        <p:sp>
+          <p:nvSpPr>
+            <p:cNvPr id="187" name="pt186"/>
+            <p:cNvSpPr/>
+            <p:nvPr/>
+          </p:nvSpPr>
+          <p:spPr>
+            <a:xfrm>
+              <a:off x="3781591" y="2299815"/>
+              <a:ext cx="49651" cy="49651"/>
+            </a:xfrm>
+            <a:prstGeom prst="ellipse">
+              <a:avLst/>
+            </a:prstGeom>
+            <a:solidFill>
+              <a:srgbClr val="00BFC4">
+                <a:alpha val="100000"/>
+              </a:srgbClr>
+            </a:solidFill>
+            <a:ln w="9000" cap="rnd">
+              <a:solidFill>
+                <a:srgbClr val="00BFC4">
+                  <a:alpha val="100000"/>
+                </a:srgbClr>
+              </a:solidFill>
+              <a:prstDash val="solid"/>
+              <a:round/>
+            </a:ln>
+          </p:spPr>
+          <p:txBody>
+            <a:bodyPr/>
+            <a:lstStyle/>
+            <a:p/>
+          </p:txBody>
+        </p:sp>
+        <p:sp>
+          <p:nvSpPr>
+            <p:cNvPr id="188" name="pt187"/>
+            <p:cNvSpPr/>
+            <p:nvPr/>
+          </p:nvSpPr>
+          <p:spPr>
+            <a:xfrm>
+              <a:off x="3853220" y="1953649"/>
+              <a:ext cx="49651" cy="49651"/>
+            </a:xfrm>
+            <a:prstGeom prst="ellipse">
+              <a:avLst/>
+            </a:prstGeom>
+            <a:solidFill>
+              <a:srgbClr val="00BFC4">
+                <a:alpha val="100000"/>
+              </a:srgbClr>
+            </a:solidFill>
+            <a:ln w="9000" cap="rnd">
+              <a:solidFill>
+                <a:srgbClr val="00BFC4">
+                  <a:alpha val="100000"/>
+                </a:srgbClr>
+              </a:solidFill>
+              <a:prstDash val="solid"/>
+              <a:round/>
+            </a:ln>
+          </p:spPr>
+          <p:txBody>
+            <a:bodyPr/>
+            <a:lstStyle/>
+            <a:p/>
+          </p:txBody>
+        </p:sp>
+        <p:sp>
+          <p:nvSpPr>
+            <p:cNvPr id="189" name="pt188"/>
+            <p:cNvSpPr/>
+            <p:nvPr/>
+          </p:nvSpPr>
+          <p:spPr>
+            <a:xfrm>
+              <a:off x="3924849" y="1600187"/>
+              <a:ext cx="49651" cy="49651"/>
+            </a:xfrm>
+            <a:prstGeom prst="ellipse">
+              <a:avLst/>
+            </a:prstGeom>
+            <a:solidFill>
+              <a:srgbClr val="00BFC4">
+                <a:alpha val="100000"/>
+              </a:srgbClr>
+            </a:solidFill>
+            <a:ln w="9000" cap="rnd">
+              <a:solidFill>
+                <a:srgbClr val="00BFC4">
+                  <a:alpha val="100000"/>
+                </a:srgbClr>
+              </a:solidFill>
+              <a:prstDash val="solid"/>
+              <a:round/>
+            </a:ln>
+          </p:spPr>
+          <p:txBody>
+            <a:bodyPr/>
+            <a:lstStyle/>
+            <a:p/>
+          </p:txBody>
+        </p:sp>
+        <p:sp>
+          <p:nvSpPr>
+            <p:cNvPr id="190" name="pt189"/>
+            <p:cNvSpPr/>
+            <p:nvPr/>
+          </p:nvSpPr>
+          <p:spPr>
+            <a:xfrm>
+              <a:off x="3996478" y="1443764"/>
+              <a:ext cx="49651" cy="49651"/>
+            </a:xfrm>
+            <a:prstGeom prst="ellipse">
+              <a:avLst/>
+            </a:prstGeom>
+            <a:solidFill>
+              <a:srgbClr val="00BFC4">
+                <a:alpha val="100000"/>
+              </a:srgbClr>
+            </a:solidFill>
+            <a:ln w="9000" cap="rnd">
+              <a:solidFill>
+                <a:srgbClr val="00BFC4">
+                  <a:alpha val="100000"/>
+                </a:srgbClr>
+              </a:solidFill>
+              <a:prstDash val="solid"/>
+              <a:round/>
+            </a:ln>
+          </p:spPr>
+          <p:txBody>
+            <a:bodyPr/>
+            <a:lstStyle/>
+            <a:p/>
+          </p:txBody>
+        </p:sp>
+        <p:sp>
+          <p:nvSpPr>
+            <p:cNvPr id="191" name="pt190"/>
+            <p:cNvSpPr/>
+            <p:nvPr/>
+          </p:nvSpPr>
+          <p:spPr>
+            <a:xfrm>
+              <a:off x="4068107" y="1466950"/>
+              <a:ext cx="49651" cy="49651"/>
+            </a:xfrm>
+            <a:prstGeom prst="ellipse">
+              <a:avLst/>
+            </a:prstGeom>
+            <a:solidFill>
+              <a:srgbClr val="00BFC4">
+                <a:alpha val="100000"/>
+              </a:srgbClr>
+            </a:solidFill>
+            <a:ln w="9000" cap="rnd">
+              <a:solidFill>
+                <a:srgbClr val="00BFC4">
+                  <a:alpha val="100000"/>
+                </a:srgbClr>
+              </a:solidFill>
+              <a:prstDash val="solid"/>
+              <a:round/>
+            </a:ln>
+          </p:spPr>
+          <p:txBody>
+            <a:bodyPr/>
+            <a:lstStyle/>
+            <a:p/>
+          </p:txBody>
+        </p:sp>
+        <p:sp>
+          <p:nvSpPr>
+            <p:cNvPr id="192" name="pt191"/>
+            <p:cNvSpPr/>
+            <p:nvPr/>
+          </p:nvSpPr>
+          <p:spPr>
+            <a:xfrm>
+              <a:off x="4139737" y="1716254"/>
+              <a:ext cx="49651" cy="49651"/>
+            </a:xfrm>
+            <a:prstGeom prst="ellipse">
+              <a:avLst/>
+            </a:prstGeom>
+            <a:solidFill>
+              <a:srgbClr val="00BFC4">
+                <a:alpha val="100000"/>
+              </a:srgbClr>
+            </a:solidFill>
+            <a:ln w="9000" cap="rnd">
+              <a:solidFill>
+                <a:srgbClr val="00BFC4">
+                  <a:alpha val="100000"/>
+                </a:srgbClr>
+              </a:solidFill>
+              <a:prstDash val="solid"/>
+              <a:round/>
+            </a:ln>
+          </p:spPr>
+          <p:txBody>
+            <a:bodyPr/>
+            <a:lstStyle/>
+            <a:p/>
+          </p:txBody>
+        </p:sp>
+        <p:sp>
+          <p:nvSpPr>
+            <p:cNvPr id="193" name="pt192"/>
+            <p:cNvSpPr/>
+            <p:nvPr/>
+          </p:nvSpPr>
+          <p:spPr>
+            <a:xfrm>
+              <a:off x="4211366" y="2090372"/>
+              <a:ext cx="49651" cy="49651"/>
+            </a:xfrm>
+            <a:prstGeom prst="ellipse">
+              <a:avLst/>
+            </a:prstGeom>
+            <a:solidFill>
+              <a:srgbClr val="00BFC4">
+                <a:alpha val="100000"/>
+              </a:srgbClr>
+            </a:solidFill>
+            <a:ln w="9000" cap="rnd">
+              <a:solidFill>
+                <a:srgbClr val="00BFC4">
+                  <a:alpha val="100000"/>
+                </a:srgbClr>
+              </a:solidFill>
+              <a:prstDash val="solid"/>
+              <a:round/>
+            </a:ln>
+          </p:spPr>
+          <p:txBody>
+            <a:bodyPr/>
+            <a:lstStyle/>
+            <a:p/>
+          </p:txBody>
+        </p:sp>
+        <p:sp>
+          <p:nvSpPr>
+            <p:cNvPr id="194" name="pt193"/>
+            <p:cNvSpPr/>
+            <p:nvPr/>
+          </p:nvSpPr>
+          <p:spPr>
+            <a:xfrm>
+              <a:off x="4282995" y="2462276"/>
+              <a:ext cx="49651" cy="49651"/>
+            </a:xfrm>
+            <a:prstGeom prst="ellipse">
+              <a:avLst/>
+            </a:prstGeom>
+            <a:solidFill>
+              <a:srgbClr val="00BFC4">
+                <a:alpha val="100000"/>
+              </a:srgbClr>
+            </a:solidFill>
+            <a:ln w="9000" cap="rnd">
+              <a:solidFill>
+                <a:srgbClr val="00BFC4">
+                  <a:alpha val="100000"/>
+                </a:srgbClr>
+              </a:solidFill>
+              <a:prstDash val="solid"/>
+              <a:round/>
+            </a:ln>
+          </p:spPr>
+          <p:txBody>
+            <a:bodyPr/>
+            <a:lstStyle/>
+            <a:p/>
+          </p:txBody>
+        </p:sp>
+        <p:sp>
+          <p:nvSpPr>
+            <p:cNvPr id="195" name="pt194"/>
+            <p:cNvSpPr/>
+            <p:nvPr/>
+          </p:nvSpPr>
+          <p:spPr>
+            <a:xfrm>
+              <a:off x="4354624" y="2801029"/>
+              <a:ext cx="49651" cy="49651"/>
+            </a:xfrm>
+            <a:prstGeom prst="ellipse">
+              <a:avLst/>
+            </a:prstGeom>
+            <a:solidFill>
+              <a:srgbClr val="00BFC4">
+                <a:alpha val="100000"/>
+              </a:srgbClr>
+            </a:solidFill>
+            <a:ln w="9000" cap="rnd">
+              <a:solidFill>
+                <a:srgbClr val="00BFC4">
+                  <a:alpha val="100000"/>
+                </a:srgbClr>
+              </a:solidFill>
+              <a:prstDash val="solid"/>
+              <a:round/>
+            </a:ln>
+          </p:spPr>
+          <p:txBody>
+            <a:bodyPr/>
+            <a:lstStyle/>
+            <a:p/>
+          </p:txBody>
+        </p:sp>
+        <p:sp>
+          <p:nvSpPr>
+            <p:cNvPr id="196" name="pt195"/>
+            <p:cNvSpPr/>
+            <p:nvPr/>
+          </p:nvSpPr>
+          <p:spPr>
+            <a:xfrm>
+              <a:off x="4426253" y="3063912"/>
+              <a:ext cx="49651" cy="49651"/>
+            </a:xfrm>
+            <a:prstGeom prst="ellipse">
+              <a:avLst/>
+            </a:prstGeom>
+            <a:solidFill>
+              <a:srgbClr val="00BFC4">
+                <a:alpha val="100000"/>
+              </a:srgbClr>
+            </a:solidFill>
+            <a:ln w="9000" cap="rnd">
+              <a:solidFill>
+                <a:srgbClr val="00BFC4">
+                  <a:alpha val="100000"/>
+                </a:srgbClr>
+              </a:solidFill>
+              <a:prstDash val="solid"/>
+              <a:round/>
+            </a:ln>
+          </p:spPr>
+          <p:txBody>
+            <a:bodyPr/>
+            <a:lstStyle/>
+            <a:p/>
+          </p:txBody>
+        </p:sp>
+        <p:sp>
+          <p:nvSpPr>
+            <p:cNvPr id="197" name="pt196"/>
+            <p:cNvSpPr/>
+            <p:nvPr/>
+          </p:nvSpPr>
+          <p:spPr>
+            <a:xfrm>
+              <a:off x="4497882" y="3244982"/>
+              <a:ext cx="49651" cy="49651"/>
+            </a:xfrm>
+            <a:prstGeom prst="ellipse">
+              <a:avLst/>
+            </a:prstGeom>
+            <a:solidFill>
+              <a:srgbClr val="00BFC4">
+                <a:alpha val="100000"/>
+              </a:srgbClr>
+            </a:solidFill>
+            <a:ln w="9000" cap="rnd">
+              <a:solidFill>
+                <a:srgbClr val="00BFC4">
+                  <a:alpha val="100000"/>
+                </a:srgbClr>
+              </a:solidFill>
+              <a:prstDash val="solid"/>
+              <a:round/>
+            </a:ln>
+          </p:spPr>
+          <p:txBody>
+            <a:bodyPr/>
+            <a:lstStyle/>
+            <a:p/>
+          </p:txBody>
+        </p:sp>
+        <p:sp>
+          <p:nvSpPr>
+            <p:cNvPr id="198" name="pt197"/>
+            <p:cNvSpPr/>
+            <p:nvPr/>
+          </p:nvSpPr>
+          <p:spPr>
+            <a:xfrm>
+              <a:off x="4569511" y="3378231"/>
+              <a:ext cx="49651" cy="49651"/>
+            </a:xfrm>
+            <a:prstGeom prst="ellipse">
+              <a:avLst/>
+            </a:prstGeom>
+            <a:solidFill>
+              <a:srgbClr val="00BFC4">
+                <a:alpha val="100000"/>
+              </a:srgbClr>
+            </a:solidFill>
+            <a:ln w="9000" cap="rnd">
+              <a:solidFill>
+                <a:srgbClr val="00BFC4">
+                  <a:alpha val="100000"/>
+                </a:srgbClr>
+              </a:solidFill>
+              <a:prstDash val="solid"/>
+              <a:round/>
+            </a:ln>
+          </p:spPr>
+          <p:txBody>
+            <a:bodyPr/>
+            <a:lstStyle/>
+            <a:p/>
+          </p:txBody>
+        </p:sp>
+        <p:sp>
+          <p:nvSpPr>
+            <p:cNvPr id="199" name="pt198"/>
+            <p:cNvSpPr/>
+            <p:nvPr/>
+          </p:nvSpPr>
+          <p:spPr>
+            <a:xfrm>
+              <a:off x="4641140" y="3469168"/>
+              <a:ext cx="49651" cy="49651"/>
+            </a:xfrm>
+            <a:prstGeom prst="ellipse">
+              <a:avLst/>
+            </a:prstGeom>
+            <a:solidFill>
+              <a:srgbClr val="00BFC4">
+                <a:alpha val="100000"/>
+              </a:srgbClr>
+            </a:solidFill>
+            <a:ln w="9000" cap="rnd">
+              <a:solidFill>
+                <a:srgbClr val="00BFC4">
+                  <a:alpha val="100000"/>
+                </a:srgbClr>
+              </a:solidFill>
+              <a:prstDash val="solid"/>
+              <a:round/>
+            </a:ln>
+          </p:spPr>
+          <p:txBody>
+            <a:bodyPr/>
+            <a:lstStyle/>
+            <a:p/>
+          </p:txBody>
+        </p:sp>
+        <p:sp>
+          <p:nvSpPr>
+            <p:cNvPr id="200" name="pt199"/>
+            <p:cNvSpPr/>
+            <p:nvPr/>
+          </p:nvSpPr>
+          <p:spPr>
+            <a:xfrm>
+              <a:off x="4712770" y="3536965"/>
+              <a:ext cx="49651" cy="49651"/>
+            </a:xfrm>
+            <a:prstGeom prst="ellipse">
+              <a:avLst/>
+            </a:prstGeom>
+            <a:solidFill>
+              <a:srgbClr val="00BFC4">
+                <a:alpha val="100000"/>
+              </a:srgbClr>
+            </a:solidFill>
+            <a:ln w="9000" cap="rnd">
+              <a:solidFill>
+                <a:srgbClr val="00BFC4">
+                  <a:alpha val="100000"/>
+                </a:srgbClr>
+              </a:solidFill>
+              <a:prstDash val="solid"/>
+              <a:round/>
+            </a:ln>
+          </p:spPr>
+          <p:txBody>
+            <a:bodyPr/>
+            <a:lstStyle/>
+            <a:p/>
+          </p:txBody>
+        </p:sp>
+        <p:sp>
+          <p:nvSpPr>
+            <p:cNvPr id="201" name="pt200"/>
+            <p:cNvSpPr/>
+            <p:nvPr/>
+          </p:nvSpPr>
+          <p:spPr>
+            <a:xfrm>
+              <a:off x="4784399" y="3590281"/>
+              <a:ext cx="49651" cy="49651"/>
+            </a:xfrm>
+            <a:prstGeom prst="ellipse">
+              <a:avLst/>
+            </a:prstGeom>
+            <a:solidFill>
+              <a:srgbClr val="00BFC4">
+                <a:alpha val="100000"/>
+              </a:srgbClr>
+            </a:solidFill>
+            <a:ln w="9000" cap="rnd">
+              <a:solidFill>
+                <a:srgbClr val="00BFC4">
+                  <a:alpha val="100000"/>
+                </a:srgbClr>
+              </a:solidFill>
+              <a:prstDash val="solid"/>
+              <a:round/>
+            </a:ln>
+          </p:spPr>
+          <p:txBody>
+            <a:bodyPr/>
+            <a:lstStyle/>
+            <a:p/>
+          </p:txBody>
+        </p:sp>
+        <p:sp>
+          <p:nvSpPr>
+            <p:cNvPr id="202" name="pt201"/>
+            <p:cNvSpPr/>
+            <p:nvPr/>
+          </p:nvSpPr>
+          <p:spPr>
+            <a:xfrm>
+              <a:off x="4856028" y="3641587"/>
+              <a:ext cx="49651" cy="49651"/>
+            </a:xfrm>
+            <a:prstGeom prst="ellipse">
+              <a:avLst/>
+            </a:prstGeom>
+            <a:solidFill>
+              <a:srgbClr val="00BFC4">
+                <a:alpha val="100000"/>
+              </a:srgbClr>
+            </a:solidFill>
+            <a:ln w="9000" cap="rnd">
+              <a:solidFill>
+                <a:srgbClr val="00BFC4">
+                  <a:alpha val="100000"/>
+                </a:srgbClr>
+              </a:solidFill>
+              <a:prstDash val="solid"/>
+              <a:round/>
+            </a:ln>
+          </p:spPr>
+          <p:txBody>
+            <a:bodyPr/>
+            <a:lstStyle/>
+            <a:p/>
+          </p:txBody>
+        </p:sp>
+        <p:sp>
+          <p:nvSpPr>
+            <p:cNvPr id="203" name="pt202"/>
+            <p:cNvSpPr/>
+            <p:nvPr/>
+          </p:nvSpPr>
+          <p:spPr>
+            <a:xfrm>
+              <a:off x="4927657" y="3687351"/>
+              <a:ext cx="49651" cy="49651"/>
+            </a:xfrm>
+            <a:prstGeom prst="ellipse">
+              <a:avLst/>
+            </a:prstGeom>
+            <a:solidFill>
+              <a:srgbClr val="00BFC4">
+                <a:alpha val="100000"/>
+              </a:srgbClr>
+            </a:solidFill>
+            <a:ln w="9000" cap="rnd">
+              <a:solidFill>
+                <a:srgbClr val="00BFC4">
+                  <a:alpha val="100000"/>
+                </a:srgbClr>
+              </a:solidFill>
+              <a:prstDash val="solid"/>
+              <a:round/>
+            </a:ln>
+          </p:spPr>
+          <p:txBody>
+            <a:bodyPr/>
+            <a:lstStyle/>
+            <a:p/>
+          </p:txBody>
+        </p:sp>
+        <p:sp>
+          <p:nvSpPr>
+            <p:cNvPr id="204" name="pt203"/>
+            <p:cNvSpPr/>
+            <p:nvPr/>
+          </p:nvSpPr>
+          <p:spPr>
+            <a:xfrm>
+              <a:off x="4999286" y="3728934"/>
+              <a:ext cx="49651" cy="49651"/>
+            </a:xfrm>
+            <a:prstGeom prst="ellipse">
+              <a:avLst/>
+            </a:prstGeom>
+            <a:solidFill>
+              <a:srgbClr val="00BFC4">
+                <a:alpha val="100000"/>
+              </a:srgbClr>
+            </a:solidFill>
+            <a:ln w="9000" cap="rnd">
+              <a:solidFill>
+                <a:srgbClr val="00BFC4">
+                  <a:alpha val="100000"/>
+                </a:srgbClr>
+              </a:solidFill>
+              <a:prstDash val="solid"/>
+              <a:round/>
+            </a:ln>
+          </p:spPr>
+          <p:txBody>
+            <a:bodyPr/>
+            <a:lstStyle/>
+            <a:p/>
+          </p:txBody>
+        </p:sp>
+        <p:sp>
+          <p:nvSpPr>
+            <p:cNvPr id="205" name="pt204"/>
+            <p:cNvSpPr/>
+            <p:nvPr/>
+          </p:nvSpPr>
+          <p:spPr>
+            <a:xfrm>
+              <a:off x="5070915" y="3768610"/>
+              <a:ext cx="49651" cy="49651"/>
+            </a:xfrm>
+            <a:prstGeom prst="ellipse">
+              <a:avLst/>
+            </a:prstGeom>
+            <a:solidFill>
+              <a:srgbClr val="00BFC4">
+                <a:alpha val="100000"/>
+              </a:srgbClr>
+            </a:solidFill>
+            <a:ln w="9000" cap="rnd">
+              <a:solidFill>
+                <a:srgbClr val="00BFC4">
+                  <a:alpha val="100000"/>
+                </a:srgbClr>
+              </a:solidFill>
+              <a:prstDash val="solid"/>
+              <a:round/>
+            </a:ln>
+          </p:spPr>
+          <p:txBody>
+            <a:bodyPr/>
+            <a:lstStyle/>
+            <a:p/>
+          </p:txBody>
+        </p:sp>
+        <p:sp>
+          <p:nvSpPr>
+            <p:cNvPr id="206" name="pt205"/>
+            <p:cNvSpPr/>
+            <p:nvPr/>
+          </p:nvSpPr>
+          <p:spPr>
+            <a:xfrm>
+              <a:off x="5142544" y="3809497"/>
+              <a:ext cx="49651" cy="49651"/>
+            </a:xfrm>
+            <a:prstGeom prst="ellipse">
+              <a:avLst/>
+            </a:prstGeom>
+            <a:solidFill>
+              <a:srgbClr val="00BFC4">
+                <a:alpha val="100000"/>
+              </a:srgbClr>
+            </a:solidFill>
+            <a:ln w="9000" cap="rnd">
+              <a:solidFill>
+                <a:srgbClr val="00BFC4">
+                  <a:alpha val="100000"/>
+                </a:srgbClr>
+              </a:solidFill>
+              <a:prstDash val="solid"/>
+              <a:round/>
+            </a:ln>
+          </p:spPr>
+          <p:txBody>
+            <a:bodyPr/>
+            <a:lstStyle/>
+            <a:p/>
+          </p:txBody>
+        </p:sp>
+        <p:sp>
+          <p:nvSpPr>
+            <p:cNvPr id="207" name="pt206"/>
+            <p:cNvSpPr/>
+            <p:nvPr/>
+          </p:nvSpPr>
+          <p:spPr>
+            <a:xfrm>
+              <a:off x="5214173" y="3846477"/>
+              <a:ext cx="49651" cy="49651"/>
+            </a:xfrm>
+            <a:prstGeom prst="ellipse">
+              <a:avLst/>
+            </a:prstGeom>
+            <a:solidFill>
+              <a:srgbClr val="00BFC4">
+                <a:alpha val="100000"/>
+              </a:srgbClr>
+            </a:solidFill>
+            <a:ln w="9000" cap="rnd">
+              <a:solidFill>
+                <a:srgbClr val="00BFC4">
+                  <a:alpha val="100000"/>
+                </a:srgbClr>
+              </a:solidFill>
+              <a:prstDash val="solid"/>
+              <a:round/>
+            </a:ln>
+          </p:spPr>
+          <p:txBody>
+            <a:bodyPr/>
+            <a:lstStyle/>
+            <a:p/>
+          </p:txBody>
+        </p:sp>
+        <p:sp>
+          <p:nvSpPr>
+            <p:cNvPr id="208" name="pt207"/>
+            <p:cNvSpPr/>
+            <p:nvPr/>
+          </p:nvSpPr>
+          <p:spPr>
+            <a:xfrm>
+              <a:off x="5285802" y="3878616"/>
+              <a:ext cx="49651" cy="49651"/>
+            </a:xfrm>
+            <a:prstGeom prst="ellipse">
+              <a:avLst/>
+            </a:prstGeom>
+            <a:solidFill>
+              <a:srgbClr val="00BFC4">
+                <a:alpha val="100000"/>
+              </a:srgbClr>
+            </a:solidFill>
+            <a:ln w="9000" cap="rnd">
+              <a:solidFill>
+                <a:srgbClr val="00BFC4">
+                  <a:alpha val="100000"/>
+                </a:srgbClr>
+              </a:solidFill>
+              <a:prstDash val="solid"/>
+              <a:round/>
+            </a:ln>
+          </p:spPr>
+          <p:txBody>
+            <a:bodyPr/>
+            <a:lstStyle/>
+            <a:p/>
+          </p:txBody>
+        </p:sp>
+        <p:sp>
+          <p:nvSpPr>
+            <p:cNvPr id="209" name="pt208"/>
+            <p:cNvSpPr/>
+            <p:nvPr/>
+          </p:nvSpPr>
+          <p:spPr>
+            <a:xfrm>
+              <a:off x="5357432" y="3905178"/>
+              <a:ext cx="49651" cy="49651"/>
+            </a:xfrm>
+            <a:prstGeom prst="ellipse">
+              <a:avLst/>
+            </a:prstGeom>
+            <a:solidFill>
+              <a:srgbClr val="00BFC4">
+                <a:alpha val="100000"/>
+              </a:srgbClr>
+            </a:solidFill>
+            <a:ln w="9000" cap="rnd">
+              <a:solidFill>
+                <a:srgbClr val="00BFC4">
+                  <a:alpha val="100000"/>
+                </a:srgbClr>
+              </a:solidFill>
+              <a:prstDash val="solid"/>
+              <a:round/>
+            </a:ln>
+          </p:spPr>
+          <p:txBody>
+            <a:bodyPr/>
+            <a:lstStyle/>
+            <a:p/>
+          </p:txBody>
+        </p:sp>
+        <p:sp>
+          <p:nvSpPr>
+            <p:cNvPr id="210" name="pt209"/>
+            <p:cNvSpPr/>
+            <p:nvPr/>
+          </p:nvSpPr>
+          <p:spPr>
+            <a:xfrm>
+              <a:off x="5429061" y="3926286"/>
+              <a:ext cx="49651" cy="49651"/>
+            </a:xfrm>
+            <a:prstGeom prst="ellipse">
+              <a:avLst/>
+            </a:prstGeom>
+            <a:solidFill>
+              <a:srgbClr val="00BFC4">
+                <a:alpha val="100000"/>
+              </a:srgbClr>
+            </a:solidFill>
+            <a:ln w="9000" cap="rnd">
+              <a:solidFill>
+                <a:srgbClr val="00BFC4">
+                  <a:alpha val="100000"/>
+                </a:srgbClr>
+              </a:solidFill>
+              <a:prstDash val="solid"/>
+              <a:round/>
+            </a:ln>
+          </p:spPr>
+          <p:txBody>
+            <a:bodyPr/>
+            <a:lstStyle/>
+            <a:p/>
+          </p:txBody>
+        </p:sp>
+        <p:sp>
+          <p:nvSpPr>
+            <p:cNvPr id="211" name="pt210"/>
+            <p:cNvSpPr/>
+            <p:nvPr/>
+          </p:nvSpPr>
+          <p:spPr>
+            <a:xfrm>
+              <a:off x="1632718" y="4002283"/>
               <a:ext cx="49651" cy="49651"/>
             </a:xfrm>
             <a:prstGeom prst="ellipse">
@@ -7195,13 +10476,13 @@
         </p:sp>
         <p:sp>
           <p:nvSpPr>
-            <p:cNvPr id="128" name="pt127"/>
-            <p:cNvSpPr/>
-            <p:nvPr/>
-          </p:nvSpPr>
-          <p:spPr>
-            <a:xfrm>
-              <a:off x="3029485" y="3890076"/>
+            <p:cNvPr id="212" name="pt211"/>
+            <p:cNvSpPr/>
+            <p:nvPr/>
+          </p:nvSpPr>
+          <p:spPr>
+            <a:xfrm>
+              <a:off x="1704347" y="4002260"/>
               <a:ext cx="49651" cy="49651"/>
             </a:xfrm>
             <a:prstGeom prst="ellipse">
@@ -7230,13 +10511,13 @@
         </p:sp>
         <p:sp>
           <p:nvSpPr>
-            <p:cNvPr id="129" name="pt128"/>
-            <p:cNvSpPr/>
-            <p:nvPr/>
-          </p:nvSpPr>
-          <p:spPr>
-            <a:xfrm>
-              <a:off x="3136929" y="3834165"/>
+            <p:cNvPr id="213" name="pt212"/>
+            <p:cNvSpPr/>
+            <p:nvPr/>
+          </p:nvSpPr>
+          <p:spPr>
+            <a:xfrm>
+              <a:off x="1775976" y="4002227"/>
               <a:ext cx="49651" cy="49651"/>
             </a:xfrm>
             <a:prstGeom prst="ellipse">
@@ -7265,13 +10546,13 @@
         </p:sp>
         <p:sp>
           <p:nvSpPr>
-            <p:cNvPr id="130" name="pt129"/>
-            <p:cNvSpPr/>
-            <p:nvPr/>
-          </p:nvSpPr>
-          <p:spPr>
-            <a:xfrm>
-              <a:off x="3280187" y="3705751"/>
+            <p:cNvPr id="214" name="pt213"/>
+            <p:cNvSpPr/>
+            <p:nvPr/>
+          </p:nvSpPr>
+          <p:spPr>
+            <a:xfrm>
+              <a:off x="1847605" y="4002176"/>
               <a:ext cx="49651" cy="49651"/>
             </a:xfrm>
             <a:prstGeom prst="ellipse">
@@ -7300,13 +10581,13 @@
         </p:sp>
         <p:sp>
           <p:nvSpPr>
-            <p:cNvPr id="131" name="pt130"/>
-            <p:cNvSpPr/>
-            <p:nvPr/>
-          </p:nvSpPr>
-          <p:spPr>
-            <a:xfrm>
-              <a:off x="3423445" y="3451078"/>
+            <p:cNvPr id="215" name="pt214"/>
+            <p:cNvSpPr/>
+            <p:nvPr/>
+          </p:nvSpPr>
+          <p:spPr>
+            <a:xfrm>
+              <a:off x="1919234" y="4002100"/>
               <a:ext cx="49651" cy="49651"/>
             </a:xfrm>
             <a:prstGeom prst="ellipse">
@@ -7335,13 +10616,13 @@
         </p:sp>
         <p:sp>
           <p:nvSpPr>
-            <p:cNvPr id="132" name="pt131"/>
-            <p:cNvSpPr/>
-            <p:nvPr/>
-          </p:nvSpPr>
-          <p:spPr>
-            <a:xfrm>
-              <a:off x="3495075" y="3246489"/>
+            <p:cNvPr id="216" name="pt215"/>
+            <p:cNvSpPr/>
+            <p:nvPr/>
+          </p:nvSpPr>
+          <p:spPr>
+            <a:xfrm>
+              <a:off x="1990863" y="4001985"/>
               <a:ext cx="49651" cy="49651"/>
             </a:xfrm>
             <a:prstGeom prst="ellipse">
@@ -7370,13 +10651,13 @@
         </p:sp>
         <p:sp>
           <p:nvSpPr>
-            <p:cNvPr id="133" name="pt132"/>
-            <p:cNvSpPr/>
-            <p:nvPr/>
-          </p:nvSpPr>
-          <p:spPr>
-            <a:xfrm>
-              <a:off x="3566704" y="2979024"/>
+            <p:cNvPr id="217" name="pt216"/>
+            <p:cNvSpPr/>
+            <p:nvPr/>
+          </p:nvSpPr>
+          <p:spPr>
+            <a:xfrm>
+              <a:off x="2062492" y="4001813"/>
               <a:ext cx="49651" cy="49651"/>
             </a:xfrm>
             <a:prstGeom prst="ellipse">
@@ -7405,13 +10686,13 @@
         </p:sp>
         <p:sp>
           <p:nvSpPr>
-            <p:cNvPr id="134" name="pt133"/>
-            <p:cNvSpPr/>
-            <p:nvPr/>
-          </p:nvSpPr>
-          <p:spPr>
-            <a:xfrm>
-              <a:off x="3638333" y="2649602"/>
+            <p:cNvPr id="218" name="pt217"/>
+            <p:cNvSpPr/>
+            <p:nvPr/>
+          </p:nvSpPr>
+          <p:spPr>
+            <a:xfrm>
+              <a:off x="2134121" y="4001554"/>
               <a:ext cx="49651" cy="49651"/>
             </a:xfrm>
             <a:prstGeom prst="ellipse">
@@ -7440,13 +10721,13 @@
         </p:sp>
         <p:sp>
           <p:nvSpPr>
-            <p:cNvPr id="135" name="pt134"/>
-            <p:cNvSpPr/>
-            <p:nvPr/>
-          </p:nvSpPr>
-          <p:spPr>
-            <a:xfrm>
-              <a:off x="3709962" y="2275927"/>
+            <p:cNvPr id="219" name="pt218"/>
+            <p:cNvSpPr/>
+            <p:nvPr/>
+          </p:nvSpPr>
+          <p:spPr>
+            <a:xfrm>
+              <a:off x="2205750" y="4001165"/>
               <a:ext cx="49651" cy="49651"/>
             </a:xfrm>
             <a:prstGeom prst="ellipse">
@@ -7475,13 +10756,13 @@
         </p:sp>
         <p:sp>
           <p:nvSpPr>
-            <p:cNvPr id="136" name="pt135"/>
-            <p:cNvSpPr/>
-            <p:nvPr/>
-          </p:nvSpPr>
-          <p:spPr>
-            <a:xfrm>
-              <a:off x="3781591" y="1966938"/>
+            <p:cNvPr id="220" name="pt219"/>
+            <p:cNvSpPr/>
+            <p:nvPr/>
+          </p:nvSpPr>
+          <p:spPr>
+            <a:xfrm>
+              <a:off x="2277380" y="4000581"/>
               <a:ext cx="49651" cy="49651"/>
             </a:xfrm>
             <a:prstGeom prst="ellipse">
@@ -7510,13 +10791,13 @@
         </p:sp>
         <p:sp>
           <p:nvSpPr>
-            <p:cNvPr id="137" name="pt136"/>
-            <p:cNvSpPr/>
-            <p:nvPr/>
-          </p:nvSpPr>
-          <p:spPr>
-            <a:xfrm>
-              <a:off x="3853220" y="1691305"/>
+            <p:cNvPr id="221" name="pt220"/>
+            <p:cNvSpPr/>
+            <p:nvPr/>
+          </p:nvSpPr>
+          <p:spPr>
+            <a:xfrm>
+              <a:off x="2349009" y="3999708"/>
               <a:ext cx="49651" cy="49651"/>
             </a:xfrm>
             <a:prstGeom prst="ellipse">
@@ -7545,13 +10826,13 @@
         </p:sp>
         <p:sp>
           <p:nvSpPr>
-            <p:cNvPr id="138" name="pt137"/>
-            <p:cNvSpPr/>
-            <p:nvPr/>
-          </p:nvSpPr>
-          <p:spPr>
-            <a:xfrm>
-              <a:off x="3924849" y="1466586"/>
+            <p:cNvPr id="222" name="pt221"/>
+            <p:cNvSpPr/>
+            <p:nvPr/>
+          </p:nvSpPr>
+          <p:spPr>
+            <a:xfrm>
+              <a:off x="2420638" y="3998401"/>
               <a:ext cx="49651" cy="49651"/>
             </a:xfrm>
             <a:prstGeom prst="ellipse">
@@ -7580,13 +10861,13 @@
         </p:sp>
         <p:sp>
           <p:nvSpPr>
-            <p:cNvPr id="139" name="pt138"/>
-            <p:cNvSpPr/>
-            <p:nvPr/>
-          </p:nvSpPr>
-          <p:spPr>
-            <a:xfrm>
-              <a:off x="3996478" y="1307857"/>
+            <p:cNvPr id="223" name="pt222"/>
+            <p:cNvSpPr/>
+            <p:nvPr/>
+          </p:nvSpPr>
+          <p:spPr>
+            <a:xfrm>
+              <a:off x="2492267" y="3996450"/>
               <a:ext cx="49651" cy="49651"/>
             </a:xfrm>
             <a:prstGeom prst="ellipse">
@@ -7615,13 +10896,13 @@
         </p:sp>
         <p:sp>
           <p:nvSpPr>
-            <p:cNvPr id="140" name="pt139"/>
-            <p:cNvSpPr/>
-            <p:nvPr/>
-          </p:nvSpPr>
-          <p:spPr>
-            <a:xfrm>
-              <a:off x="4068107" y="1288050"/>
+            <p:cNvPr id="224" name="pt223"/>
+            <p:cNvSpPr/>
+            <p:nvPr/>
+          </p:nvSpPr>
+          <p:spPr>
+            <a:xfrm>
+              <a:off x="2563896" y="3993560"/>
               <a:ext cx="49651" cy="49651"/>
             </a:xfrm>
             <a:prstGeom prst="ellipse">
@@ -7650,13 +10931,13 @@
         </p:sp>
         <p:sp>
           <p:nvSpPr>
-            <p:cNvPr id="141" name="pt140"/>
-            <p:cNvSpPr/>
-            <p:nvPr/>
-          </p:nvSpPr>
-          <p:spPr>
-            <a:xfrm>
-              <a:off x="4139737" y="1404207"/>
+            <p:cNvPr id="225" name="pt224"/>
+            <p:cNvSpPr/>
+            <p:nvPr/>
+          </p:nvSpPr>
+          <p:spPr>
+            <a:xfrm>
+              <a:off x="2635525" y="3989273"/>
               <a:ext cx="49651" cy="49651"/>
             </a:xfrm>
             <a:prstGeom prst="ellipse">
@@ -7685,13 +10966,13 @@
         </p:sp>
         <p:sp>
           <p:nvSpPr>
-            <p:cNvPr id="142" name="pt141"/>
-            <p:cNvSpPr/>
-            <p:nvPr/>
-          </p:nvSpPr>
-          <p:spPr>
-            <a:xfrm>
-              <a:off x="4211366" y="1708142"/>
+            <p:cNvPr id="226" name="pt225"/>
+            <p:cNvSpPr/>
+            <p:nvPr/>
+          </p:nvSpPr>
+          <p:spPr>
+            <a:xfrm>
+              <a:off x="2707154" y="3983070"/>
               <a:ext cx="49651" cy="49651"/>
             </a:xfrm>
             <a:prstGeom prst="ellipse">
@@ -7720,13 +11001,13 @@
         </p:sp>
         <p:sp>
           <p:nvSpPr>
-            <p:cNvPr id="143" name="pt142"/>
-            <p:cNvSpPr/>
-            <p:nvPr/>
-          </p:nvSpPr>
-          <p:spPr>
-            <a:xfrm>
-              <a:off x="4282995" y="2086480"/>
+            <p:cNvPr id="227" name="pt226"/>
+            <p:cNvSpPr/>
+            <p:nvPr/>
+          </p:nvSpPr>
+          <p:spPr>
+            <a:xfrm>
+              <a:off x="2778783" y="3974022"/>
               <a:ext cx="49651" cy="49651"/>
             </a:xfrm>
             <a:prstGeom prst="ellipse">
@@ -7755,13 +11036,13 @@
         </p:sp>
         <p:sp>
           <p:nvSpPr>
-            <p:cNvPr id="144" name="pt143"/>
-            <p:cNvSpPr/>
-            <p:nvPr/>
-          </p:nvSpPr>
-          <p:spPr>
-            <a:xfrm>
-              <a:off x="4354624" y="2456211"/>
+            <p:cNvPr id="228" name="pt227"/>
+            <p:cNvSpPr/>
+            <p:nvPr/>
+          </p:nvSpPr>
+          <p:spPr>
+            <a:xfrm>
+              <a:off x="2850413" y="3961536"/>
               <a:ext cx="49651" cy="49651"/>
             </a:xfrm>
             <a:prstGeom prst="ellipse">
@@ -7790,13 +11071,13 @@
         </p:sp>
         <p:sp>
           <p:nvSpPr>
-            <p:cNvPr id="145" name="pt144"/>
-            <p:cNvSpPr/>
-            <p:nvPr/>
-          </p:nvSpPr>
-          <p:spPr>
-            <a:xfrm>
-              <a:off x="4426253" y="2796835"/>
+            <p:cNvPr id="229" name="pt228"/>
+            <p:cNvSpPr/>
+            <p:nvPr/>
+          </p:nvSpPr>
+          <p:spPr>
+            <a:xfrm>
+              <a:off x="2922042" y="3944417"/>
               <a:ext cx="49651" cy="49651"/>
             </a:xfrm>
             <a:prstGeom prst="ellipse">
@@ -7825,13 +11106,13 @@
         </p:sp>
         <p:sp>
           <p:nvSpPr>
-            <p:cNvPr id="146" name="pt145"/>
-            <p:cNvSpPr/>
-            <p:nvPr/>
-          </p:nvSpPr>
-          <p:spPr>
-            <a:xfrm>
-              <a:off x="4533697" y="3172459"/>
+            <p:cNvPr id="230" name="pt229"/>
+            <p:cNvSpPr/>
+            <p:nvPr/>
+          </p:nvSpPr>
+          <p:spPr>
+            <a:xfrm>
+              <a:off x="2993671" y="3922537"/>
               <a:ext cx="49651" cy="49651"/>
             </a:xfrm>
             <a:prstGeom prst="ellipse">
@@ -7860,13 +11141,13 @@
         </p:sp>
         <p:sp>
           <p:nvSpPr>
-            <p:cNvPr id="147" name="pt146"/>
-            <p:cNvSpPr/>
-            <p:nvPr/>
-          </p:nvSpPr>
-          <p:spPr>
-            <a:xfrm>
-              <a:off x="4712770" y="3485237"/>
+            <p:cNvPr id="231" name="pt230"/>
+            <p:cNvSpPr/>
+            <p:nvPr/>
+          </p:nvSpPr>
+          <p:spPr>
+            <a:xfrm>
+              <a:off x="3065300" y="3894697"/>
               <a:ext cx="49651" cy="49651"/>
             </a:xfrm>
             <a:prstGeom prst="ellipse">
@@ -7895,13 +11176,13 @@
         </p:sp>
         <p:sp>
           <p:nvSpPr>
-            <p:cNvPr id="148" name="pt147"/>
-            <p:cNvSpPr/>
-            <p:nvPr/>
-          </p:nvSpPr>
-          <p:spPr>
-            <a:xfrm>
-              <a:off x="4856028" y="3607577"/>
+            <p:cNvPr id="232" name="pt231"/>
+            <p:cNvSpPr/>
+            <p:nvPr/>
+          </p:nvSpPr>
+          <p:spPr>
+            <a:xfrm>
+              <a:off x="3136929" y="3859475"/>
               <a:ext cx="49651" cy="49651"/>
             </a:xfrm>
             <a:prstGeom prst="ellipse">
@@ -7930,13 +11211,13 @@
         </p:sp>
         <p:sp>
           <p:nvSpPr>
-            <p:cNvPr id="149" name="pt148"/>
-            <p:cNvSpPr/>
-            <p:nvPr/>
-          </p:nvSpPr>
-          <p:spPr>
-            <a:xfrm>
-              <a:off x="4927657" y="3652214"/>
+            <p:cNvPr id="233" name="pt232"/>
+            <p:cNvSpPr/>
+            <p:nvPr/>
+          </p:nvSpPr>
+          <p:spPr>
+            <a:xfrm>
+              <a:off x="3208558" y="3813282"/>
               <a:ext cx="49651" cy="49651"/>
             </a:xfrm>
             <a:prstGeom prst="ellipse">
@@ -7965,13 +11246,13 @@
         </p:sp>
         <p:sp>
           <p:nvSpPr>
-            <p:cNvPr id="150" name="pt149"/>
-            <p:cNvSpPr/>
-            <p:nvPr/>
-          </p:nvSpPr>
-          <p:spPr>
-            <a:xfrm>
-              <a:off x="4999286" y="3695054"/>
+            <p:cNvPr id="234" name="pt233"/>
+            <p:cNvSpPr/>
+            <p:nvPr/>
+          </p:nvSpPr>
+          <p:spPr>
+            <a:xfrm>
+              <a:off x="3280187" y="3751939"/>
               <a:ext cx="49651" cy="49651"/>
             </a:xfrm>
             <a:prstGeom prst="ellipse">
@@ -8000,13 +11281,13 @@
         </p:sp>
         <p:sp>
           <p:nvSpPr>
-            <p:cNvPr id="151" name="pt150"/>
-            <p:cNvSpPr/>
-            <p:nvPr/>
-          </p:nvSpPr>
-          <p:spPr>
-            <a:xfrm>
-              <a:off x="5142544" y="3771729"/>
+            <p:cNvPr id="235" name="pt234"/>
+            <p:cNvSpPr/>
+            <p:nvPr/>
+          </p:nvSpPr>
+          <p:spPr>
+            <a:xfrm>
+              <a:off x="3351816" y="3655168"/>
               <a:ext cx="49651" cy="49651"/>
             </a:xfrm>
             <a:prstGeom prst="ellipse">
@@ -8035,13 +11316,13 @@
         </p:sp>
         <p:sp>
           <p:nvSpPr>
-            <p:cNvPr id="152" name="pt151"/>
-            <p:cNvSpPr/>
-            <p:nvPr/>
-          </p:nvSpPr>
-          <p:spPr>
-            <a:xfrm>
-              <a:off x="5357432" y="3857017"/>
+            <p:cNvPr id="236" name="pt235"/>
+            <p:cNvSpPr/>
+            <p:nvPr/>
+          </p:nvSpPr>
+          <p:spPr>
+            <a:xfrm>
+              <a:off x="3423445" y="3518739"/>
               <a:ext cx="49651" cy="49651"/>
             </a:xfrm>
             <a:prstGeom prst="ellipse">
@@ -8070,13 +11351,993 @@
         </p:sp>
         <p:sp>
           <p:nvSpPr>
-            <p:cNvPr id="153" name="tx152"/>
-            <p:cNvSpPr/>
-            <p:nvPr/>
-          </p:nvSpPr>
-          <p:spPr>
-            <a:xfrm>
-              <a:off x="1148183" y="3999007"/>
+            <p:cNvPr id="237" name="pt236"/>
+            <p:cNvSpPr/>
+            <p:nvPr/>
+          </p:nvSpPr>
+          <p:spPr>
+            <a:xfrm>
+              <a:off x="3495075" y="3319971"/>
+              <a:ext cx="49651" cy="49651"/>
+            </a:xfrm>
+            <a:prstGeom prst="ellipse">
+              <a:avLst/>
+            </a:prstGeom>
+            <a:solidFill>
+              <a:srgbClr val="C77CFF">
+                <a:alpha val="100000"/>
+              </a:srgbClr>
+            </a:solidFill>
+            <a:ln w="9000" cap="rnd">
+              <a:solidFill>
+                <a:srgbClr val="C77CFF">
+                  <a:alpha val="100000"/>
+                </a:srgbClr>
+              </a:solidFill>
+              <a:prstDash val="solid"/>
+              <a:round/>
+            </a:ln>
+          </p:spPr>
+          <p:txBody>
+            <a:bodyPr/>
+            <a:lstStyle/>
+            <a:p/>
+          </p:txBody>
+        </p:sp>
+        <p:sp>
+          <p:nvSpPr>
+            <p:cNvPr id="238" name="pt237"/>
+            <p:cNvSpPr/>
+            <p:nvPr/>
+          </p:nvSpPr>
+          <p:spPr>
+            <a:xfrm>
+              <a:off x="3566704" y="3045572"/>
+              <a:ext cx="49651" cy="49651"/>
+            </a:xfrm>
+            <a:prstGeom prst="ellipse">
+              <a:avLst/>
+            </a:prstGeom>
+            <a:solidFill>
+              <a:srgbClr val="C77CFF">
+                <a:alpha val="100000"/>
+              </a:srgbClr>
+            </a:solidFill>
+            <a:ln w="9000" cap="rnd">
+              <a:solidFill>
+                <a:srgbClr val="C77CFF">
+                  <a:alpha val="100000"/>
+                </a:srgbClr>
+              </a:solidFill>
+              <a:prstDash val="solid"/>
+              <a:round/>
+            </a:ln>
+          </p:spPr>
+          <p:txBody>
+            <a:bodyPr/>
+            <a:lstStyle/>
+            <a:p/>
+          </p:txBody>
+        </p:sp>
+        <p:sp>
+          <p:nvSpPr>
+            <p:cNvPr id="239" name="pt238"/>
+            <p:cNvSpPr/>
+            <p:nvPr/>
+          </p:nvSpPr>
+          <p:spPr>
+            <a:xfrm>
+              <a:off x="3638333" y="2669283"/>
+              <a:ext cx="49651" cy="49651"/>
+            </a:xfrm>
+            <a:prstGeom prst="ellipse">
+              <a:avLst/>
+            </a:prstGeom>
+            <a:solidFill>
+              <a:srgbClr val="C77CFF">
+                <a:alpha val="100000"/>
+              </a:srgbClr>
+            </a:solidFill>
+            <a:ln w="9000" cap="rnd">
+              <a:solidFill>
+                <a:srgbClr val="C77CFF">
+                  <a:alpha val="100000"/>
+                </a:srgbClr>
+              </a:solidFill>
+              <a:prstDash val="solid"/>
+              <a:round/>
+            </a:ln>
+          </p:spPr>
+          <p:txBody>
+            <a:bodyPr/>
+            <a:lstStyle/>
+            <a:p/>
+          </p:txBody>
+        </p:sp>
+        <p:sp>
+          <p:nvSpPr>
+            <p:cNvPr id="240" name="pt239"/>
+            <p:cNvSpPr/>
+            <p:nvPr/>
+          </p:nvSpPr>
+          <p:spPr>
+            <a:xfrm>
+              <a:off x="3709962" y="2327934"/>
+              <a:ext cx="49651" cy="49651"/>
+            </a:xfrm>
+            <a:prstGeom prst="ellipse">
+              <a:avLst/>
+            </a:prstGeom>
+            <a:solidFill>
+              <a:srgbClr val="C77CFF">
+                <a:alpha val="100000"/>
+              </a:srgbClr>
+            </a:solidFill>
+            <a:ln w="9000" cap="rnd">
+              <a:solidFill>
+                <a:srgbClr val="C77CFF">
+                  <a:alpha val="100000"/>
+                </a:srgbClr>
+              </a:solidFill>
+              <a:prstDash val="solid"/>
+              <a:round/>
+            </a:ln>
+          </p:spPr>
+          <p:txBody>
+            <a:bodyPr/>
+            <a:lstStyle/>
+            <a:p/>
+          </p:txBody>
+        </p:sp>
+        <p:sp>
+          <p:nvSpPr>
+            <p:cNvPr id="241" name="pt240"/>
+            <p:cNvSpPr/>
+            <p:nvPr/>
+          </p:nvSpPr>
+          <p:spPr>
+            <a:xfrm>
+              <a:off x="3781591" y="1977000"/>
+              <a:ext cx="49651" cy="49651"/>
+            </a:xfrm>
+            <a:prstGeom prst="ellipse">
+              <a:avLst/>
+            </a:prstGeom>
+            <a:solidFill>
+              <a:srgbClr val="C77CFF">
+                <a:alpha val="100000"/>
+              </a:srgbClr>
+            </a:solidFill>
+            <a:ln w="9000" cap="rnd">
+              <a:solidFill>
+                <a:srgbClr val="C77CFF">
+                  <a:alpha val="100000"/>
+                </a:srgbClr>
+              </a:solidFill>
+              <a:prstDash val="solid"/>
+              <a:round/>
+            </a:ln>
+          </p:spPr>
+          <p:txBody>
+            <a:bodyPr/>
+            <a:lstStyle/>
+            <a:p/>
+          </p:txBody>
+        </p:sp>
+        <p:sp>
+          <p:nvSpPr>
+            <p:cNvPr id="242" name="pt241"/>
+            <p:cNvSpPr/>
+            <p:nvPr/>
+          </p:nvSpPr>
+          <p:spPr>
+            <a:xfrm>
+              <a:off x="3853220" y="1840979"/>
+              <a:ext cx="49651" cy="49651"/>
+            </a:xfrm>
+            <a:prstGeom prst="ellipse">
+              <a:avLst/>
+            </a:prstGeom>
+            <a:solidFill>
+              <a:srgbClr val="C77CFF">
+                <a:alpha val="100000"/>
+              </a:srgbClr>
+            </a:solidFill>
+            <a:ln w="9000" cap="rnd">
+              <a:solidFill>
+                <a:srgbClr val="C77CFF">
+                  <a:alpha val="100000"/>
+                </a:srgbClr>
+              </a:solidFill>
+              <a:prstDash val="solid"/>
+              <a:round/>
+            </a:ln>
+          </p:spPr>
+          <p:txBody>
+            <a:bodyPr/>
+            <a:lstStyle/>
+            <a:p/>
+          </p:txBody>
+        </p:sp>
+        <p:sp>
+          <p:nvSpPr>
+            <p:cNvPr id="243" name="pt242"/>
+            <p:cNvSpPr/>
+            <p:nvPr/>
+          </p:nvSpPr>
+          <p:spPr>
+            <a:xfrm>
+              <a:off x="3924849" y="1686166"/>
+              <a:ext cx="49651" cy="49651"/>
+            </a:xfrm>
+            <a:prstGeom prst="ellipse">
+              <a:avLst/>
+            </a:prstGeom>
+            <a:solidFill>
+              <a:srgbClr val="C77CFF">
+                <a:alpha val="100000"/>
+              </a:srgbClr>
+            </a:solidFill>
+            <a:ln w="9000" cap="rnd">
+              <a:solidFill>
+                <a:srgbClr val="C77CFF">
+                  <a:alpha val="100000"/>
+                </a:srgbClr>
+              </a:solidFill>
+              <a:prstDash val="solid"/>
+              <a:round/>
+            </a:ln>
+          </p:spPr>
+          <p:txBody>
+            <a:bodyPr/>
+            <a:lstStyle/>
+            <a:p/>
+          </p:txBody>
+        </p:sp>
+        <p:sp>
+          <p:nvSpPr>
+            <p:cNvPr id="244" name="pt243"/>
+            <p:cNvSpPr/>
+            <p:nvPr/>
+          </p:nvSpPr>
+          <p:spPr>
+            <a:xfrm>
+              <a:off x="3996478" y="1434440"/>
+              <a:ext cx="49651" cy="49651"/>
+            </a:xfrm>
+            <a:prstGeom prst="ellipse">
+              <a:avLst/>
+            </a:prstGeom>
+            <a:solidFill>
+              <a:srgbClr val="C77CFF">
+                <a:alpha val="100000"/>
+              </a:srgbClr>
+            </a:solidFill>
+            <a:ln w="9000" cap="rnd">
+              <a:solidFill>
+                <a:srgbClr val="C77CFF">
+                  <a:alpha val="100000"/>
+                </a:srgbClr>
+              </a:solidFill>
+              <a:prstDash val="solid"/>
+              <a:round/>
+            </a:ln>
+          </p:spPr>
+          <p:txBody>
+            <a:bodyPr/>
+            <a:lstStyle/>
+            <a:p/>
+          </p:txBody>
+        </p:sp>
+        <p:sp>
+          <p:nvSpPr>
+            <p:cNvPr id="245" name="pt244"/>
+            <p:cNvSpPr/>
+            <p:nvPr/>
+          </p:nvSpPr>
+          <p:spPr>
+            <a:xfrm>
+              <a:off x="4068107" y="1326539"/>
+              <a:ext cx="49651" cy="49651"/>
+            </a:xfrm>
+            <a:prstGeom prst="ellipse">
+              <a:avLst/>
+            </a:prstGeom>
+            <a:solidFill>
+              <a:srgbClr val="C77CFF">
+                <a:alpha val="100000"/>
+              </a:srgbClr>
+            </a:solidFill>
+            <a:ln w="9000" cap="rnd">
+              <a:solidFill>
+                <a:srgbClr val="C77CFF">
+                  <a:alpha val="100000"/>
+                </a:srgbClr>
+              </a:solidFill>
+              <a:prstDash val="solid"/>
+              <a:round/>
+            </a:ln>
+          </p:spPr>
+          <p:txBody>
+            <a:bodyPr/>
+            <a:lstStyle/>
+            <a:p/>
+          </p:txBody>
+        </p:sp>
+        <p:sp>
+          <p:nvSpPr>
+            <p:cNvPr id="246" name="pt245"/>
+            <p:cNvSpPr/>
+            <p:nvPr/>
+          </p:nvSpPr>
+          <p:spPr>
+            <a:xfrm>
+              <a:off x="4139737" y="1431288"/>
+              <a:ext cx="49651" cy="49651"/>
+            </a:xfrm>
+            <a:prstGeom prst="ellipse">
+              <a:avLst/>
+            </a:prstGeom>
+            <a:solidFill>
+              <a:srgbClr val="C77CFF">
+                <a:alpha val="100000"/>
+              </a:srgbClr>
+            </a:solidFill>
+            <a:ln w="9000" cap="rnd">
+              <a:solidFill>
+                <a:srgbClr val="C77CFF">
+                  <a:alpha val="100000"/>
+                </a:srgbClr>
+              </a:solidFill>
+              <a:prstDash val="solid"/>
+              <a:round/>
+            </a:ln>
+          </p:spPr>
+          <p:txBody>
+            <a:bodyPr/>
+            <a:lstStyle/>
+            <a:p/>
+          </p:txBody>
+        </p:sp>
+        <p:sp>
+          <p:nvSpPr>
+            <p:cNvPr id="247" name="pt246"/>
+            <p:cNvSpPr/>
+            <p:nvPr/>
+          </p:nvSpPr>
+          <p:spPr>
+            <a:xfrm>
+              <a:off x="4211366" y="1769952"/>
+              <a:ext cx="49651" cy="49651"/>
+            </a:xfrm>
+            <a:prstGeom prst="ellipse">
+              <a:avLst/>
+            </a:prstGeom>
+            <a:solidFill>
+              <a:srgbClr val="C77CFF">
+                <a:alpha val="100000"/>
+              </a:srgbClr>
+            </a:solidFill>
+            <a:ln w="9000" cap="rnd">
+              <a:solidFill>
+                <a:srgbClr val="C77CFF">
+                  <a:alpha val="100000"/>
+                </a:srgbClr>
+              </a:solidFill>
+              <a:prstDash val="solid"/>
+              <a:round/>
+            </a:ln>
+          </p:spPr>
+          <p:txBody>
+            <a:bodyPr/>
+            <a:lstStyle/>
+            <a:p/>
+          </p:txBody>
+        </p:sp>
+        <p:sp>
+          <p:nvSpPr>
+            <p:cNvPr id="248" name="pt247"/>
+            <p:cNvSpPr/>
+            <p:nvPr/>
+          </p:nvSpPr>
+          <p:spPr>
+            <a:xfrm>
+              <a:off x="4282995" y="2159747"/>
+              <a:ext cx="49651" cy="49651"/>
+            </a:xfrm>
+            <a:prstGeom prst="ellipse">
+              <a:avLst/>
+            </a:prstGeom>
+            <a:solidFill>
+              <a:srgbClr val="C77CFF">
+                <a:alpha val="100000"/>
+              </a:srgbClr>
+            </a:solidFill>
+            <a:ln w="9000" cap="rnd">
+              <a:solidFill>
+                <a:srgbClr val="C77CFF">
+                  <a:alpha val="100000"/>
+                </a:srgbClr>
+              </a:solidFill>
+              <a:prstDash val="solid"/>
+              <a:round/>
+            </a:ln>
+          </p:spPr>
+          <p:txBody>
+            <a:bodyPr/>
+            <a:lstStyle/>
+            <a:p/>
+          </p:txBody>
+        </p:sp>
+        <p:sp>
+          <p:nvSpPr>
+            <p:cNvPr id="249" name="pt248"/>
+            <p:cNvSpPr/>
+            <p:nvPr/>
+          </p:nvSpPr>
+          <p:spPr>
+            <a:xfrm>
+              <a:off x="4354624" y="2645795"/>
+              <a:ext cx="49651" cy="49651"/>
+            </a:xfrm>
+            <a:prstGeom prst="ellipse">
+              <a:avLst/>
+            </a:prstGeom>
+            <a:solidFill>
+              <a:srgbClr val="C77CFF">
+                <a:alpha val="100000"/>
+              </a:srgbClr>
+            </a:solidFill>
+            <a:ln w="9000" cap="rnd">
+              <a:solidFill>
+                <a:srgbClr val="C77CFF">
+                  <a:alpha val="100000"/>
+                </a:srgbClr>
+              </a:solidFill>
+              <a:prstDash val="solid"/>
+              <a:round/>
+            </a:ln>
+          </p:spPr>
+          <p:txBody>
+            <a:bodyPr/>
+            <a:lstStyle/>
+            <a:p/>
+          </p:txBody>
+        </p:sp>
+        <p:sp>
+          <p:nvSpPr>
+            <p:cNvPr id="250" name="pt249"/>
+            <p:cNvSpPr/>
+            <p:nvPr/>
+          </p:nvSpPr>
+          <p:spPr>
+            <a:xfrm>
+              <a:off x="4426253" y="3014638"/>
+              <a:ext cx="49651" cy="49651"/>
+            </a:xfrm>
+            <a:prstGeom prst="ellipse">
+              <a:avLst/>
+            </a:prstGeom>
+            <a:solidFill>
+              <a:srgbClr val="C77CFF">
+                <a:alpha val="100000"/>
+              </a:srgbClr>
+            </a:solidFill>
+            <a:ln w="9000" cap="rnd">
+              <a:solidFill>
+                <a:srgbClr val="C77CFF">
+                  <a:alpha val="100000"/>
+                </a:srgbClr>
+              </a:solidFill>
+              <a:prstDash val="solid"/>
+              <a:round/>
+            </a:ln>
+          </p:spPr>
+          <p:txBody>
+            <a:bodyPr/>
+            <a:lstStyle/>
+            <a:p/>
+          </p:txBody>
+        </p:sp>
+        <p:sp>
+          <p:nvSpPr>
+            <p:cNvPr id="251" name="pt250"/>
+            <p:cNvSpPr/>
+            <p:nvPr/>
+          </p:nvSpPr>
+          <p:spPr>
+            <a:xfrm>
+              <a:off x="4497882" y="3275576"/>
+              <a:ext cx="49651" cy="49651"/>
+            </a:xfrm>
+            <a:prstGeom prst="ellipse">
+              <a:avLst/>
+            </a:prstGeom>
+            <a:solidFill>
+              <a:srgbClr val="C77CFF">
+                <a:alpha val="100000"/>
+              </a:srgbClr>
+            </a:solidFill>
+            <a:ln w="9000" cap="rnd">
+              <a:solidFill>
+                <a:srgbClr val="C77CFF">
+                  <a:alpha val="100000"/>
+                </a:srgbClr>
+              </a:solidFill>
+              <a:prstDash val="solid"/>
+              <a:round/>
+            </a:ln>
+          </p:spPr>
+          <p:txBody>
+            <a:bodyPr/>
+            <a:lstStyle/>
+            <a:p/>
+          </p:txBody>
+        </p:sp>
+        <p:sp>
+          <p:nvSpPr>
+            <p:cNvPr id="252" name="pt251"/>
+            <p:cNvSpPr/>
+            <p:nvPr/>
+          </p:nvSpPr>
+          <p:spPr>
+            <a:xfrm>
+              <a:off x="4569511" y="3442546"/>
+              <a:ext cx="49651" cy="49651"/>
+            </a:xfrm>
+            <a:prstGeom prst="ellipse">
+              <a:avLst/>
+            </a:prstGeom>
+            <a:solidFill>
+              <a:srgbClr val="C77CFF">
+                <a:alpha val="100000"/>
+              </a:srgbClr>
+            </a:solidFill>
+            <a:ln w="9000" cap="rnd">
+              <a:solidFill>
+                <a:srgbClr val="C77CFF">
+                  <a:alpha val="100000"/>
+                </a:srgbClr>
+              </a:solidFill>
+              <a:prstDash val="solid"/>
+              <a:round/>
+            </a:ln>
+          </p:spPr>
+          <p:txBody>
+            <a:bodyPr/>
+            <a:lstStyle/>
+            <a:p/>
+          </p:txBody>
+        </p:sp>
+        <p:sp>
+          <p:nvSpPr>
+            <p:cNvPr id="253" name="pt252"/>
+            <p:cNvSpPr/>
+            <p:nvPr/>
+          </p:nvSpPr>
+          <p:spPr>
+            <a:xfrm>
+              <a:off x="4641140" y="3535703"/>
+              <a:ext cx="49651" cy="49651"/>
+            </a:xfrm>
+            <a:prstGeom prst="ellipse">
+              <a:avLst/>
+            </a:prstGeom>
+            <a:solidFill>
+              <a:srgbClr val="C77CFF">
+                <a:alpha val="100000"/>
+              </a:srgbClr>
+            </a:solidFill>
+            <a:ln w="9000" cap="rnd">
+              <a:solidFill>
+                <a:srgbClr val="C77CFF">
+                  <a:alpha val="100000"/>
+                </a:srgbClr>
+              </a:solidFill>
+              <a:prstDash val="solid"/>
+              <a:round/>
+            </a:ln>
+          </p:spPr>
+          <p:txBody>
+            <a:bodyPr/>
+            <a:lstStyle/>
+            <a:p/>
+          </p:txBody>
+        </p:sp>
+        <p:sp>
+          <p:nvSpPr>
+            <p:cNvPr id="254" name="pt253"/>
+            <p:cNvSpPr/>
+            <p:nvPr/>
+          </p:nvSpPr>
+          <p:spPr>
+            <a:xfrm>
+              <a:off x="4712770" y="3584063"/>
+              <a:ext cx="49651" cy="49651"/>
+            </a:xfrm>
+            <a:prstGeom prst="ellipse">
+              <a:avLst/>
+            </a:prstGeom>
+            <a:solidFill>
+              <a:srgbClr val="C77CFF">
+                <a:alpha val="100000"/>
+              </a:srgbClr>
+            </a:solidFill>
+            <a:ln w="9000" cap="rnd">
+              <a:solidFill>
+                <a:srgbClr val="C77CFF">
+                  <a:alpha val="100000"/>
+                </a:srgbClr>
+              </a:solidFill>
+              <a:prstDash val="solid"/>
+              <a:round/>
+            </a:ln>
+          </p:spPr>
+          <p:txBody>
+            <a:bodyPr/>
+            <a:lstStyle/>
+            <a:p/>
+          </p:txBody>
+        </p:sp>
+        <p:sp>
+          <p:nvSpPr>
+            <p:cNvPr id="255" name="pt254"/>
+            <p:cNvSpPr/>
+            <p:nvPr/>
+          </p:nvSpPr>
+          <p:spPr>
+            <a:xfrm>
+              <a:off x="4784399" y="3608815"/>
+              <a:ext cx="49651" cy="49651"/>
+            </a:xfrm>
+            <a:prstGeom prst="ellipse">
+              <a:avLst/>
+            </a:prstGeom>
+            <a:solidFill>
+              <a:srgbClr val="C77CFF">
+                <a:alpha val="100000"/>
+              </a:srgbClr>
+            </a:solidFill>
+            <a:ln w="9000" cap="rnd">
+              <a:solidFill>
+                <a:srgbClr val="C77CFF">
+                  <a:alpha val="100000"/>
+                </a:srgbClr>
+              </a:solidFill>
+              <a:prstDash val="solid"/>
+              <a:round/>
+            </a:ln>
+          </p:spPr>
+          <p:txBody>
+            <a:bodyPr/>
+            <a:lstStyle/>
+            <a:p/>
+          </p:txBody>
+        </p:sp>
+        <p:sp>
+          <p:nvSpPr>
+            <p:cNvPr id="256" name="pt255"/>
+            <p:cNvSpPr/>
+            <p:nvPr/>
+          </p:nvSpPr>
+          <p:spPr>
+            <a:xfrm>
+              <a:off x="4856028" y="3627420"/>
+              <a:ext cx="49651" cy="49651"/>
+            </a:xfrm>
+            <a:prstGeom prst="ellipse">
+              <a:avLst/>
+            </a:prstGeom>
+            <a:solidFill>
+              <a:srgbClr val="C77CFF">
+                <a:alpha val="100000"/>
+              </a:srgbClr>
+            </a:solidFill>
+            <a:ln w="9000" cap="rnd">
+              <a:solidFill>
+                <a:srgbClr val="C77CFF">
+                  <a:alpha val="100000"/>
+                </a:srgbClr>
+              </a:solidFill>
+              <a:prstDash val="solid"/>
+              <a:round/>
+            </a:ln>
+          </p:spPr>
+          <p:txBody>
+            <a:bodyPr/>
+            <a:lstStyle/>
+            <a:p/>
+          </p:txBody>
+        </p:sp>
+        <p:sp>
+          <p:nvSpPr>
+            <p:cNvPr id="257" name="pt256"/>
+            <p:cNvSpPr/>
+            <p:nvPr/>
+          </p:nvSpPr>
+          <p:spPr>
+            <a:xfrm>
+              <a:off x="4927657" y="3645517"/>
+              <a:ext cx="49651" cy="49651"/>
+            </a:xfrm>
+            <a:prstGeom prst="ellipse">
+              <a:avLst/>
+            </a:prstGeom>
+            <a:solidFill>
+              <a:srgbClr val="C77CFF">
+                <a:alpha val="100000"/>
+              </a:srgbClr>
+            </a:solidFill>
+            <a:ln w="9000" cap="rnd">
+              <a:solidFill>
+                <a:srgbClr val="C77CFF">
+                  <a:alpha val="100000"/>
+                </a:srgbClr>
+              </a:solidFill>
+              <a:prstDash val="solid"/>
+              <a:round/>
+            </a:ln>
+          </p:spPr>
+          <p:txBody>
+            <a:bodyPr/>
+            <a:lstStyle/>
+            <a:p/>
+          </p:txBody>
+        </p:sp>
+        <p:sp>
+          <p:nvSpPr>
+            <p:cNvPr id="258" name="pt257"/>
+            <p:cNvSpPr/>
+            <p:nvPr/>
+          </p:nvSpPr>
+          <p:spPr>
+            <a:xfrm>
+              <a:off x="4999286" y="3679235"/>
+              <a:ext cx="49651" cy="49651"/>
+            </a:xfrm>
+            <a:prstGeom prst="ellipse">
+              <a:avLst/>
+            </a:prstGeom>
+            <a:solidFill>
+              <a:srgbClr val="C77CFF">
+                <a:alpha val="100000"/>
+              </a:srgbClr>
+            </a:solidFill>
+            <a:ln w="9000" cap="rnd">
+              <a:solidFill>
+                <a:srgbClr val="C77CFF">
+                  <a:alpha val="100000"/>
+                </a:srgbClr>
+              </a:solidFill>
+              <a:prstDash val="solid"/>
+              <a:round/>
+            </a:ln>
+          </p:spPr>
+          <p:txBody>
+            <a:bodyPr/>
+            <a:lstStyle/>
+            <a:p/>
+          </p:txBody>
+        </p:sp>
+        <p:sp>
+          <p:nvSpPr>
+            <p:cNvPr id="259" name="pt258"/>
+            <p:cNvSpPr/>
+            <p:nvPr/>
+          </p:nvSpPr>
+          <p:spPr>
+            <a:xfrm>
+              <a:off x="5070915" y="3711596"/>
+              <a:ext cx="49651" cy="49651"/>
+            </a:xfrm>
+            <a:prstGeom prst="ellipse">
+              <a:avLst/>
+            </a:prstGeom>
+            <a:solidFill>
+              <a:srgbClr val="C77CFF">
+                <a:alpha val="100000"/>
+              </a:srgbClr>
+            </a:solidFill>
+            <a:ln w="9000" cap="rnd">
+              <a:solidFill>
+                <a:srgbClr val="C77CFF">
+                  <a:alpha val="100000"/>
+                </a:srgbClr>
+              </a:solidFill>
+              <a:prstDash val="solid"/>
+              <a:round/>
+            </a:ln>
+          </p:spPr>
+          <p:txBody>
+            <a:bodyPr/>
+            <a:lstStyle/>
+            <a:p/>
+          </p:txBody>
+        </p:sp>
+        <p:sp>
+          <p:nvSpPr>
+            <p:cNvPr id="260" name="pt259"/>
+            <p:cNvSpPr/>
+            <p:nvPr/>
+          </p:nvSpPr>
+          <p:spPr>
+            <a:xfrm>
+              <a:off x="5142544" y="3744516"/>
+              <a:ext cx="49651" cy="49651"/>
+            </a:xfrm>
+            <a:prstGeom prst="ellipse">
+              <a:avLst/>
+            </a:prstGeom>
+            <a:solidFill>
+              <a:srgbClr val="C77CFF">
+                <a:alpha val="100000"/>
+              </a:srgbClr>
+            </a:solidFill>
+            <a:ln w="9000" cap="rnd">
+              <a:solidFill>
+                <a:srgbClr val="C77CFF">
+                  <a:alpha val="100000"/>
+                </a:srgbClr>
+              </a:solidFill>
+              <a:prstDash val="solid"/>
+              <a:round/>
+            </a:ln>
+          </p:spPr>
+          <p:txBody>
+            <a:bodyPr/>
+            <a:lstStyle/>
+            <a:p/>
+          </p:txBody>
+        </p:sp>
+        <p:sp>
+          <p:nvSpPr>
+            <p:cNvPr id="261" name="pt260"/>
+            <p:cNvSpPr/>
+            <p:nvPr/>
+          </p:nvSpPr>
+          <p:spPr>
+            <a:xfrm>
+              <a:off x="5214173" y="3772172"/>
+              <a:ext cx="49651" cy="49651"/>
+            </a:xfrm>
+            <a:prstGeom prst="ellipse">
+              <a:avLst/>
+            </a:prstGeom>
+            <a:solidFill>
+              <a:srgbClr val="C77CFF">
+                <a:alpha val="100000"/>
+              </a:srgbClr>
+            </a:solidFill>
+            <a:ln w="9000" cap="rnd">
+              <a:solidFill>
+                <a:srgbClr val="C77CFF">
+                  <a:alpha val="100000"/>
+                </a:srgbClr>
+              </a:solidFill>
+              <a:prstDash val="solid"/>
+              <a:round/>
+            </a:ln>
+          </p:spPr>
+          <p:txBody>
+            <a:bodyPr/>
+            <a:lstStyle/>
+            <a:p/>
+          </p:txBody>
+        </p:sp>
+        <p:sp>
+          <p:nvSpPr>
+            <p:cNvPr id="262" name="pt261"/>
+            <p:cNvSpPr/>
+            <p:nvPr/>
+          </p:nvSpPr>
+          <p:spPr>
+            <a:xfrm>
+              <a:off x="5285802" y="3795654"/>
+              <a:ext cx="49651" cy="49651"/>
+            </a:xfrm>
+            <a:prstGeom prst="ellipse">
+              <a:avLst/>
+            </a:prstGeom>
+            <a:solidFill>
+              <a:srgbClr val="C77CFF">
+                <a:alpha val="100000"/>
+              </a:srgbClr>
+            </a:solidFill>
+            <a:ln w="9000" cap="rnd">
+              <a:solidFill>
+                <a:srgbClr val="C77CFF">
+                  <a:alpha val="100000"/>
+                </a:srgbClr>
+              </a:solidFill>
+              <a:prstDash val="solid"/>
+              <a:round/>
+            </a:ln>
+          </p:spPr>
+          <p:txBody>
+            <a:bodyPr/>
+            <a:lstStyle/>
+            <a:p/>
+          </p:txBody>
+        </p:sp>
+        <p:sp>
+          <p:nvSpPr>
+            <p:cNvPr id="263" name="pt262"/>
+            <p:cNvSpPr/>
+            <p:nvPr/>
+          </p:nvSpPr>
+          <p:spPr>
+            <a:xfrm>
+              <a:off x="5357432" y="3813261"/>
+              <a:ext cx="49651" cy="49651"/>
+            </a:xfrm>
+            <a:prstGeom prst="ellipse">
+              <a:avLst/>
+            </a:prstGeom>
+            <a:solidFill>
+              <a:srgbClr val="C77CFF">
+                <a:alpha val="100000"/>
+              </a:srgbClr>
+            </a:solidFill>
+            <a:ln w="9000" cap="rnd">
+              <a:solidFill>
+                <a:srgbClr val="C77CFF">
+                  <a:alpha val="100000"/>
+                </a:srgbClr>
+              </a:solidFill>
+              <a:prstDash val="solid"/>
+              <a:round/>
+            </a:ln>
+          </p:spPr>
+          <p:txBody>
+            <a:bodyPr/>
+            <a:lstStyle/>
+            <a:p/>
+          </p:txBody>
+        </p:sp>
+        <p:sp>
+          <p:nvSpPr>
+            <p:cNvPr id="264" name="pt263"/>
+            <p:cNvSpPr/>
+            <p:nvPr/>
+          </p:nvSpPr>
+          <p:spPr>
+            <a:xfrm>
+              <a:off x="5429061" y="3828387"/>
+              <a:ext cx="49651" cy="49651"/>
+            </a:xfrm>
+            <a:prstGeom prst="ellipse">
+              <a:avLst/>
+            </a:prstGeom>
+            <a:solidFill>
+              <a:srgbClr val="C77CFF">
+                <a:alpha val="100000"/>
+              </a:srgbClr>
+            </a:solidFill>
+            <a:ln w="9000" cap="rnd">
+              <a:solidFill>
+                <a:srgbClr val="C77CFF">
+                  <a:alpha val="100000"/>
+                </a:srgbClr>
+              </a:solidFill>
+              <a:prstDash val="solid"/>
+              <a:round/>
+            </a:ln>
+          </p:spPr>
+          <p:txBody>
+            <a:bodyPr/>
+            <a:lstStyle/>
+            <a:p/>
+          </p:txBody>
+        </p:sp>
+        <p:sp>
+          <p:nvSpPr>
+            <p:cNvPr id="265" name="tx264"/>
+            <p:cNvSpPr/>
+            <p:nvPr/>
+          </p:nvSpPr>
+          <p:spPr>
+            <a:xfrm>
+              <a:off x="1148183" y="3985462"/>
               <a:ext cx="217517" cy="81691"/>
             </a:xfrm>
             <a:prstGeom prst="rect">
@@ -8116,13 +12377,13 @@
         </p:sp>
         <p:sp>
           <p:nvSpPr>
-            <p:cNvPr id="154" name="tx153"/>
-            <p:cNvSpPr/>
-            <p:nvPr/>
-          </p:nvSpPr>
-          <p:spPr>
-            <a:xfrm>
-              <a:off x="1148183" y="3085352"/>
+            <p:cNvPr id="266" name="tx265"/>
+            <p:cNvSpPr/>
+            <p:nvPr/>
+          </p:nvSpPr>
+          <p:spPr>
+            <a:xfrm>
+              <a:off x="1148183" y="3138303"/>
               <a:ext cx="217517" cy="81691"/>
             </a:xfrm>
             <a:prstGeom prst="rect">
@@ -8162,13 +12423,13 @@
         </p:sp>
         <p:sp>
           <p:nvSpPr>
-            <p:cNvPr id="155" name="tx154"/>
-            <p:cNvSpPr/>
-            <p:nvPr/>
-          </p:nvSpPr>
-          <p:spPr>
-            <a:xfrm>
-              <a:off x="1148183" y="2171698"/>
+            <p:cNvPr id="267" name="tx266"/>
+            <p:cNvSpPr/>
+            <p:nvPr/>
+          </p:nvSpPr>
+          <p:spPr>
+            <a:xfrm>
+              <a:off x="1148183" y="2291145"/>
               <a:ext cx="217517" cy="81691"/>
             </a:xfrm>
             <a:prstGeom prst="rect">
@@ -8208,13 +12469,13 @@
         </p:sp>
         <p:sp>
           <p:nvSpPr>
-            <p:cNvPr id="156" name="tx155"/>
-            <p:cNvSpPr/>
-            <p:nvPr/>
-          </p:nvSpPr>
-          <p:spPr>
-            <a:xfrm>
-              <a:off x="1148183" y="1257988"/>
+            <p:cNvPr id="268" name="tx267"/>
+            <p:cNvSpPr/>
+            <p:nvPr/>
+          </p:nvSpPr>
+          <p:spPr>
+            <a:xfrm>
+              <a:off x="1148183" y="1443932"/>
               <a:ext cx="217517" cy="81746"/>
             </a:xfrm>
             <a:prstGeom prst="rect">
@@ -8254,13 +12515,13 @@
         </p:sp>
         <p:sp>
           <p:nvSpPr>
-            <p:cNvPr id="157" name="pl156"/>
-            <p:cNvSpPr/>
-            <p:nvPr/>
-          </p:nvSpPr>
-          <p:spPr>
-            <a:xfrm>
-              <a:off x="1393536" y="4040699"/>
+            <p:cNvPr id="269" name="pl268"/>
+            <p:cNvSpPr/>
+            <p:nvPr/>
+          </p:nvSpPr>
+          <p:spPr>
+            <a:xfrm>
+              <a:off x="1393536" y="4027153"/>
               <a:ext cx="34794" cy="0"/>
             </a:xfrm>
             <a:custGeom>
@@ -8294,13 +12555,13 @@
         </p:sp>
         <p:sp>
           <p:nvSpPr>
-            <p:cNvPr id="158" name="pl157"/>
-            <p:cNvSpPr/>
-            <p:nvPr/>
-          </p:nvSpPr>
-          <p:spPr>
-            <a:xfrm>
-              <a:off x="1393536" y="3127044"/>
+            <p:cNvPr id="270" name="pl269"/>
+            <p:cNvSpPr/>
+            <p:nvPr/>
+          </p:nvSpPr>
+          <p:spPr>
+            <a:xfrm>
+              <a:off x="1393536" y="3179995"/>
               <a:ext cx="34794" cy="0"/>
             </a:xfrm>
             <a:custGeom>
@@ -8334,13 +12595,13 @@
         </p:sp>
         <p:sp>
           <p:nvSpPr>
-            <p:cNvPr id="159" name="pl158"/>
-            <p:cNvSpPr/>
-            <p:nvPr/>
-          </p:nvSpPr>
-          <p:spPr>
-            <a:xfrm>
-              <a:off x="1393536" y="2213389"/>
+            <p:cNvPr id="271" name="pl270"/>
+            <p:cNvSpPr/>
+            <p:nvPr/>
+          </p:nvSpPr>
+          <p:spPr>
+            <a:xfrm>
+              <a:off x="1393536" y="2332837"/>
               <a:ext cx="34794" cy="0"/>
             </a:xfrm>
             <a:custGeom>
@@ -8374,13 +12635,13 @@
         </p:sp>
         <p:sp>
           <p:nvSpPr>
-            <p:cNvPr id="160" name="pl159"/>
-            <p:cNvSpPr/>
-            <p:nvPr/>
-          </p:nvSpPr>
-          <p:spPr>
-            <a:xfrm>
-              <a:off x="1393536" y="1299735"/>
+            <p:cNvPr id="272" name="pl271"/>
+            <p:cNvSpPr/>
+            <p:nvPr/>
+          </p:nvSpPr>
+          <p:spPr>
+            <a:xfrm>
+              <a:off x="1393536" y="1485678"/>
               <a:ext cx="34794" cy="0"/>
             </a:xfrm>
             <a:custGeom>
@@ -8414,7 +12675,7 @@
         </p:sp>
         <p:sp>
           <p:nvSpPr>
-            <p:cNvPr id="161" name="pl160"/>
+            <p:cNvPr id="273" name="pl272"/>
             <p:cNvSpPr/>
             <p:nvPr/>
           </p:nvSpPr>
@@ -8454,7 +12715,7 @@
         </p:sp>
         <p:sp>
           <p:nvSpPr>
-            <p:cNvPr id="162" name="pl161"/>
+            <p:cNvPr id="274" name="pl273"/>
             <p:cNvSpPr/>
             <p:nvPr/>
           </p:nvSpPr>
@@ -8494,7 +12755,7 @@
         </p:sp>
         <p:sp>
           <p:nvSpPr>
-            <p:cNvPr id="163" name="pl162"/>
+            <p:cNvPr id="275" name="pl274"/>
             <p:cNvSpPr/>
             <p:nvPr/>
           </p:nvSpPr>
@@ -8534,7 +12795,7 @@
         </p:sp>
         <p:sp>
           <p:nvSpPr>
-            <p:cNvPr id="164" name="pl163"/>
+            <p:cNvPr id="276" name="pl275"/>
             <p:cNvSpPr/>
             <p:nvPr/>
           </p:nvSpPr>
@@ -8574,7 +12835,7 @@
         </p:sp>
         <p:sp>
           <p:nvSpPr>
-            <p:cNvPr id="165" name="pl164"/>
+            <p:cNvPr id="277" name="pl276"/>
             <p:cNvSpPr/>
             <p:nvPr/>
           </p:nvSpPr>
@@ -8614,7 +12875,7 @@
         </p:sp>
         <p:sp>
           <p:nvSpPr>
-            <p:cNvPr id="166" name="pl165"/>
+            <p:cNvPr id="278" name="pl277"/>
             <p:cNvSpPr/>
             <p:nvPr/>
           </p:nvSpPr>
@@ -8654,7 +12915,7 @@
         </p:sp>
         <p:sp>
           <p:nvSpPr>
-            <p:cNvPr id="167" name="pl166"/>
+            <p:cNvPr id="279" name="pl278"/>
             <p:cNvSpPr/>
             <p:nvPr/>
           </p:nvSpPr>
@@ -8694,7 +12955,7 @@
         </p:sp>
         <p:sp>
           <p:nvSpPr>
-            <p:cNvPr id="168" name="pl167"/>
+            <p:cNvPr id="280" name="pl279"/>
             <p:cNvSpPr/>
             <p:nvPr/>
           </p:nvSpPr>
@@ -8734,7 +12995,7 @@
         </p:sp>
         <p:sp>
           <p:nvSpPr>
-            <p:cNvPr id="169" name="pl168"/>
+            <p:cNvPr id="281" name="pl280"/>
             <p:cNvSpPr/>
             <p:nvPr/>
           </p:nvSpPr>
@@ -8774,7 +13035,7 @@
         </p:sp>
         <p:sp>
           <p:nvSpPr>
-            <p:cNvPr id="170" name="pl169"/>
+            <p:cNvPr id="282" name="pl281"/>
             <p:cNvSpPr/>
             <p:nvPr/>
           </p:nvSpPr>
@@ -8814,7 +13075,7 @@
         </p:sp>
         <p:sp>
           <p:nvSpPr>
-            <p:cNvPr id="171" name="pl170"/>
+            <p:cNvPr id="283" name="pl282"/>
             <p:cNvSpPr/>
             <p:nvPr/>
           </p:nvSpPr>
@@ -8854,7 +13115,7 @@
         </p:sp>
         <p:sp>
           <p:nvSpPr>
-            <p:cNvPr id="172" name="pl171"/>
+            <p:cNvPr id="284" name="pl283"/>
             <p:cNvSpPr/>
             <p:nvPr/>
           </p:nvSpPr>
@@ -8894,7 +13155,7 @@
         </p:sp>
         <p:sp>
           <p:nvSpPr>
-            <p:cNvPr id="173" name="pl172"/>
+            <p:cNvPr id="285" name="pl284"/>
             <p:cNvSpPr/>
             <p:nvPr/>
           </p:nvSpPr>
@@ -8934,7 +13195,7 @@
         </p:sp>
         <p:sp>
           <p:nvSpPr>
-            <p:cNvPr id="174" name="pl173"/>
+            <p:cNvPr id="286" name="pl285"/>
             <p:cNvSpPr/>
             <p:nvPr/>
           </p:nvSpPr>
@@ -8974,7 +13235,7 @@
         </p:sp>
         <p:sp>
           <p:nvSpPr>
-            <p:cNvPr id="175" name="tx174"/>
+            <p:cNvPr id="287" name="tx286"/>
             <p:cNvSpPr/>
             <p:nvPr/>
           </p:nvSpPr>
@@ -9020,7 +13281,7 @@
         </p:sp>
         <p:sp>
           <p:nvSpPr>
-            <p:cNvPr id="176" name="tx175"/>
+            <p:cNvPr id="288" name="tx287"/>
             <p:cNvSpPr/>
             <p:nvPr/>
           </p:nvSpPr>
@@ -9066,7 +13327,7 @@
         </p:sp>
         <p:sp>
           <p:nvSpPr>
-            <p:cNvPr id="177" name="tx176"/>
+            <p:cNvPr id="289" name="tx288"/>
             <p:cNvSpPr/>
             <p:nvPr/>
           </p:nvSpPr>
@@ -9112,7 +13373,7 @@
         </p:sp>
         <p:sp>
           <p:nvSpPr>
-            <p:cNvPr id="178" name="tx177"/>
+            <p:cNvPr id="290" name="tx289"/>
             <p:cNvSpPr/>
             <p:nvPr/>
           </p:nvSpPr>
@@ -9158,7 +13419,7 @@
         </p:sp>
         <p:sp>
           <p:nvSpPr>
-            <p:cNvPr id="179" name="tx178"/>
+            <p:cNvPr id="291" name="tx290"/>
             <p:cNvSpPr/>
             <p:nvPr/>
           </p:nvSpPr>
@@ -9204,7 +13465,7 @@
         </p:sp>
         <p:sp>
           <p:nvSpPr>
-            <p:cNvPr id="180" name="tx179"/>
+            <p:cNvPr id="292" name="tx291"/>
             <p:cNvSpPr/>
             <p:nvPr/>
           </p:nvSpPr>
@@ -9250,7 +13511,7 @@
         </p:sp>
         <p:sp>
           <p:nvSpPr>
-            <p:cNvPr id="181" name="tx180"/>
+            <p:cNvPr id="293" name="tx292"/>
             <p:cNvSpPr/>
             <p:nvPr/>
           </p:nvSpPr>
@@ -9296,7 +13557,7 @@
         </p:sp>
         <p:sp>
           <p:nvSpPr>
-            <p:cNvPr id="182" name="tx181"/>
+            <p:cNvPr id="294" name="tx293"/>
             <p:cNvSpPr/>
             <p:nvPr/>
           </p:nvSpPr>
@@ -9342,7 +13603,7 @@
         </p:sp>
         <p:sp>
           <p:nvSpPr>
-            <p:cNvPr id="183" name="tx182"/>
+            <p:cNvPr id="295" name="tx294"/>
             <p:cNvSpPr/>
             <p:nvPr/>
           </p:nvSpPr>
@@ -9388,7 +13649,7 @@
         </p:sp>
         <p:sp>
           <p:nvSpPr>
-            <p:cNvPr id="184" name="tx183"/>
+            <p:cNvPr id="296" name="tx295"/>
             <p:cNvSpPr/>
             <p:nvPr/>
           </p:nvSpPr>
@@ -9434,7 +13695,7 @@
         </p:sp>
         <p:sp>
           <p:nvSpPr>
-            <p:cNvPr id="185" name="tx184"/>
+            <p:cNvPr id="297" name="tx296"/>
             <p:cNvSpPr/>
             <p:nvPr/>
           </p:nvSpPr>
@@ -9480,7 +13741,7 @@
         </p:sp>
         <p:sp>
           <p:nvSpPr>
-            <p:cNvPr id="186" name="tx185"/>
+            <p:cNvPr id="298" name="tx297"/>
             <p:cNvSpPr/>
             <p:nvPr/>
           </p:nvSpPr>
@@ -9526,7 +13787,7 @@
         </p:sp>
         <p:sp>
           <p:nvSpPr>
-            <p:cNvPr id="187" name="tx186"/>
+            <p:cNvPr id="299" name="tx298"/>
             <p:cNvSpPr/>
             <p:nvPr/>
           </p:nvSpPr>
@@ -9572,7 +13833,7 @@
         </p:sp>
         <p:sp>
           <p:nvSpPr>
-            <p:cNvPr id="188" name="tx187"/>
+            <p:cNvPr id="300" name="tx299"/>
             <p:cNvSpPr/>
             <p:nvPr/>
           </p:nvSpPr>
@@ -9618,7 +13879,7 @@
         </p:sp>
         <p:sp>
           <p:nvSpPr>
-            <p:cNvPr id="189" name="tx188"/>
+            <p:cNvPr id="301" name="tx300"/>
             <p:cNvSpPr/>
             <p:nvPr/>
           </p:nvSpPr>
@@ -9664,7 +13925,7 @@
         </p:sp>
         <p:sp>
           <p:nvSpPr>
-            <p:cNvPr id="190" name="tx189"/>
+            <p:cNvPr id="302" name="tx301"/>
             <p:cNvSpPr/>
             <p:nvPr/>
           </p:nvSpPr>
@@ -9710,7 +13971,7 @@
         </p:sp>
         <p:sp>
           <p:nvSpPr>
-            <p:cNvPr id="191" name="rc190"/>
+            <p:cNvPr id="303" name="rc302"/>
             <p:cNvSpPr/>
             <p:nvPr/>
           </p:nvSpPr>
@@ -9736,7 +13997,7 @@
         </p:sp>
         <p:sp>
           <p:nvSpPr>
-            <p:cNvPr id="192" name="tx191"/>
+            <p:cNvPr id="304" name="tx303"/>
             <p:cNvSpPr/>
             <p:nvPr/>
           </p:nvSpPr>
@@ -9782,7 +14043,7 @@
         </p:sp>
         <p:sp>
           <p:nvSpPr>
-            <p:cNvPr id="193" name="rc192"/>
+            <p:cNvPr id="305" name="rc304"/>
             <p:cNvSpPr/>
             <p:nvPr/>
           </p:nvSpPr>
@@ -9808,7 +14069,7 @@
         </p:sp>
         <p:sp>
           <p:nvSpPr>
-            <p:cNvPr id="194" name="pl193"/>
+            <p:cNvPr id="306" name="pl305"/>
             <p:cNvSpPr/>
             <p:nvPr/>
           </p:nvSpPr>
@@ -9848,7 +14109,7 @@
         </p:sp>
         <p:sp>
           <p:nvSpPr>
-            <p:cNvPr id="195" name="pt194"/>
+            <p:cNvPr id="307" name="pt306"/>
             <p:cNvSpPr/>
             <p:nvPr/>
           </p:nvSpPr>
@@ -9883,7 +14144,7 @@
         </p:sp>
         <p:sp>
           <p:nvSpPr>
-            <p:cNvPr id="196" name="rc195"/>
+            <p:cNvPr id="308" name="rc307"/>
             <p:cNvSpPr/>
             <p:nvPr/>
           </p:nvSpPr>
@@ -9909,7 +14170,7 @@
         </p:sp>
         <p:sp>
           <p:nvSpPr>
-            <p:cNvPr id="197" name="pl196"/>
+            <p:cNvPr id="309" name="pl308"/>
             <p:cNvSpPr/>
             <p:nvPr/>
           </p:nvSpPr>
@@ -9949,7 +14210,7 @@
         </p:sp>
         <p:sp>
           <p:nvSpPr>
-            <p:cNvPr id="198" name="pt197"/>
+            <p:cNvPr id="310" name="pt309"/>
             <p:cNvSpPr/>
             <p:nvPr/>
           </p:nvSpPr>
@@ -9984,7 +14245,7 @@
         </p:sp>
         <p:sp>
           <p:nvSpPr>
-            <p:cNvPr id="199" name="rc198"/>
+            <p:cNvPr id="311" name="rc310"/>
             <p:cNvSpPr/>
             <p:nvPr/>
           </p:nvSpPr>
@@ -10010,7 +14271,7 @@
         </p:sp>
         <p:sp>
           <p:nvSpPr>
-            <p:cNvPr id="200" name="pl199"/>
+            <p:cNvPr id="312" name="pl311"/>
             <p:cNvSpPr/>
             <p:nvPr/>
           </p:nvSpPr>
@@ -10050,7 +14311,7 @@
         </p:sp>
         <p:sp>
           <p:nvSpPr>
-            <p:cNvPr id="201" name="pt200"/>
+            <p:cNvPr id="313" name="pt312"/>
             <p:cNvSpPr/>
             <p:nvPr/>
           </p:nvSpPr>
@@ -10085,7 +14346,7 @@
         </p:sp>
         <p:sp>
           <p:nvSpPr>
-            <p:cNvPr id="202" name="rc201"/>
+            <p:cNvPr id="314" name="rc313"/>
             <p:cNvSpPr/>
             <p:nvPr/>
           </p:nvSpPr>
@@ -10111,7 +14372,7 @@
         </p:sp>
         <p:sp>
           <p:nvSpPr>
-            <p:cNvPr id="203" name="pl202"/>
+            <p:cNvPr id="315" name="pl314"/>
             <p:cNvSpPr/>
             <p:nvPr/>
           </p:nvSpPr>
@@ -10151,7 +14412,7 @@
         </p:sp>
         <p:sp>
           <p:nvSpPr>
-            <p:cNvPr id="204" name="pt203"/>
+            <p:cNvPr id="316" name="pt315"/>
             <p:cNvSpPr/>
             <p:nvPr/>
           </p:nvSpPr>
@@ -10186,7 +14447,7 @@
         </p:sp>
         <p:sp>
           <p:nvSpPr>
-            <p:cNvPr id="205" name="tx204"/>
+            <p:cNvPr id="317" name="tx316"/>
             <p:cNvSpPr/>
             <p:nvPr/>
           </p:nvSpPr>
@@ -10232,7 +14493,7 @@
         </p:sp>
         <p:sp>
           <p:nvSpPr>
-            <p:cNvPr id="206" name="tx205"/>
+            <p:cNvPr id="318" name="tx317"/>
             <p:cNvSpPr/>
             <p:nvPr/>
           </p:nvSpPr>
@@ -10278,7 +14539,7 @@
         </p:sp>
         <p:sp>
           <p:nvSpPr>
-            <p:cNvPr id="207" name="tx206"/>
+            <p:cNvPr id="319" name="tx318"/>
             <p:cNvSpPr/>
             <p:nvPr/>
           </p:nvSpPr>
@@ -10324,7 +14585,7 @@
         </p:sp>
         <p:sp>
           <p:nvSpPr>
-            <p:cNvPr id="208" name="tx207"/>
+            <p:cNvPr id="320" name="tx319"/>
             <p:cNvSpPr/>
             <p:nvPr/>
           </p:nvSpPr>
